--- a/Kaggle Winner Call Template.pptx
+++ b/Kaggle Winner Call Template.pptx
@@ -15,21 +15,25 @@
     <p:sldId id="646" r:id="rId8"/>
     <p:sldId id="647" r:id="rId9"/>
     <p:sldId id="638" r:id="rId10"/>
-    <p:sldId id="681" r:id="rId11"/>
-    <p:sldId id="641" r:id="rId12"/>
-    <p:sldId id="665" r:id="rId13"/>
-    <p:sldId id="695" r:id="rId14"/>
-    <p:sldId id="682" r:id="rId15"/>
-    <p:sldId id="683" r:id="rId16"/>
-    <p:sldId id="684" r:id="rId17"/>
-    <p:sldId id="648" r:id="rId18"/>
-    <p:sldId id="685" r:id="rId19"/>
-    <p:sldId id="649" r:id="rId20"/>
-    <p:sldId id="634" r:id="rId21"/>
-    <p:sldId id="686" r:id="rId22"/>
-    <p:sldId id="694" r:id="rId23"/>
-    <p:sldId id="655" r:id="rId24"/>
-    <p:sldId id="312" r:id="rId25"/>
+    <p:sldId id="707" r:id="rId11"/>
+    <p:sldId id="681" r:id="rId12"/>
+    <p:sldId id="708" r:id="rId13"/>
+    <p:sldId id="641" r:id="rId14"/>
+    <p:sldId id="665" r:id="rId15"/>
+    <p:sldId id="682" r:id="rId16"/>
+    <p:sldId id="741" r:id="rId17"/>
+    <p:sldId id="683" r:id="rId18"/>
+    <p:sldId id="684" r:id="rId19"/>
+    <p:sldId id="648" r:id="rId20"/>
+    <p:sldId id="685" r:id="rId21"/>
+    <p:sldId id="709" r:id="rId22"/>
+    <p:sldId id="649" r:id="rId23"/>
+    <p:sldId id="634" r:id="rId24"/>
+    <p:sldId id="740" r:id="rId25"/>
+    <p:sldId id="686" r:id="rId26"/>
+    <p:sldId id="694" r:id="rId27"/>
+    <p:sldId id="655" r:id="rId28"/>
+    <p:sldId id="312" r:id="rId29"/>
   </p:sldIdLst>
   <p:sldSz cx="9144000" cy="5143500" type="screen16x9"/>
   <p:notesSz cx="6858000" cy="9144000"/>
@@ -131,42 +135,37 @@
   <p:extLst>
     <p:ext uri="{EFAFB233-063F-42B5-8137-9DF3F51BA10A}">
       <p15:sldGuideLst xmlns:p15="http://schemas.microsoft.com/office/powerpoint/2012/main">
-        <p15:guide id="1" orient="horz" pos="1006" userDrawn="1">
+        <p15:guide id="7" orient="horz" pos="1028" userDrawn="1">
           <p15:clr>
             <a:srgbClr val="A4A3A4"/>
           </p15:clr>
         </p15:guide>
-        <p15:guide id="2" pos="1968" userDrawn="1">
+        <p15:guide id="2" pos="1948" userDrawn="1">
           <p15:clr>
             <a:srgbClr val="A4A3A4"/>
           </p15:clr>
         </p15:guide>
-        <p15:guide id="3" orient="horz" pos="756" userDrawn="1">
+        <p15:guide id="3" orient="horz" pos="761" userDrawn="1">
           <p15:clr>
             <a:srgbClr val="A4A3A4"/>
           </p15:clr>
         </p15:guide>
-        <p15:guide id="4" pos="1728" userDrawn="1">
+        <p15:guide id="14" pos="1762" userDrawn="1">
           <p15:clr>
             <a:srgbClr val="A4A3A4"/>
           </p15:clr>
         </p15:guide>
-        <p15:guide id="5" pos="2016" userDrawn="1">
+        <p15:guide id="5" pos="2001" userDrawn="1">
           <p15:clr>
             <a:srgbClr val="A4A3A4"/>
           </p15:clr>
         </p15:guide>
-        <p15:guide id="6" orient="horz" pos="2244" userDrawn="1">
+        <p15:guide id="12" orient="horz" pos="2244" userDrawn="1">
           <p15:clr>
             <a:srgbClr val="A4A3A4"/>
           </p15:clr>
         </p15:guide>
-        <p15:guide id="7" orient="horz" pos="935" userDrawn="1">
-          <p15:clr>
-            <a:srgbClr val="A4A3A4"/>
-          </p15:clr>
-        </p15:guide>
-        <p15:guide id="8" pos="1872" userDrawn="1">
+        <p15:guide id="8" pos="1845" userDrawn="1">
           <p15:clr>
             <a:srgbClr val="A4A3A4"/>
           </p15:clr>
@@ -176,7 +175,7 @@
             <a:srgbClr val="A4A3A4"/>
           </p15:clr>
         </p15:guide>
-        <p15:guide id="10" orient="horz" pos="2100" userDrawn="1">
+        <p15:guide id="10" orient="horz" pos="2136" userDrawn="1">
           <p15:clr>
             <a:srgbClr val="A4A3A4"/>
           </p15:clr>
@@ -186,17 +185,7 @@
             <a:srgbClr val="A4A3A4"/>
           </p15:clr>
         </p15:guide>
-        <p15:guide id="12" orient="horz" pos="2288" userDrawn="1">
-          <p15:clr>
-            <a:srgbClr val="A4A3A4"/>
-          </p15:clr>
-        </p15:guide>
-        <p15:guide id="13" pos="1601" userDrawn="1">
-          <p15:clr>
-            <a:srgbClr val="A4A3A4"/>
-          </p15:clr>
-        </p15:guide>
-        <p15:guide id="14" pos="1790" userDrawn="1">
+        <p15:guide id="13" pos="1613" userDrawn="1">
           <p15:clr>
             <a:srgbClr val="A4A3A4"/>
           </p15:clr>
@@ -600,15 +589,18 @@
           <a:p>
             <a:r>
               <a:rPr lang="en-US" dirty="0"/>
-              <a:t>Recommending picking out he most interesting</a:t>
-            </a:r>
-            <a:r>
-              <a:rPr lang="en-US" baseline="0" dirty="0"/>
-              <a:t> and important parts from </a:t>
-            </a:r>
-            <a:r>
-              <a:rPr lang="en-US" baseline="0"/>
-              <a:t>your documentation. </a:t>
+              <a:t>1. H</a:t>
+            </a:r>
+            <a:r>
+              <a:rPr lang="en-US" dirty="0"/>
+              <a:t>ello, everyone. </a:t>
+            </a:r>
+            <a:endParaRPr lang="en-US" dirty="0"/>
+          </a:p>
+          <a:p>
+            <a:r>
+              <a:rPr lang="en-US" dirty="0"/>
+              <a:t>2. First of all, thanks kaggle and the host for providing this opportunity. And It’s very hornor to give a presentation about my solution.</a:t>
             </a:r>
             <a:endParaRPr lang="en-US" dirty="0"/>
           </a:p>
@@ -688,6 +680,44 @@
           <a:bodyPr/>
           <a:lstStyle/>
           <a:p>
+            <a:r>
+              <a:rPr lang="en-US" dirty="0"/>
+              <a:t>1. As shown in the left figure, each row is a eeg data sequence. </a:t>
+            </a:r>
+            <a:endParaRPr lang="en-US" dirty="0"/>
+          </a:p>
+          <a:p>
+            <a:r>
+              <a:rPr lang="en-US" dirty="0"/>
+              <a:t>2. By concating the data along the channel axis, it will produce an image like 2-d array. Then it can be feeded into an vision model. </a:t>
+            </a:r>
+            <a:endParaRPr lang="en-US" dirty="0"/>
+          </a:p>
+          <a:p>
+            <a:endParaRPr lang="en-US" dirty="0"/>
+          </a:p>
+          <a:p>
+            <a:r>
+              <a:rPr lang="en-US" dirty="0"/>
+              <a:t>3. However the sequence is too long, it’s difficult for a vision model to cover such a big size in x direction. Then a slice and reshape operators are needed. After the packing, than we get an 160x1000 image. </a:t>
+            </a:r>
+            <a:endParaRPr lang="en-US" dirty="0"/>
+          </a:p>
+          <a:p>
+            <a:r>
+              <a:rPr lang="en-US" dirty="0"/>
+              <a:t>4 . Here i do some experiments about the reshape params, and 160x1000 is the best there.</a:t>
+            </a:r>
+            <a:endParaRPr lang="en-US" dirty="0"/>
+          </a:p>
+          <a:p>
+            <a:endParaRPr lang="en-US" dirty="0"/>
+          </a:p>
+          <a:p>
+            <a:r>
+              <a:rPr lang="en-US" dirty="0"/>
+              <a:t>5. And with this model, get public lb 0.23, and private lb 0.282.</a:t>
+            </a:r>
             <a:endParaRPr lang="en-US" dirty="0"/>
           </a:p>
         </p:txBody>
@@ -766,6 +796,27 @@
           <a:bodyPr/>
           <a:lstStyle/>
           <a:p>
+            <a:r>
+              <a:rPr lang="en-US" dirty="0"/>
+              <a:t>1.Then , the spectrum model. </a:t>
+            </a:r>
+            <a:endParaRPr lang="en-US" dirty="0"/>
+          </a:p>
+          <a:p>
+            <a:r>
+              <a:rPr lang="en-US" dirty="0"/>
+              <a:t>2. Different with the method is in the public notebook, I use a 3d vision model, which can capture the sequence feature and the channel relationship better. </a:t>
+            </a:r>
+            <a:endParaRPr lang="en-US" dirty="0"/>
+          </a:p>
+          <a:p>
+            <a:r>
+              <a:rPr lang="en-US" dirty="0"/>
+              <a:t>3. By applying stft transform, the waveform produce a 16 channels sprectrums, then unsquezee the C dim, and repeat 3. we get a plain input for 3d vision model.</a:t>
+            </a:r>
+            <a:endParaRPr lang="en-US" dirty="0"/>
+          </a:p>
+          <a:p>
             <a:endParaRPr lang="en-US" dirty="0"/>
           </a:p>
         </p:txBody>
@@ -844,6 +895,34 @@
           <a:bodyPr/>
           <a:lstStyle/>
           <a:p>
+            <a:r>
+              <a:rPr lang="en-US" dirty="0"/>
+              <a:t>There is the detail about the model.</a:t>
+            </a:r>
+            <a:endParaRPr lang="en-US" dirty="0"/>
+          </a:p>
+          <a:p>
+            <a:r>
+              <a:rPr lang="en-US" dirty="0"/>
+              <a:t>1. I use two inputs, A 50s wave and a center 10s wave, but with different stride when doing the stft.</a:t>
+            </a:r>
+            <a:endParaRPr lang="en-US" dirty="0"/>
+          </a:p>
+          <a:p>
+            <a:r>
+              <a:rPr lang="en-US" dirty="0"/>
+              <a:t>2. after the stft, concat them, then feeded into the x3d vision model.</a:t>
+            </a:r>
+            <a:endParaRPr lang="en-US" dirty="0"/>
+          </a:p>
+          <a:p>
+            <a:r>
+              <a:rPr lang="en-US" dirty="0"/>
+              <a:t>3. this model get public 0.25 ,private 0.29.</a:t>
+            </a:r>
+            <a:endParaRPr lang="en-US" dirty="0"/>
+          </a:p>
+          <a:p>
             <a:endParaRPr lang="en-US" dirty="0"/>
           </a:p>
         </p:txBody>
@@ -922,6 +1001,27 @@
           <a:bodyPr/>
           <a:lstStyle/>
           <a:p>
+            <a:r>
+              <a:rPr lang="en-US" dirty="0"/>
+              <a:t>1. I also use oneimage method to add diversity, like in the public notebook. </a:t>
+            </a:r>
+            <a:endParaRPr lang="en-US" dirty="0"/>
+          </a:p>
+          <a:p>
+            <a:r>
+              <a:rPr lang="en-US" dirty="0"/>
+              <a:t>2. It scores public 0.26, private 0.30.</a:t>
+            </a:r>
+            <a:endParaRPr lang="en-US" dirty="0"/>
+          </a:p>
+          <a:p>
+            <a:r>
+              <a:rPr lang="en-US" dirty="0"/>
+              <a:t>3. combine these two spectrm model ,get 0.28 private lb.</a:t>
+            </a:r>
+            <a:endParaRPr lang="en-US" dirty="0"/>
+          </a:p>
+          <a:p>
             <a:endParaRPr lang="en-US" dirty="0"/>
           </a:p>
         </p:txBody>
@@ -1000,6 +1100,24 @@
           <a:bodyPr/>
           <a:lstStyle/>
           <a:p>
+            <a:r>
+              <a:rPr lang="en-US" dirty="0"/>
+              <a:t>1. A mixsure of the raw signal and the spectrum is constructed.</a:t>
+            </a:r>
+            <a:endParaRPr lang="en-US" dirty="0"/>
+          </a:p>
+          <a:p>
+            <a:r>
+              <a:rPr lang="en-US" dirty="0"/>
+              <a:t>2. Basicly, it’s the same with the previous model, left branch is waves-&gt;stft-&gt;x3d, right branch is waves-&gt;packed reshap-&gt;effnetb5. then concat the feature do the predict.</a:t>
+            </a:r>
+            <a:endParaRPr lang="en-US" dirty="0"/>
+          </a:p>
+          <a:p>
+            <a:r>
+              <a:rPr lang="en-US" dirty="0"/>
+              <a:t>3. It scores public 0.232, private 0.285,  I expected the model work the best, but not that good as the raw signal model. Maybe more tunning is needed.</a:t>
+            </a:r>
             <a:endParaRPr lang="en-US" dirty="0"/>
           </a:p>
         </p:txBody>
@@ -1078,6 +1196,10 @@
           <a:bodyPr/>
           <a:lstStyle/>
           <a:p>
+            <a:r>
+              <a:rPr lang="en-US" dirty="0"/>
+              <a:t>Then coms to ensemble.</a:t>
+            </a:r>
             <a:endParaRPr lang="en-US" dirty="0"/>
           </a:p>
         </p:txBody>
@@ -1156,7 +1278,33 @@
           <a:bodyPr/>
           <a:lstStyle/>
           <a:p>
+            <a:r>
+              <a:rPr lang="en-US" dirty="0"/>
+              <a:t>1. There are 6 models in the final ensemble, 3 raw signal models, 2 spectrum models, and a mix model. </a:t>
+            </a:r>
             <a:endParaRPr lang="en-US" dirty="0"/>
+          </a:p>
+          <a:p>
+            <a:r>
+              <a:rPr lang="en-US" dirty="0"/>
+              <a:t>2. Different backbones are used, including hgnetb5,effnetb5,x3d-l.</a:t>
+            </a:r>
+            <a:endParaRPr lang="en-US" dirty="0"/>
+          </a:p>
+          <a:p>
+            <a:r>
+              <a:rPr lang="en-US" dirty="0"/>
+              <a:t>3. I didn</a:t>
+            </a:r>
+            <a:r>
+              <a:rPr lang="zh-CN" altLang="en-US" dirty="0"/>
+              <a:t>‘</a:t>
+            </a:r>
+            <a:r>
+              <a:rPr lang="en-US" altLang="zh-CN" dirty="0"/>
+              <a:t>t tune too much about the ensemble weights.</a:t>
+            </a:r>
+            <a:endParaRPr lang="en-US" altLang="zh-CN" dirty="0"/>
           </a:p>
         </p:txBody>
       </p:sp>
@@ -1312,6 +1460,10 @@
           <a:bodyPr/>
           <a:lstStyle/>
           <a:p>
+            <a:r>
+              <a:rPr lang="en-US" dirty="0"/>
+              <a:t>Then we will talk about the trainning procedure.</a:t>
+            </a:r>
             <a:endParaRPr lang="en-US" dirty="0"/>
           </a:p>
         </p:txBody>
@@ -1390,6 +1542,82 @@
           <a:bodyPr/>
           <a:lstStyle/>
           <a:p>
+            <a:r>
+              <a:rPr lang="en-US" dirty="0"/>
+              <a:t>The data were reconstructed. </a:t>
+            </a:r>
+            <a:endParaRPr lang="en-US" dirty="0"/>
+          </a:p>
+          <a:p>
+            <a:r>
+              <a:rPr lang="en-US" dirty="0"/>
+              <a:t>1. data were grouped by eeg_id.</a:t>
+            </a:r>
+            <a:endParaRPr lang="en-US" dirty="0"/>
+          </a:p>
+          <a:p>
+            <a:r>
+              <a:rPr lang="en-US" dirty="0"/>
+              <a:t>2. When trainning, for each iter, a </a:t>
+            </a:r>
+            <a:r>
+              <a:rPr lang="en-US" dirty="0">
+                <a:latin typeface="Inter" panose="020B0502030000000004" pitchFamily="34" charset="0"/>
+                <a:ea typeface="Inter" panose="020B0502030000000004" pitchFamily="34" charset="0"/>
+                <a:cs typeface="Inter" panose="020B0502030000000004" pitchFamily="34" charset="0"/>
+                <a:sym typeface="+mn-ea"/>
+              </a:rPr>
+              <a:t>eeg_label_offset were random sampled, also a vote numer.</a:t>
+            </a:r>
+            <a:endParaRPr lang="en-US" dirty="0">
+              <a:latin typeface="Inter" panose="020B0502030000000004" pitchFamily="34" charset="0"/>
+              <a:ea typeface="Inter" panose="020B0502030000000004" pitchFamily="34" charset="0"/>
+              <a:cs typeface="Inter" panose="020B0502030000000004" pitchFamily="34" charset="0"/>
+              <a:sym typeface="+mn-ea"/>
+            </a:endParaRPr>
+          </a:p>
+          <a:p>
+            <a:r>
+              <a:rPr lang="en-US" dirty="0"/>
+              <a:t>3. When validation, we use the middle, offset=</a:t>
+            </a:r>
+            <a:r>
+              <a:rPr lang="en-US" dirty="0">
+                <a:latin typeface="Inter" panose="020B0502030000000004" pitchFamily="34" charset="0"/>
+                <a:ea typeface="Inter" panose="020B0502030000000004" pitchFamily="34" charset="0"/>
+                <a:cs typeface="Inter" panose="020B0502030000000004" pitchFamily="34" charset="0"/>
+                <a:sym typeface="+mn-ea"/>
+              </a:rPr>
+              <a:t>int((offset_min + offset_max) // 2), vote= np.mean(sum(votes))</a:t>
+            </a:r>
+            <a:endParaRPr lang="en-US" dirty="0">
+              <a:latin typeface="Inter" panose="020B0502030000000004" pitchFamily="34" charset="0"/>
+              <a:ea typeface="Inter" panose="020B0502030000000004" pitchFamily="34" charset="0"/>
+              <a:cs typeface="Inter" panose="020B0502030000000004" pitchFamily="34" charset="0"/>
+              <a:sym typeface="+mn-ea"/>
+            </a:endParaRPr>
+          </a:p>
+          <a:p>
+            <a:pPr indent="0" eaLnBrk="1" hangingPunct="1">
+              <a:lnSpc>
+                <a:spcPct val="120000"/>
+              </a:lnSpc>
+              <a:buFont typeface="Arial" panose="020B0604020202090204" pitchFamily="34" charset="0"/>
+              <a:buNone/>
+            </a:pPr>
+            <a:r>
+              <a:rPr lang="en-US" dirty="0"/>
+              <a:t>4. and the target is </a:t>
+            </a:r>
+            <a:r>
+              <a:rPr lang="en-US" dirty="0">
+                <a:latin typeface="Inter" panose="020B0502030000000004" pitchFamily="34" charset="0"/>
+                <a:ea typeface="Inter" panose="020B0502030000000004" pitchFamily="34" charset="0"/>
+                <a:cs typeface="Inter" panose="020B0502030000000004" pitchFamily="34" charset="0"/>
+                <a:sym typeface="+mn-ea"/>
+              </a:rPr>
+              <a:t>averaged across subsamples in one eeg_id</a:t>
+            </a:r>
             <a:endParaRPr lang="en-US" dirty="0"/>
           </a:p>
         </p:txBody>
@@ -1468,6 +1696,343 @@
           <a:bodyPr/>
           <a:lstStyle/>
           <a:p>
+            <a:r>
+              <a:rPr lang="en-US" dirty="0"/>
+              <a:t>let’s see what we will talk aout in the next?</a:t>
+            </a:r>
+            <a:endParaRPr lang="en-US" dirty="0"/>
+          </a:p>
+        </p:txBody>
+      </p:sp>
+      <p:sp>
+        <p:nvSpPr>
+          <p:cNvPr id="4" name="Slide Number Placeholder 3"/>
+          <p:cNvSpPr>
+            <a:spLocks noGrp="1"/>
+          </p:cNvSpPr>
+          <p:nvPr>
+            <p:ph type="sldNum" sz="quarter" idx="10"/>
+          </p:nvPr>
+        </p:nvSpPr>
+        <p:spPr/>
+        <p:txBody>
+          <a:bodyPr/>
+          <a:lstStyle/>
+          <a:p>
+            <a:fld id="{C9024DA6-3CD8-4762-9CE8-B1DCA4D27621}" type="slidenum">
+              <a:rPr lang="en-US" smtClean="0"/>
+            </a:fld>
+            <a:endParaRPr lang="en-US"/>
+          </a:p>
+        </p:txBody>
+      </p:sp>
+    </p:spTree>
+  </p:cSld>
+  <p:clrMapOvr>
+    <a:masterClrMapping/>
+  </p:clrMapOvr>
+</p:notes>
+</file>
+
+<file path=ppt/notesSlides/notesSlide20.xml><?xml version="1.0" encoding="utf-8"?>
+<p:notes xmlns:a="http://schemas.openxmlformats.org/drawingml/2006/main" xmlns:r="http://schemas.openxmlformats.org/officeDocument/2006/relationships" xmlns:p="http://schemas.openxmlformats.org/presentationml/2006/main">
+  <p:cSld>
+    <p:spTree>
+      <p:nvGrpSpPr>
+        <p:cNvPr id="1" name=""/>
+        <p:cNvGrpSpPr/>
+        <p:nvPr/>
+      </p:nvGrpSpPr>
+      <p:grpSpPr>
+        <a:xfrm>
+          <a:off x="0" y="0"/>
+          <a:ext cx="0" cy="0"/>
+          <a:chOff x="0" y="0"/>
+          <a:chExt cx="0" cy="0"/>
+        </a:xfrm>
+      </p:grpSpPr>
+      <p:sp>
+        <p:nvSpPr>
+          <p:cNvPr id="2" name="Slide Image Placeholder 1"/>
+          <p:cNvSpPr>
+            <a:spLocks noGrp="1" noRot="1" noChangeAspect="1"/>
+          </p:cNvSpPr>
+          <p:nvPr>
+            <p:ph type="sldImg"/>
+          </p:nvPr>
+        </p:nvSpPr>
+        <p:spPr/>
+      </p:sp>
+      <p:sp>
+        <p:nvSpPr>
+          <p:cNvPr id="3" name="Notes Placeholder 2"/>
+          <p:cNvSpPr>
+            <a:spLocks noGrp="1"/>
+          </p:cNvSpPr>
+          <p:nvPr>
+            <p:ph type="body" idx="1"/>
+          </p:nvPr>
+        </p:nvSpPr>
+        <p:spPr/>
+        <p:txBody>
+          <a:bodyPr/>
+          <a:lstStyle/>
+          <a:p>
+            <a:endParaRPr lang="en-US" dirty="0"/>
+          </a:p>
+        </p:txBody>
+      </p:sp>
+      <p:sp>
+        <p:nvSpPr>
+          <p:cNvPr id="4" name="Slide Number Placeholder 3"/>
+          <p:cNvSpPr>
+            <a:spLocks noGrp="1"/>
+          </p:cNvSpPr>
+          <p:nvPr>
+            <p:ph type="sldNum" sz="quarter" idx="10"/>
+          </p:nvPr>
+        </p:nvSpPr>
+        <p:spPr/>
+        <p:txBody>
+          <a:bodyPr/>
+          <a:lstStyle/>
+          <a:p>
+            <a:fld id="{C9024DA6-3CD8-4762-9CE8-B1DCA4D27621}" type="slidenum">
+              <a:rPr lang="en-US" smtClean="0"/>
+            </a:fld>
+            <a:endParaRPr lang="en-US"/>
+          </a:p>
+        </p:txBody>
+      </p:sp>
+    </p:spTree>
+  </p:cSld>
+  <p:clrMapOvr>
+    <a:masterClrMapping/>
+  </p:clrMapOvr>
+</p:notes>
+</file>
+
+<file path=ppt/notesSlides/notesSlide21.xml><?xml version="1.0" encoding="utf-8"?>
+<p:notes xmlns:a="http://schemas.openxmlformats.org/drawingml/2006/main" xmlns:r="http://schemas.openxmlformats.org/officeDocument/2006/relationships" xmlns:p="http://schemas.openxmlformats.org/presentationml/2006/main">
+  <p:cSld>
+    <p:spTree>
+      <p:nvGrpSpPr>
+        <p:cNvPr id="1" name=""/>
+        <p:cNvGrpSpPr/>
+        <p:nvPr/>
+      </p:nvGrpSpPr>
+      <p:grpSpPr>
+        <a:xfrm>
+          <a:off x="0" y="0"/>
+          <a:ext cx="0" cy="0"/>
+          <a:chOff x="0" y="0"/>
+          <a:chExt cx="0" cy="0"/>
+        </a:xfrm>
+      </p:grpSpPr>
+      <p:sp>
+        <p:nvSpPr>
+          <p:cNvPr id="2" name="Slide Image Placeholder 1"/>
+          <p:cNvSpPr>
+            <a:spLocks noGrp="1" noRot="1" noChangeAspect="1"/>
+          </p:cNvSpPr>
+          <p:nvPr>
+            <p:ph type="sldImg"/>
+          </p:nvPr>
+        </p:nvSpPr>
+        <p:spPr/>
+      </p:sp>
+      <p:sp>
+        <p:nvSpPr>
+          <p:cNvPr id="3" name="Notes Placeholder 2"/>
+          <p:cNvSpPr>
+            <a:spLocks noGrp="1"/>
+          </p:cNvSpPr>
+          <p:nvPr>
+            <p:ph type="body" idx="1"/>
+          </p:nvPr>
+        </p:nvSpPr>
+        <p:spPr/>
+        <p:txBody>
+          <a:bodyPr/>
+          <a:lstStyle/>
+          <a:p>
+            <a:r>
+              <a:rPr lang="en-US" dirty="0"/>
+              <a:t>I use two stage trainning as most people does. </a:t>
+            </a:r>
+            <a:endParaRPr lang="en-US" dirty="0"/>
+          </a:p>
+          <a:p>
+            <a:r>
+              <a:rPr lang="en-US" dirty="0"/>
+              <a:t>In stage 1, </a:t>
+            </a:r>
+            <a:endParaRPr lang="en-US" dirty="0"/>
+          </a:p>
+          <a:p>
+            <a:r>
+              <a:rPr lang="en-US" dirty="0"/>
+              <a:t>In stage 2,</a:t>
+            </a:r>
+            <a:endParaRPr lang="en-US" dirty="0"/>
+          </a:p>
+          <a:p>
+            <a:endParaRPr lang="en-US" dirty="0"/>
+          </a:p>
+        </p:txBody>
+      </p:sp>
+      <p:sp>
+        <p:nvSpPr>
+          <p:cNvPr id="4" name="Slide Number Placeholder 3"/>
+          <p:cNvSpPr>
+            <a:spLocks noGrp="1"/>
+          </p:cNvSpPr>
+          <p:nvPr>
+            <p:ph type="sldNum" sz="quarter" idx="10"/>
+          </p:nvPr>
+        </p:nvSpPr>
+        <p:spPr/>
+        <p:txBody>
+          <a:bodyPr/>
+          <a:lstStyle/>
+          <a:p>
+            <a:fld id="{C9024DA6-3CD8-4762-9CE8-B1DCA4D27621}" type="slidenum">
+              <a:rPr lang="en-US" smtClean="0"/>
+            </a:fld>
+            <a:endParaRPr lang="en-US"/>
+          </a:p>
+        </p:txBody>
+      </p:sp>
+    </p:spTree>
+  </p:cSld>
+  <p:clrMapOvr>
+    <a:masterClrMapping/>
+  </p:clrMapOvr>
+</p:notes>
+</file>
+
+<file path=ppt/notesSlides/notesSlide22.xml><?xml version="1.0" encoding="utf-8"?>
+<p:notes xmlns:a="http://schemas.openxmlformats.org/drawingml/2006/main" xmlns:r="http://schemas.openxmlformats.org/officeDocument/2006/relationships" xmlns:p="http://schemas.openxmlformats.org/presentationml/2006/main">
+  <p:cSld>
+    <p:spTree>
+      <p:nvGrpSpPr>
+        <p:cNvPr id="1" name=""/>
+        <p:cNvGrpSpPr/>
+        <p:nvPr/>
+      </p:nvGrpSpPr>
+      <p:grpSpPr>
+        <a:xfrm>
+          <a:off x="0" y="0"/>
+          <a:ext cx="0" cy="0"/>
+          <a:chOff x="0" y="0"/>
+          <a:chExt cx="0" cy="0"/>
+        </a:xfrm>
+      </p:grpSpPr>
+      <p:sp>
+        <p:nvSpPr>
+          <p:cNvPr id="2" name="Slide Image Placeholder 1"/>
+          <p:cNvSpPr>
+            <a:spLocks noGrp="1" noRot="1" noChangeAspect="1"/>
+          </p:cNvSpPr>
+          <p:nvPr>
+            <p:ph type="sldImg"/>
+          </p:nvPr>
+        </p:nvSpPr>
+        <p:spPr/>
+      </p:sp>
+      <p:sp>
+        <p:nvSpPr>
+          <p:cNvPr id="3" name="Notes Placeholder 2"/>
+          <p:cNvSpPr>
+            <a:spLocks noGrp="1"/>
+          </p:cNvSpPr>
+          <p:nvPr>
+            <p:ph type="body" idx="1"/>
+          </p:nvPr>
+        </p:nvSpPr>
+        <p:spPr/>
+        <p:txBody>
+          <a:bodyPr/>
+          <a:lstStyle/>
+          <a:p>
+            <a:endParaRPr lang="en-US" dirty="0"/>
+          </a:p>
+        </p:txBody>
+      </p:sp>
+      <p:sp>
+        <p:nvSpPr>
+          <p:cNvPr id="4" name="Slide Number Placeholder 3"/>
+          <p:cNvSpPr>
+            <a:spLocks noGrp="1"/>
+          </p:cNvSpPr>
+          <p:nvPr>
+            <p:ph type="sldNum" sz="quarter" idx="10"/>
+          </p:nvPr>
+        </p:nvSpPr>
+        <p:spPr/>
+        <p:txBody>
+          <a:bodyPr/>
+          <a:lstStyle/>
+          <a:p>
+            <a:fld id="{C9024DA6-3CD8-4762-9CE8-B1DCA4D27621}" type="slidenum">
+              <a:rPr lang="en-US" smtClean="0"/>
+            </a:fld>
+            <a:endParaRPr lang="en-US"/>
+          </a:p>
+        </p:txBody>
+      </p:sp>
+    </p:spTree>
+  </p:cSld>
+  <p:clrMapOvr>
+    <a:masterClrMapping/>
+  </p:clrMapOvr>
+</p:notes>
+</file>
+
+<file path=ppt/notesSlides/notesSlide23.xml><?xml version="1.0" encoding="utf-8"?>
+<p:notes xmlns:a="http://schemas.openxmlformats.org/drawingml/2006/main" xmlns:r="http://schemas.openxmlformats.org/officeDocument/2006/relationships" xmlns:p="http://schemas.openxmlformats.org/presentationml/2006/main">
+  <p:cSld>
+    <p:spTree>
+      <p:nvGrpSpPr>
+        <p:cNvPr id="1" name=""/>
+        <p:cNvGrpSpPr/>
+        <p:nvPr/>
+      </p:nvGrpSpPr>
+      <p:grpSpPr>
+        <a:xfrm>
+          <a:off x="0" y="0"/>
+          <a:ext cx="0" cy="0"/>
+          <a:chOff x="0" y="0"/>
+          <a:chExt cx="0" cy="0"/>
+        </a:xfrm>
+      </p:grpSpPr>
+      <p:sp>
+        <p:nvSpPr>
+          <p:cNvPr id="2" name="Slide Image Placeholder 1"/>
+          <p:cNvSpPr>
+            <a:spLocks noGrp="1" noRot="1" noChangeAspect="1"/>
+          </p:cNvSpPr>
+          <p:nvPr>
+            <p:ph type="sldImg"/>
+          </p:nvPr>
+        </p:nvSpPr>
+        <p:spPr/>
+      </p:sp>
+      <p:sp>
+        <p:nvSpPr>
+          <p:cNvPr id="3" name="Notes Placeholder 2"/>
+          <p:cNvSpPr>
+            <a:spLocks noGrp="1"/>
+          </p:cNvSpPr>
+          <p:nvPr>
+            <p:ph type="body" idx="1"/>
+          </p:nvPr>
+        </p:nvSpPr>
+        <p:spPr/>
+        <p:txBody>
+          <a:bodyPr/>
+          <a:lstStyle/>
+          <a:p>
             <a:endParaRPr lang="en-US" dirty="0"/>
           </a:p>
         </p:txBody>
@@ -1546,6 +2111,10 @@
           <a:bodyPr/>
           <a:lstStyle/>
           <a:p>
+            <a:r>
+              <a:rPr lang="en-US" dirty="0"/>
+              <a:t>There will be 6 parts, in total, as listed in this slide.</a:t>
+            </a:r>
             <a:endParaRPr lang="en-US" dirty="0"/>
           </a:p>
         </p:txBody>
@@ -1624,6 +2193,14 @@
           <a:bodyPr/>
           <a:lstStyle/>
           <a:p>
+            <a:r>
+              <a:rPr lang="en-US" dirty="0"/>
+              <a:t>I am going to give a self in</a:t>
+            </a:r>
+            <a:r>
+              <a:rPr lang="en-US" dirty="0"/>
+              <a:t>troduction in this part.</a:t>
+            </a:r>
             <a:endParaRPr lang="en-US" dirty="0"/>
           </a:p>
         </p:txBody>
@@ -1702,6 +2279,31 @@
           <a:bodyPr/>
           <a:lstStyle/>
           <a:p>
+            <a:r>
+              <a:rPr lang="en-US" dirty="0"/>
+              <a:t>1. I have a bachelor’s degree in applied  physics, and master with OE. </a:t>
+            </a:r>
+            <a:endParaRPr lang="en-US" dirty="0"/>
+          </a:p>
+          <a:p>
+            <a:r>
+              <a:rPr lang="en-US" dirty="0"/>
+              <a:t>2. My research subject during the master time, is image system .</a:t>
+            </a:r>
+            <a:endParaRPr lang="en-US" dirty="0"/>
+          </a:p>
+          <a:p>
+            <a:r>
+              <a:rPr lang="en-US" dirty="0"/>
+              <a:t>3. And, i am a computer vision enginier in a company in CHina.</a:t>
+            </a:r>
+            <a:endParaRPr lang="en-US" dirty="0"/>
+          </a:p>
+          <a:p>
+            <a:r>
+              <a:rPr lang="en-US" dirty="0"/>
+              <a:t>4. And last, i become a grandmaster after the birclef 2024.</a:t>
+            </a:r>
             <a:endParaRPr lang="en-US" dirty="0"/>
           </a:p>
         </p:txBody>
@@ -1780,6 +2382,10 @@
           <a:bodyPr/>
           <a:lstStyle/>
           <a:p>
+            <a:r>
+              <a:rPr lang="en-US" dirty="0"/>
+              <a:t>Then, i will talk about how i get the insights in this game.</a:t>
+            </a:r>
             <a:endParaRPr lang="en-US" dirty="0"/>
           </a:p>
         </p:txBody>
@@ -1858,6 +2464,35 @@
           <a:bodyPr/>
           <a:lstStyle/>
           <a:p>
+            <a:r>
+              <a:rPr lang="en-US" dirty="0"/>
+              <a:t>1.In the </a:t>
+            </a:r>
+            <a:r>
+              <a:rPr lang="en-US" dirty="0"/>
+              <a:t>disccusion forum and public notebook, in the early time.</a:t>
+            </a:r>
+            <a:endParaRPr lang="en-US" dirty="0"/>
+          </a:p>
+          <a:p>
+            <a:r>
+              <a:rPr lang="en-US" dirty="0"/>
+              <a:t>2.Methods are more about concat spectrums into one image. And the performance is better than multiple channels spectrum. </a:t>
+            </a:r>
+            <a:endParaRPr lang="en-US" dirty="0"/>
+          </a:p>
+          <a:p>
+            <a:r>
+              <a:rPr lang="en-US" dirty="0"/>
+              <a:t>3. Then i start to think why? Later comes to an clusion that is channel position is important. </a:t>
+            </a:r>
+            <a:endParaRPr lang="en-US" dirty="0"/>
+          </a:p>
+          <a:p>
+            <a:r>
+              <a:rPr lang="en-US" dirty="0"/>
+              <a:t>4. Obviously, different channel means different position on the brain. And the label is position senstive, for example, generalized periodic discharges (GPD), lateralized periodic discharges (LPD).</a:t>
+            </a:r>
             <a:endParaRPr lang="en-US" dirty="0"/>
           </a:p>
         </p:txBody>
@@ -1936,6 +2571,10 @@
           <a:bodyPr/>
           <a:lstStyle/>
           <a:p>
+            <a:r>
+              <a:rPr lang="en-US" dirty="0"/>
+              <a:t>Then comes to this part. How i design the MODEL.</a:t>
+            </a:r>
             <a:endParaRPr lang="en-US" dirty="0"/>
           </a:p>
         </p:txBody>
@@ -2014,6 +2653,17 @@
           <a:bodyPr/>
           <a:lstStyle/>
           <a:p>
+            <a:r>
+              <a:rPr lang="en-US" dirty="0"/>
+              <a:t>1. Three type of models were developped. </a:t>
+            </a:r>
+            <a:endParaRPr lang="en-US" dirty="0"/>
+          </a:p>
+          <a:p>
+            <a:r>
+              <a:rPr lang="en-US" dirty="0"/>
+              <a:t>2. Including Raw signal model, spetrum based model, and a mixtre of these two part.</a:t>
+            </a:r>
             <a:endParaRPr lang="en-US" dirty="0"/>
           </a:p>
         </p:txBody>
@@ -8744,7 +9394,7 @@
               <a:defRPr/>
             </a:pPr>
             <a:r>
-              <a:rPr lang="en-AU" sz="4000" dirty="0">
+              <a:rPr lang="en-US" altLang="en-AU" sz="2000" dirty="0">
                 <a:solidFill>
                   <a:schemeClr val="tx1"/>
                 </a:solidFill>
@@ -8752,9 +9402,30 @@
                 <a:ea typeface="Inter" panose="020B0502030000000004" pitchFamily="34" charset="0"/>
                 <a:cs typeface="Inter" panose="020B0502030000000004" pitchFamily="34" charset="0"/>
               </a:rPr>
-              <a:t>Kaggle Winner Presentation Template</a:t>
-            </a:r>
-            <a:endParaRPr lang="en-GB" sz="4000" dirty="0">
+              <a:t>2nd solution of</a:t>
+            </a:r>
+            <a:br>
+              <a:rPr lang="en-US" altLang="en-AU" sz="2000" dirty="0">
+                <a:solidFill>
+                  <a:schemeClr val="tx1"/>
+                </a:solidFill>
+                <a:latin typeface="Inter" panose="020B0502030000000004" pitchFamily="34" charset="0"/>
+                <a:ea typeface="Inter" panose="020B0502030000000004" pitchFamily="34" charset="0"/>
+                <a:cs typeface="Inter" panose="020B0502030000000004" pitchFamily="34" charset="0"/>
+              </a:rPr>
+            </a:br>
+            <a:r>
+              <a:rPr lang="en-US" altLang="en-AU" sz="2000" dirty="0">
+                <a:solidFill>
+                  <a:schemeClr val="tx1"/>
+                </a:solidFill>
+                <a:latin typeface="Inter" panose="020B0502030000000004" pitchFamily="34" charset="0"/>
+                <a:ea typeface="Inter" panose="020B0502030000000004" pitchFamily="34" charset="0"/>
+                <a:cs typeface="Inter" panose="020B0502030000000004" pitchFamily="34" charset="0"/>
+              </a:rPr>
+              <a:t>HMS - Harmful Brain Activity Classification</a:t>
+            </a:r>
+            <a:endParaRPr lang="en-US" altLang="en-AU" sz="2000" dirty="0">
               <a:solidFill>
                 <a:schemeClr val="tx1"/>
               </a:solidFill>
@@ -8863,8 +9534,8 @@
         </p:nvSpPr>
         <p:spPr>
           <a:xfrm>
-            <a:off x="2249104" y="3179519"/>
-            <a:ext cx="4648200" cy="400110"/>
+            <a:off x="2249104" y="2952824"/>
+            <a:ext cx="4648200" cy="398780"/>
           </a:xfrm>
           <a:prstGeom prst="rect">
             <a:avLst/>
@@ -8884,7 +9555,7 @@
                 <a:ea typeface="Inter" panose="020B0502030000000004" pitchFamily="34" charset="0"/>
                 <a:cs typeface="Inter" panose="020B0502030000000004" pitchFamily="34" charset="0"/>
               </a:rPr>
-              <a:t>Presentation Author</a:t>
+              <a:t>coolz</a:t>
             </a:r>
             <a:endParaRPr lang="en-US" sz="2000" dirty="0">
               <a:latin typeface="Inter" panose="020B0502030000000004" pitchFamily="34" charset="0"/>
@@ -8927,9 +9598,189 @@
           <a:chExt cx="0" cy="0"/>
         </a:xfrm>
       </p:grpSpPr>
-      <p:sp>
-        <p:nvSpPr>
-          <p:cNvPr id="2" name="Slide Number Placeholder 1"/>
+      <p:pic>
+        <p:nvPicPr>
+          <p:cNvPr id="2" name="图片 -2147482605"/>
+          <p:cNvPicPr>
+            <a:picLocks noChangeAspect="1"/>
+          </p:cNvPicPr>
+          <p:nvPr>
+            <p:custDataLst>
+              <p:tags r:id="rId1"/>
+            </p:custDataLst>
+          </p:nvPr>
+        </p:nvPicPr>
+        <p:blipFill>
+          <a:blip r:embed="rId2"/>
+          <a:stretch>
+            <a:fillRect/>
+          </a:stretch>
+        </p:blipFill>
+        <p:spPr>
+          <a:xfrm>
+            <a:off x="228600" y="666750"/>
+            <a:ext cx="4802505" cy="3926205"/>
+          </a:xfrm>
+          <a:prstGeom prst="rect">
+            <a:avLst/>
+          </a:prstGeom>
+          <a:noFill/>
+          <a:ln w="9525">
+            <a:noFill/>
+          </a:ln>
+        </p:spPr>
+      </p:pic>
+      <p:sp>
+        <p:nvSpPr>
+          <p:cNvPr id="5" name="TextBox 3"/>
+          <p:cNvSpPr txBox="1">
+            <a:spLocks noChangeArrowheads="1"/>
+          </p:cNvSpPr>
+          <p:nvPr/>
+        </p:nvSpPr>
+        <p:spPr bwMode="auto">
+          <a:xfrm>
+            <a:off x="1219200" y="997227"/>
+            <a:ext cx="6019800" cy="460375"/>
+          </a:xfrm>
+          <a:prstGeom prst="rect">
+            <a:avLst/>
+          </a:prstGeom>
+          <a:noFill/>
+          <a:ln>
+            <a:noFill/>
+          </a:ln>
+        </p:spPr>
+        <p:txBody>
+          <a:bodyPr wrap="square">
+            <a:spAutoFit/>
+          </a:bodyPr>
+          <a:lstStyle>
+            <a:lvl1pPr eaLnBrk="0" hangingPunct="0">
+              <a:defRPr>
+                <a:solidFill>
+                  <a:schemeClr val="tx1"/>
+                </a:solidFill>
+                <a:latin typeface="Arial" panose="020B0604020202090204" pitchFamily="34" charset="0"/>
+                <a:ea typeface="ヒラギノ角ゴ Pro W3" panose="020B0300000000000000" charset="-128"/>
+              </a:defRPr>
+            </a:lvl1pPr>
+            <a:lvl2pPr marL="742950" indent="-285750" eaLnBrk="0" hangingPunct="0">
+              <a:defRPr>
+                <a:solidFill>
+                  <a:schemeClr val="tx1"/>
+                </a:solidFill>
+                <a:latin typeface="Arial" panose="020B0604020202090204" pitchFamily="34" charset="0"/>
+                <a:ea typeface="ヒラギノ角ゴ Pro W3" panose="020B0300000000000000" charset="-128"/>
+              </a:defRPr>
+            </a:lvl2pPr>
+            <a:lvl3pPr marL="1143000" indent="-228600" eaLnBrk="0" hangingPunct="0">
+              <a:defRPr>
+                <a:solidFill>
+                  <a:schemeClr val="tx1"/>
+                </a:solidFill>
+                <a:latin typeface="Arial" panose="020B0604020202090204" pitchFamily="34" charset="0"/>
+                <a:ea typeface="ヒラギノ角ゴ Pro W3" panose="020B0300000000000000" charset="-128"/>
+              </a:defRPr>
+            </a:lvl3pPr>
+            <a:lvl4pPr marL="1600200" indent="-228600" eaLnBrk="0" hangingPunct="0">
+              <a:defRPr>
+                <a:solidFill>
+                  <a:schemeClr val="tx1"/>
+                </a:solidFill>
+                <a:latin typeface="Arial" panose="020B0604020202090204" pitchFamily="34" charset="0"/>
+                <a:ea typeface="ヒラギノ角ゴ Pro W3" panose="020B0300000000000000" charset="-128"/>
+              </a:defRPr>
+            </a:lvl4pPr>
+            <a:lvl5pPr marL="2057400" indent="-228600" eaLnBrk="0" hangingPunct="0">
+              <a:defRPr>
+                <a:solidFill>
+                  <a:schemeClr val="tx1"/>
+                </a:solidFill>
+                <a:latin typeface="Arial" panose="020B0604020202090204" pitchFamily="34" charset="0"/>
+                <a:ea typeface="ヒラギノ角ゴ Pro W3" panose="020B0300000000000000" charset="-128"/>
+              </a:defRPr>
+            </a:lvl5pPr>
+            <a:lvl6pPr marL="2514600" indent="-228600" eaLnBrk="0" fontAlgn="base" hangingPunct="0">
+              <a:spcBef>
+                <a:spcPct val="0"/>
+              </a:spcBef>
+              <a:spcAft>
+                <a:spcPct val="0"/>
+              </a:spcAft>
+              <a:defRPr>
+                <a:solidFill>
+                  <a:schemeClr val="tx1"/>
+                </a:solidFill>
+                <a:latin typeface="Arial" panose="020B0604020202090204" pitchFamily="34" charset="0"/>
+                <a:ea typeface="ヒラギノ角ゴ Pro W3" panose="020B0300000000000000" charset="-128"/>
+              </a:defRPr>
+            </a:lvl6pPr>
+            <a:lvl7pPr marL="2971800" indent="-228600" eaLnBrk="0" fontAlgn="base" hangingPunct="0">
+              <a:spcBef>
+                <a:spcPct val="0"/>
+              </a:spcBef>
+              <a:spcAft>
+                <a:spcPct val="0"/>
+              </a:spcAft>
+              <a:defRPr>
+                <a:solidFill>
+                  <a:schemeClr val="tx1"/>
+                </a:solidFill>
+                <a:latin typeface="Arial" panose="020B0604020202090204" pitchFamily="34" charset="0"/>
+                <a:ea typeface="ヒラギノ角ゴ Pro W3" panose="020B0300000000000000" charset="-128"/>
+              </a:defRPr>
+            </a:lvl7pPr>
+            <a:lvl8pPr marL="3429000" indent="-228600" eaLnBrk="0" fontAlgn="base" hangingPunct="0">
+              <a:spcBef>
+                <a:spcPct val="0"/>
+              </a:spcBef>
+              <a:spcAft>
+                <a:spcPct val="0"/>
+              </a:spcAft>
+              <a:defRPr>
+                <a:solidFill>
+                  <a:schemeClr val="tx1"/>
+                </a:solidFill>
+                <a:latin typeface="Arial" panose="020B0604020202090204" pitchFamily="34" charset="0"/>
+                <a:ea typeface="ヒラギノ角ゴ Pro W3" panose="020B0300000000000000" charset="-128"/>
+              </a:defRPr>
+            </a:lvl8pPr>
+            <a:lvl9pPr marL="3886200" indent="-228600" eaLnBrk="0" fontAlgn="base" hangingPunct="0">
+              <a:spcBef>
+                <a:spcPct val="0"/>
+              </a:spcBef>
+              <a:spcAft>
+                <a:spcPct val="0"/>
+              </a:spcAft>
+              <a:defRPr>
+                <a:solidFill>
+                  <a:schemeClr val="tx1"/>
+                </a:solidFill>
+                <a:latin typeface="Arial" panose="020B0604020202090204" pitchFamily="34" charset="0"/>
+                <a:ea typeface="ヒラギノ角ゴ Pro W3" panose="020B0300000000000000" charset="-128"/>
+              </a:defRPr>
+            </a:lvl9pPr>
+          </a:lstStyle>
+          <a:p>
+            <a:pPr indent="0" eaLnBrk="1" hangingPunct="1">
+              <a:lnSpc>
+                <a:spcPct val="120000"/>
+              </a:lnSpc>
+              <a:buFont typeface="Arial" panose="020B0604020202090204" pitchFamily="34" charset="0"/>
+              <a:buNone/>
+            </a:pPr>
+            <a:endParaRPr lang="en-US" sz="2000" dirty="0">
+              <a:latin typeface="Inter" panose="020B0502030000000004" pitchFamily="34" charset="0"/>
+              <a:ea typeface="Inter" panose="020B0502030000000004" pitchFamily="34" charset="0"/>
+              <a:cs typeface="Inter" panose="020B0502030000000004" pitchFamily="34" charset="0"/>
+            </a:endParaRPr>
+          </a:p>
+        </p:txBody>
+      </p:sp>
+      <p:sp>
+        <p:nvSpPr>
+          <p:cNvPr id="3" name="Slide Number Placeholder 1"/>
           <p:cNvSpPr>
             <a:spLocks noGrp="1"/>
           </p:cNvSpPr>
@@ -8958,7 +9809,7 @@
         <p:spPr>
           <a:xfrm>
             <a:off x="274983" y="183874"/>
-            <a:ext cx="5135217" cy="523220"/>
+            <a:ext cx="5135217" cy="521970"/>
           </a:xfrm>
           <a:prstGeom prst="rect">
             <a:avLst/>
@@ -8975,8 +9826,9 @@
                 <a:latin typeface="Inter Semi" panose="020B0502030000000004" pitchFamily="34" charset="0"/>
                 <a:ea typeface="Inter Semi" panose="020B0502030000000004" pitchFamily="34" charset="0"/>
                 <a:cs typeface="Inter Semi" panose="020B0502030000000004" pitchFamily="34" charset="0"/>
+                <a:sym typeface="+mn-ea"/>
               </a:rPr>
-              <a:t>Summary</a:t>
+              <a:t>Model</a:t>
             </a:r>
             <a:endParaRPr lang="en-US" sz="1200" b="1" dirty="0">
               <a:latin typeface="Inter Semi" panose="020B0502030000000004" pitchFamily="34" charset="0"/>
@@ -9031,39 +9883,43 @@
       </p:cxnSp>
       <p:pic>
         <p:nvPicPr>
-          <p:cNvPr id="3" name="图片 2"/>
+          <p:cNvPr id="4" name="图片 -2147482610"/>
           <p:cNvPicPr>
             <a:picLocks noChangeAspect="1"/>
           </p:cNvPicPr>
           <p:nvPr>
             <p:custDataLst>
-              <p:tags r:id="rId1"/>
+              <p:tags r:id="rId3"/>
             </p:custDataLst>
           </p:nvPr>
         </p:nvPicPr>
         <p:blipFill>
-          <a:blip r:embed="rId2"/>
+          <a:blip r:embed="rId4"/>
           <a:stretch>
             <a:fillRect/>
           </a:stretch>
         </p:blipFill>
         <p:spPr>
           <a:xfrm>
-            <a:off x="1066800" y="1276350"/>
-            <a:ext cx="6056630" cy="2723515"/>
+            <a:off x="5024755" y="1793875"/>
+            <a:ext cx="3966845" cy="2827655"/>
           </a:xfrm>
           <a:prstGeom prst="rect">
             <a:avLst/>
           </a:prstGeom>
+          <a:noFill/>
+          <a:ln w="9525">
+            <a:noFill/>
+          </a:ln>
         </p:spPr>
       </p:pic>
       <p:sp>
         <p:nvSpPr>
-          <p:cNvPr id="4" name="Rectangle 16"/>
+          <p:cNvPr id="6" name="Rectangle 16"/>
           <p:cNvSpPr/>
           <p:nvPr>
             <p:custDataLst>
-              <p:tags r:id="rId3"/>
+              <p:tags r:id="rId5"/>
             </p:custDataLst>
           </p:nvPr>
         </p:nvSpPr>
@@ -9087,7 +9943,7 @@
                 <a:ea typeface="Inter" panose="020B0502030000000004" pitchFamily="34" charset="0"/>
                 <a:cs typeface="Inter" panose="020B0502030000000004" pitchFamily="34" charset="0"/>
               </a:rPr>
-              <a:t>3d spectrum model</a:t>
+              <a:t>RAW eeg model</a:t>
             </a:r>
             <a:endParaRPr lang="en-US" sz="1600" b="1" dirty="0">
               <a:latin typeface="Inter" panose="020B0502030000000004" pitchFamily="34" charset="0"/>
@@ -9099,14 +9955,14 @@
       </p:sp>
       <p:sp>
         <p:nvSpPr>
-          <p:cNvPr id="5" name="文本框 4"/>
+          <p:cNvPr id="9" name="文本框 8"/>
           <p:cNvSpPr txBox="1"/>
           <p:nvPr/>
         </p:nvSpPr>
         <p:spPr>
           <a:xfrm>
-            <a:off x="685800" y="4019550"/>
-            <a:ext cx="4812665" cy="922020"/>
+            <a:off x="1656080" y="4636770"/>
+            <a:ext cx="2001520" cy="368300"/>
           </a:xfrm>
           <a:prstGeom prst="rect">
             <a:avLst/>
@@ -9119,16 +9975,74 @@
           </a:bodyPr>
           <a:p>
             <a:r>
+              <a:rPr lang="en-US" altLang="zh-CN"/>
+              <a:t>bsx16x10000</a:t>
+            </a:r>
+            <a:endParaRPr lang="en-US" altLang="zh-CN"/>
+          </a:p>
+        </p:txBody>
+      </p:sp>
+      <p:sp>
+        <p:nvSpPr>
+          <p:cNvPr id="10" name="文本框 9"/>
+          <p:cNvSpPr txBox="1"/>
+          <p:nvPr>
+            <p:custDataLst>
+              <p:tags r:id="rId6"/>
+            </p:custDataLst>
+          </p:nvPr>
+        </p:nvSpPr>
+        <p:spPr>
+          <a:xfrm>
+            <a:off x="5943600" y="4629150"/>
+            <a:ext cx="2001520" cy="368300"/>
+          </a:xfrm>
+          <a:prstGeom prst="rect">
+            <a:avLst/>
+          </a:prstGeom>
+          <a:noFill/>
+        </p:spPr>
+        <p:txBody>
+          <a:bodyPr wrap="square" rtlCol="0">
+            <a:spAutoFit/>
+          </a:bodyPr>
+          <a:p>
+            <a:r>
+              <a:rPr lang="en-US" altLang="zh-CN"/>
+              <a:t>bsx(160)x1000</a:t>
+            </a:r>
+            <a:endParaRPr lang="en-US" altLang="zh-CN"/>
+          </a:p>
+        </p:txBody>
+      </p:sp>
+      <p:sp>
+        <p:nvSpPr>
+          <p:cNvPr id="7" name="文本框 6"/>
+          <p:cNvSpPr txBox="1"/>
+          <p:nvPr>
+            <p:custDataLst>
+              <p:tags r:id="rId7"/>
+            </p:custDataLst>
+          </p:nvPr>
+        </p:nvSpPr>
+        <p:spPr>
+          <a:xfrm>
+            <a:off x="6096000" y="654685"/>
+            <a:ext cx="4572000" cy="922020"/>
+          </a:xfrm>
+          <a:prstGeom prst="rect">
+            <a:avLst/>
+          </a:prstGeom>
+          <a:noFill/>
+        </p:spPr>
+        <p:txBody>
+          <a:bodyPr wrap="square" rtlCol="0" anchor="t">
+            <a:spAutoFit/>
+          </a:bodyPr>
+          <a:p>
+            <a:r>
               <a:rPr lang="zh-CN" altLang="en-US"/>
-              <a:t>X3d-l </a:t>
-            </a:r>
-            <a:r>
-              <a:rPr lang="en-US" altLang="zh-CN"/>
-              <a:t>  </a:t>
-            </a:r>
-            <a:r>
-              <a:rPr lang="zh-CN" altLang="en-US"/>
-              <a:t>cv 0.21+ </a:t>
+              <a:t>With efficinetnetb5, </a:t>
             </a:r>
             <a:endParaRPr lang="zh-CN" altLang="en-US"/>
           </a:p>
@@ -9143,30 +10057,14 @@
             </a:r>
             <a:r>
               <a:rPr lang="zh-CN" altLang="en-US"/>
-              <a:t>lb</a:t>
-            </a:r>
-            <a:r>
-              <a:rPr lang="en-US" altLang="zh-CN"/>
-              <a:t>  </a:t>
-            </a:r>
+              <a:t>lb 0.230</a:t>
+            </a:r>
+            <a:endParaRPr lang="zh-CN" altLang="en-US"/>
+          </a:p>
+          <a:p>
             <a:r>
               <a:rPr lang="zh-CN" altLang="en-US"/>
-              <a:t>0.25 </a:t>
-            </a:r>
-            <a:endParaRPr lang="zh-CN" altLang="en-US"/>
-          </a:p>
-          <a:p>
-            <a:r>
-              <a:rPr lang="zh-CN" altLang="en-US"/>
-              <a:t>private lb</a:t>
-            </a:r>
-            <a:r>
-              <a:rPr lang="en-US" altLang="zh-CN"/>
-              <a:t>  </a:t>
-            </a:r>
-            <a:r>
-              <a:rPr lang="zh-CN" altLang="en-US"/>
-              <a:t>0.29.</a:t>
+              <a:t>private lb 0.282</a:t>
             </a:r>
             <a:endParaRPr lang="zh-CN" altLang="en-US"/>
           </a:p>
@@ -9236,7 +10134,7 @@
         <p:spPr>
           <a:xfrm>
             <a:off x="274983" y="183874"/>
-            <a:ext cx="5135217" cy="523220"/>
+            <a:ext cx="5135217" cy="521970"/>
           </a:xfrm>
           <a:prstGeom prst="rect">
             <a:avLst/>
@@ -9254,7 +10152,7 @@
                 <a:ea typeface="Inter Semi" panose="020B0502030000000004" pitchFamily="34" charset="0"/>
                 <a:cs typeface="Inter Semi" panose="020B0502030000000004" pitchFamily="34" charset="0"/>
               </a:rPr>
-              <a:t>Summary</a:t>
+              <a:t>Model</a:t>
             </a:r>
             <a:endParaRPr lang="en-US" sz="1200" b="1" dirty="0">
               <a:latin typeface="Inter Semi" panose="020B0502030000000004" pitchFamily="34" charset="0"/>
@@ -9327,7 +10225,7 @@
         </p:blipFill>
         <p:spPr>
           <a:xfrm>
-            <a:off x="2057400" y="971550"/>
+            <a:off x="609600" y="1233170"/>
             <a:ext cx="6056630" cy="2723515"/>
           </a:xfrm>
           <a:prstGeom prst="rect">
@@ -9365,7 +10263,7 @@
                 <a:ea typeface="Inter" panose="020B0502030000000004" pitchFamily="34" charset="0"/>
                 <a:cs typeface="Inter" panose="020B0502030000000004" pitchFamily="34" charset="0"/>
               </a:rPr>
-              <a:t>oneimage spectrum model</a:t>
+              <a:t>3d spectrum model</a:t>
             </a:r>
             <a:endParaRPr lang="en-US" sz="1600" b="1" dirty="0">
               <a:latin typeface="Inter" panose="020B0502030000000004" pitchFamily="34" charset="0"/>
@@ -9377,14 +10275,14 @@
       </p:sp>
       <p:sp>
         <p:nvSpPr>
-          <p:cNvPr id="5" name="文本框 4"/>
+          <p:cNvPr id="6" name="文本框 5"/>
           <p:cNvSpPr txBox="1"/>
           <p:nvPr/>
         </p:nvSpPr>
         <p:spPr>
           <a:xfrm>
-            <a:off x="914400" y="3790950"/>
-            <a:ext cx="4572000" cy="953135"/>
+            <a:off x="6781800" y="1024890"/>
+            <a:ext cx="2286000" cy="2030095"/>
           </a:xfrm>
           <a:prstGeom prst="rect">
             <a:avLst/>
@@ -9392,52 +10290,40 @@
           <a:noFill/>
         </p:spPr>
         <p:txBody>
-          <a:bodyPr wrap="square" rtlCol="0" anchor="t">
+          <a:bodyPr wrap="square" rtlCol="0">
             <a:spAutoFit/>
           </a:bodyPr>
           <a:p>
             <a:r>
-              <a:rPr lang="zh-CN" altLang="en-US" sz="1400"/>
-              <a:t>efficientnetb5, </a:t>
-            </a:r>
-            <a:endParaRPr lang="zh-CN" altLang="en-US" sz="1400"/>
-          </a:p>
-          <a:p>
-            <a:r>
-              <a:rPr lang="zh-CN" altLang="en-US" sz="1400"/>
-              <a:t>public </a:t>
-            </a:r>
-            <a:r>
-              <a:rPr lang="en-US" altLang="zh-CN" sz="1400"/>
-              <a:t>  </a:t>
-            </a:r>
-            <a:r>
-              <a:rPr lang="zh-CN" altLang="en-US" sz="1400"/>
-              <a:t>lb 0.26 </a:t>
-            </a:r>
-            <a:endParaRPr lang="zh-CN" altLang="en-US" sz="1400"/>
-          </a:p>
-          <a:p>
-            <a:r>
-              <a:rPr lang="zh-CN" altLang="en-US" sz="1400"/>
-              <a:t>private </a:t>
-            </a:r>
-            <a:r>
-              <a:rPr lang="en-US" altLang="zh-CN" sz="1400"/>
-              <a:t> </a:t>
-            </a:r>
-            <a:r>
-              <a:rPr lang="zh-CN" altLang="en-US" sz="1400"/>
-              <a:t>lb0.30.</a:t>
-            </a:r>
-            <a:endParaRPr lang="zh-CN" altLang="en-US" sz="1400"/>
-          </a:p>
-          <a:p>
-            <a:r>
-              <a:rPr lang="zh-CN" altLang="en-US" sz="1400"/>
-              <a:t>combine these two spectrum model, get 0.28 private lb.</a:t>
-            </a:r>
-            <a:endParaRPr lang="zh-CN" altLang="en-US" sz="1400"/>
+              <a:rPr lang="en-US" altLang="zh-CN"/>
+              <a:t>2d cnn:  </a:t>
+            </a:r>
+            <a:endParaRPr lang="en-US" altLang="zh-CN"/>
+          </a:p>
+          <a:p>
+            <a:r>
+              <a:rPr lang="en-US" altLang="zh-CN"/>
+              <a:t>NxCxHxW</a:t>
+            </a:r>
+            <a:endParaRPr lang="en-US" altLang="zh-CN"/>
+          </a:p>
+          <a:p>
+            <a:endParaRPr lang="en-US" altLang="zh-CN"/>
+          </a:p>
+          <a:p>
+            <a:endParaRPr lang="en-US" altLang="zh-CN"/>
+          </a:p>
+          <a:p>
+            <a:r>
+              <a:rPr lang="en-US" altLang="zh-CN">
+                <a:sym typeface="+mn-ea"/>
+              </a:rPr>
+              <a:t>3d cnn:  NxCxTxHxW</a:t>
+            </a:r>
+            <a:endParaRPr lang="en-US" altLang="zh-CN"/>
+          </a:p>
+          <a:p>
+            <a:endParaRPr lang="en-US" altLang="zh-CN"/>
           </a:p>
         </p:txBody>
       </p:sp>
@@ -9505,7 +10391,7 @@
         <p:spPr>
           <a:xfrm>
             <a:off x="274983" y="183874"/>
-            <a:ext cx="5135217" cy="523220"/>
+            <a:ext cx="5135217" cy="521970"/>
           </a:xfrm>
           <a:prstGeom prst="rect">
             <a:avLst/>
@@ -9523,7 +10409,7 @@
                 <a:ea typeface="Inter Semi" panose="020B0502030000000004" pitchFamily="34" charset="0"/>
                 <a:cs typeface="Inter Semi" panose="020B0502030000000004" pitchFamily="34" charset="0"/>
               </a:rPr>
-              <a:t>Summary</a:t>
+              <a:t>Model</a:t>
             </a:r>
             <a:endParaRPr lang="en-US" sz="1200" b="1" dirty="0">
               <a:latin typeface="Inter Semi" panose="020B0502030000000004" pitchFamily="34" charset="0"/>
@@ -9606,7 +10492,7 @@
                 <a:ea typeface="Inter" panose="020B0502030000000004" pitchFamily="34" charset="0"/>
                 <a:cs typeface="Inter" panose="020B0502030000000004" pitchFamily="34" charset="0"/>
               </a:rPr>
-              <a:t>hybrid model</a:t>
+              <a:t>3d spectrum model</a:t>
             </a:r>
             <a:endParaRPr lang="en-US" sz="1600" b="1" dirty="0">
               <a:latin typeface="Inter" panose="020B0502030000000004" pitchFamily="34" charset="0"/>
@@ -9618,14 +10504,14 @@
       </p:sp>
       <p:sp>
         <p:nvSpPr>
-          <p:cNvPr id="3" name="文本框 2"/>
+          <p:cNvPr id="5" name="文本框 4"/>
           <p:cNvSpPr txBox="1"/>
           <p:nvPr/>
         </p:nvSpPr>
         <p:spPr>
           <a:xfrm>
-            <a:off x="274955" y="4019550"/>
-            <a:ext cx="4572000" cy="645160"/>
+            <a:off x="685800" y="3638550"/>
+            <a:ext cx="3077210" cy="922020"/>
           </a:xfrm>
           <a:prstGeom prst="rect">
             <a:avLst/>
@@ -9633,12 +10519,27 @@
           <a:noFill/>
         </p:spPr>
         <p:txBody>
-          <a:bodyPr wrap="square" rtlCol="0" anchor="t">
+          <a:bodyPr wrap="square" rtlCol="0">
             <a:spAutoFit/>
           </a:bodyPr>
           <a:p>
             <a:r>
               <a:rPr lang="zh-CN" altLang="en-US"/>
+              <a:t>X3d-l </a:t>
+            </a:r>
+            <a:r>
+              <a:rPr lang="en-US" altLang="zh-CN"/>
+              <a:t>  </a:t>
+            </a:r>
+            <a:r>
+              <a:rPr lang="zh-CN" altLang="en-US"/>
+              <a:t>cv 0.21+ </a:t>
+            </a:r>
+            <a:endParaRPr lang="zh-CN" altLang="en-US"/>
+          </a:p>
+          <a:p>
+            <a:r>
+              <a:rPr lang="zh-CN" altLang="en-US"/>
               <a:t>public </a:t>
             </a:r>
             <a:r>
@@ -9647,19 +10548,63 @@
             </a:r>
             <a:r>
               <a:rPr lang="zh-CN" altLang="en-US"/>
-              <a:t>lb 0.24, </a:t>
+              <a:t>lb</a:t>
+            </a:r>
+            <a:r>
+              <a:rPr lang="en-US" altLang="zh-CN"/>
+              <a:t>  </a:t>
+            </a:r>
+            <a:r>
+              <a:rPr lang="zh-CN" altLang="en-US"/>
+              <a:t>0.25 </a:t>
             </a:r>
             <a:endParaRPr lang="zh-CN" altLang="en-US"/>
           </a:p>
           <a:p>
             <a:r>
               <a:rPr lang="zh-CN" altLang="en-US"/>
-              <a:t>private lb 0.29 ? ? not sure</a:t>
+              <a:t>private lb</a:t>
+            </a:r>
+            <a:r>
+              <a:rPr lang="en-US" altLang="zh-CN"/>
+              <a:t>  </a:t>
+            </a:r>
+            <a:r>
+              <a:rPr lang="zh-CN" altLang="en-US"/>
+              <a:t>0.29.</a:t>
             </a:r>
             <a:endParaRPr lang="zh-CN" altLang="en-US"/>
           </a:p>
         </p:txBody>
       </p:sp>
+      <p:pic>
+        <p:nvPicPr>
+          <p:cNvPr id="9" name="图片 8"/>
+          <p:cNvPicPr>
+            <a:picLocks noChangeAspect="1"/>
+          </p:cNvPicPr>
+          <p:nvPr>
+            <p:custDataLst>
+              <p:tags r:id="rId2"/>
+            </p:custDataLst>
+          </p:nvPr>
+        </p:nvPicPr>
+        <p:blipFill>
+          <a:blip r:embed="rId3"/>
+          <a:stretch>
+            <a:fillRect/>
+          </a:stretch>
+        </p:blipFill>
+        <p:spPr>
+          <a:xfrm>
+            <a:off x="4724400" y="0"/>
+            <a:ext cx="4069080" cy="5143500"/>
+          </a:xfrm>
+          <a:prstGeom prst="rect">
+            <a:avLst/>
+          </a:prstGeom>
+        </p:spPr>
+      </p:pic>
     </p:spTree>
   </p:cSld>
   <p:clrMapOvr>
@@ -9717,25 +10662,66 @@
       </p:sp>
       <p:sp>
         <p:nvSpPr>
-          <p:cNvPr id="10" name="Rectangle 9"/>
+          <p:cNvPr id="17" name="Rectangle 16"/>
           <p:cNvSpPr/>
           <p:nvPr/>
         </p:nvSpPr>
         <p:spPr>
-          <a:xfrm rot="5400000" flipH="1">
-            <a:off x="2173747" y="-2493504"/>
-            <a:ext cx="4657358" cy="9587949"/>
+          <a:xfrm>
+            <a:off x="274983" y="183874"/>
+            <a:ext cx="5135217" cy="521970"/>
           </a:xfrm>
           <a:prstGeom prst="rect">
             <a:avLst/>
           </a:prstGeom>
-          <a:solidFill>
-            <a:srgbClr val="3CBEEC">
-              <a:alpha val="7843"/>
-            </a:srgbClr>
-          </a:solidFill>
-          <a:ln w="12700" cmpd="sng">
-            <a:noFill/>
+        </p:spPr>
+        <p:txBody>
+          <a:bodyPr wrap="square">
+            <a:spAutoFit/>
+          </a:bodyPr>
+          <a:lstStyle/>
+          <a:p>
+            <a:r>
+              <a:rPr lang="en-US" sz="1200" b="1" dirty="0">
+                <a:latin typeface="Inter Semi" panose="020B0502030000000004" pitchFamily="34" charset="0"/>
+                <a:ea typeface="Inter Semi" panose="020B0502030000000004" pitchFamily="34" charset="0"/>
+                <a:cs typeface="Inter Semi" panose="020B0502030000000004" pitchFamily="34" charset="0"/>
+              </a:rPr>
+              <a:t>Model</a:t>
+            </a:r>
+            <a:endParaRPr lang="en-US" sz="1200" b="1" dirty="0">
+              <a:latin typeface="Inter Semi" panose="020B0502030000000004" pitchFamily="34" charset="0"/>
+              <a:ea typeface="Inter Semi" panose="020B0502030000000004" pitchFamily="34" charset="0"/>
+              <a:cs typeface="Inter Semi" panose="020B0502030000000004" pitchFamily="34" charset="0"/>
+            </a:endParaRPr>
+          </a:p>
+          <a:p>
+            <a:endParaRPr lang="en-US" sz="1600" b="1" dirty="0">
+              <a:latin typeface="Inter" panose="020B0502030000000004" pitchFamily="34" charset="0"/>
+              <a:ea typeface="Inter" panose="020B0502030000000004" pitchFamily="34" charset="0"/>
+              <a:cs typeface="Inter" panose="020B0502030000000004" pitchFamily="34" charset="0"/>
+            </a:endParaRPr>
+          </a:p>
+        </p:txBody>
+      </p:sp>
+      <p:cxnSp>
+        <p:nvCxnSpPr>
+          <p:cNvPr id="18" name="Straight Connector 17"/>
+          <p:cNvCxnSpPr/>
+          <p:nvPr/>
+        </p:nvCxnSpPr>
+        <p:spPr>
+          <a:xfrm>
+            <a:off x="304800" y="590550"/>
+            <a:ext cx="8597015" cy="0"/>
+          </a:xfrm>
+          <a:prstGeom prst="line">
+            <a:avLst/>
+          </a:prstGeom>
+          <a:ln>
+            <a:solidFill>
+              <a:srgbClr val="FAE041"/>
+            </a:solidFill>
           </a:ln>
           <a:effectLst/>
         </p:spPr>
@@ -9753,167 +10739,437 @@
             <a:schemeClr val="tx1"/>
           </a:fontRef>
         </p:style>
-        <p:txBody>
-          <a:bodyPr rtlCol="0" anchor="ctr"/>
-          <a:lstStyle/>
-          <a:p>
-            <a:pPr algn="ctr"/>
-            <a:endParaRPr lang="en-US" dirty="0">
-              <a:solidFill>
-                <a:srgbClr val="FAE041"/>
-              </a:solidFill>
-              <a:latin typeface="Open Sans"/>
-              <a:cs typeface="Open Sans"/>
+      </p:cxnSp>
+      <p:sp>
+        <p:nvSpPr>
+          <p:cNvPr id="4" name="Rectangle 16"/>
+          <p:cNvSpPr/>
+          <p:nvPr>
+            <p:custDataLst>
+              <p:tags r:id="rId1"/>
+            </p:custDataLst>
+          </p:nvPr>
+        </p:nvSpPr>
+        <p:spPr>
+          <a:xfrm>
+            <a:off x="274983" y="707114"/>
+            <a:ext cx="5135217" cy="337185"/>
+          </a:xfrm>
+          <a:prstGeom prst="rect">
+            <a:avLst/>
+          </a:prstGeom>
+        </p:spPr>
+        <p:txBody>
+          <a:bodyPr wrap="square">
+            <a:spAutoFit/>
+          </a:bodyPr>
+          <a:p>
+            <a:r>
+              <a:rPr lang="en-US" sz="1600" b="1" dirty="0">
+                <a:latin typeface="Inter" panose="020B0502030000000004" pitchFamily="34" charset="0"/>
+                <a:ea typeface="Inter" panose="020B0502030000000004" pitchFamily="34" charset="0"/>
+                <a:cs typeface="Inter" panose="020B0502030000000004" pitchFamily="34" charset="0"/>
+              </a:rPr>
+              <a:t>oneimage spectrum model</a:t>
+            </a:r>
+            <a:endParaRPr lang="en-US" sz="1600" b="1" dirty="0">
+              <a:latin typeface="Inter" panose="020B0502030000000004" pitchFamily="34" charset="0"/>
+              <a:ea typeface="Inter" panose="020B0502030000000004" pitchFamily="34" charset="0"/>
+              <a:cs typeface="Inter" panose="020B0502030000000004" pitchFamily="34" charset="0"/>
             </a:endParaRPr>
           </a:p>
         </p:txBody>
       </p:sp>
       <p:sp>
         <p:nvSpPr>
-          <p:cNvPr id="7" name="TextBox 3"/>
-          <p:cNvSpPr txBox="1">
-            <a:spLocks noChangeArrowheads="1"/>
-          </p:cNvSpPr>
+          <p:cNvPr id="5" name="文本框 4"/>
+          <p:cNvSpPr txBox="1"/>
           <p:nvPr/>
         </p:nvSpPr>
-        <p:spPr bwMode="auto">
+        <p:spPr>
           <a:xfrm>
-            <a:off x="1087025" y="1484862"/>
-            <a:ext cx="6830801" cy="860425"/>
+            <a:off x="685800" y="3841750"/>
+            <a:ext cx="4572000" cy="953135"/>
           </a:xfrm>
           <a:prstGeom prst="rect">
             <a:avLst/>
           </a:prstGeom>
           <a:noFill/>
-          <a:ln>
-            <a:noFill/>
-          </a:ln>
-        </p:spPr>
-        <p:txBody>
-          <a:bodyPr wrap="square">
+        </p:spPr>
+        <p:txBody>
+          <a:bodyPr wrap="square" rtlCol="0" anchor="t">
             <a:spAutoFit/>
           </a:bodyPr>
-          <a:lstStyle>
-            <a:lvl1pPr eaLnBrk="0" hangingPunct="0">
-              <a:defRPr>
-                <a:solidFill>
-                  <a:schemeClr val="tx1"/>
-                </a:solidFill>
-                <a:latin typeface="Arial" panose="020B0604020202090204" pitchFamily="34" charset="0"/>
-                <a:ea typeface="ヒラギノ角ゴ Pro W3" panose="020B0300000000000000" charset="-128"/>
-              </a:defRPr>
-            </a:lvl1pPr>
-            <a:lvl2pPr marL="742950" indent="-285750" eaLnBrk="0" hangingPunct="0">
-              <a:defRPr>
-                <a:solidFill>
-                  <a:schemeClr val="tx1"/>
-                </a:solidFill>
-                <a:latin typeface="Arial" panose="020B0604020202090204" pitchFamily="34" charset="0"/>
-                <a:ea typeface="ヒラギノ角ゴ Pro W3" panose="020B0300000000000000" charset="-128"/>
-              </a:defRPr>
-            </a:lvl2pPr>
-            <a:lvl3pPr marL="1143000" indent="-228600" eaLnBrk="0" hangingPunct="0">
-              <a:defRPr>
-                <a:solidFill>
-                  <a:schemeClr val="tx1"/>
-                </a:solidFill>
-                <a:latin typeface="Arial" panose="020B0604020202090204" pitchFamily="34" charset="0"/>
-                <a:ea typeface="ヒラギノ角ゴ Pro W3" panose="020B0300000000000000" charset="-128"/>
-              </a:defRPr>
-            </a:lvl3pPr>
-            <a:lvl4pPr marL="1600200" indent="-228600" eaLnBrk="0" hangingPunct="0">
-              <a:defRPr>
-                <a:solidFill>
-                  <a:schemeClr val="tx1"/>
-                </a:solidFill>
-                <a:latin typeface="Arial" panose="020B0604020202090204" pitchFamily="34" charset="0"/>
-                <a:ea typeface="ヒラギノ角ゴ Pro W3" panose="020B0300000000000000" charset="-128"/>
-              </a:defRPr>
-            </a:lvl4pPr>
-            <a:lvl5pPr marL="2057400" indent="-228600" eaLnBrk="0" hangingPunct="0">
-              <a:defRPr>
-                <a:solidFill>
-                  <a:schemeClr val="tx1"/>
-                </a:solidFill>
-                <a:latin typeface="Arial" panose="020B0604020202090204" pitchFamily="34" charset="0"/>
-                <a:ea typeface="ヒラギノ角ゴ Pro W3" panose="020B0300000000000000" charset="-128"/>
-              </a:defRPr>
-            </a:lvl5pPr>
-            <a:lvl6pPr marL="2514600" indent="-228600" eaLnBrk="0" fontAlgn="base" hangingPunct="0">
-              <a:spcBef>
-                <a:spcPct val="0"/>
-              </a:spcBef>
-              <a:spcAft>
-                <a:spcPct val="0"/>
-              </a:spcAft>
-              <a:defRPr>
-                <a:solidFill>
-                  <a:schemeClr val="tx1"/>
-                </a:solidFill>
-                <a:latin typeface="Arial" panose="020B0604020202090204" pitchFamily="34" charset="0"/>
-                <a:ea typeface="ヒラギノ角ゴ Pro W3" panose="020B0300000000000000" charset="-128"/>
-              </a:defRPr>
-            </a:lvl6pPr>
-            <a:lvl7pPr marL="2971800" indent="-228600" eaLnBrk="0" fontAlgn="base" hangingPunct="0">
-              <a:spcBef>
-                <a:spcPct val="0"/>
-              </a:spcBef>
-              <a:spcAft>
-                <a:spcPct val="0"/>
-              </a:spcAft>
-              <a:defRPr>
-                <a:solidFill>
-                  <a:schemeClr val="tx1"/>
-                </a:solidFill>
-                <a:latin typeface="Arial" panose="020B0604020202090204" pitchFamily="34" charset="0"/>
-                <a:ea typeface="ヒラギノ角ゴ Pro W3" panose="020B0300000000000000" charset="-128"/>
-              </a:defRPr>
-            </a:lvl7pPr>
-            <a:lvl8pPr marL="3429000" indent="-228600" eaLnBrk="0" fontAlgn="base" hangingPunct="0">
-              <a:spcBef>
-                <a:spcPct val="0"/>
-              </a:spcBef>
-              <a:spcAft>
-                <a:spcPct val="0"/>
-              </a:spcAft>
-              <a:defRPr>
-                <a:solidFill>
-                  <a:schemeClr val="tx1"/>
-                </a:solidFill>
-                <a:latin typeface="Arial" panose="020B0604020202090204" pitchFamily="34" charset="0"/>
-                <a:ea typeface="ヒラギノ角ゴ Pro W3" panose="020B0300000000000000" charset="-128"/>
-              </a:defRPr>
-            </a:lvl8pPr>
-            <a:lvl9pPr marL="3886200" indent="-228600" eaLnBrk="0" fontAlgn="base" hangingPunct="0">
-              <a:spcBef>
-                <a:spcPct val="0"/>
-              </a:spcBef>
-              <a:spcAft>
-                <a:spcPct val="0"/>
-              </a:spcAft>
-              <a:defRPr>
-                <a:solidFill>
-                  <a:schemeClr val="tx1"/>
-                </a:solidFill>
-                <a:latin typeface="Arial" panose="020B0604020202090204" pitchFamily="34" charset="0"/>
-                <a:ea typeface="ヒラギノ角ゴ Pro W3" panose="020B0300000000000000" charset="-128"/>
-              </a:defRPr>
-            </a:lvl9pPr>
-          </a:lstStyle>
-          <a:p>
-            <a:pPr algn="ctr" eaLnBrk="1" hangingPunct="1"/>
-            <a:r>
-              <a:rPr lang="en-US" sz="5000" b="1" dirty="0">
-                <a:latin typeface="Inter Semi" panose="020B0502030000000004" pitchFamily="34" charset="0"/>
-                <a:ea typeface="Inter Semi" panose="020B0502030000000004" pitchFamily="34" charset="0"/>
-                <a:cs typeface="Inter Semi" panose="020B0502030000000004" pitchFamily="34" charset="0"/>
+          <a:p>
+            <a:r>
+              <a:rPr lang="zh-CN" altLang="en-US" sz="1400"/>
+              <a:t>efficientnetb5, </a:t>
+            </a:r>
+            <a:endParaRPr lang="zh-CN" altLang="en-US" sz="1400"/>
+          </a:p>
+          <a:p>
+            <a:r>
+              <a:rPr lang="zh-CN" altLang="en-US" sz="1400"/>
+              <a:t>public </a:t>
+            </a:r>
+            <a:r>
+              <a:rPr lang="en-US" altLang="zh-CN" sz="1400"/>
+              <a:t>  </a:t>
+            </a:r>
+            <a:r>
+              <a:rPr lang="zh-CN" altLang="en-US" sz="1400"/>
+              <a:t>lb 0.26 </a:t>
+            </a:r>
+            <a:endParaRPr lang="zh-CN" altLang="en-US" sz="1400"/>
+          </a:p>
+          <a:p>
+            <a:r>
+              <a:rPr lang="zh-CN" altLang="en-US" sz="1400"/>
+              <a:t>private lb</a:t>
+            </a:r>
+            <a:r>
+              <a:rPr lang="en-US" altLang="zh-CN" sz="1400"/>
+              <a:t> </a:t>
+            </a:r>
+            <a:r>
+              <a:rPr lang="zh-CN" altLang="en-US" sz="1400"/>
+              <a:t>0.30.</a:t>
+            </a:r>
+            <a:endParaRPr lang="zh-CN" altLang="en-US" sz="1400"/>
+          </a:p>
+          <a:p>
+            <a:r>
+              <a:rPr lang="zh-CN" altLang="en-US" sz="1400"/>
+              <a:t>combine these two spectrum model, get 0.28 private lb.</a:t>
+            </a:r>
+            <a:endParaRPr lang="zh-CN" altLang="en-US" sz="1400"/>
+          </a:p>
+        </p:txBody>
+      </p:sp>
+      <p:pic>
+        <p:nvPicPr>
+          <p:cNvPr id="6" name="图片 5"/>
+          <p:cNvPicPr>
+            <a:picLocks noChangeAspect="1"/>
+          </p:cNvPicPr>
+          <p:nvPr>
+            <p:custDataLst>
+              <p:tags r:id="rId2"/>
+            </p:custDataLst>
+          </p:nvPr>
+        </p:nvPicPr>
+        <p:blipFill>
+          <a:blip r:embed="rId3"/>
+          <a:stretch>
+            <a:fillRect/>
+          </a:stretch>
+        </p:blipFill>
+        <p:spPr>
+          <a:xfrm>
+            <a:off x="2971800" y="1428750"/>
+            <a:ext cx="2462530" cy="2609215"/>
+          </a:xfrm>
+          <a:prstGeom prst="rect">
+            <a:avLst/>
+          </a:prstGeom>
+        </p:spPr>
+      </p:pic>
+      <p:pic>
+        <p:nvPicPr>
+          <p:cNvPr id="7" name="图片 6"/>
+          <p:cNvPicPr>
+            <a:picLocks noChangeAspect="1"/>
+          </p:cNvPicPr>
+          <p:nvPr>
+            <p:custDataLst>
+              <p:tags r:id="rId4"/>
+            </p:custDataLst>
+          </p:nvPr>
+        </p:nvPicPr>
+        <p:blipFill>
+          <a:blip r:embed="rId5"/>
+          <a:stretch>
+            <a:fillRect/>
+          </a:stretch>
+        </p:blipFill>
+        <p:spPr>
+          <a:xfrm>
+            <a:off x="457200" y="1581150"/>
+            <a:ext cx="1790700" cy="2082800"/>
+          </a:xfrm>
+          <a:prstGeom prst="rect">
+            <a:avLst/>
+          </a:prstGeom>
+        </p:spPr>
+      </p:pic>
+      <p:cxnSp>
+        <p:nvCxnSpPr>
+          <p:cNvPr id="8" name="直接箭头连接符 7"/>
+          <p:cNvCxnSpPr/>
+          <p:nvPr/>
+        </p:nvCxnSpPr>
+        <p:spPr>
+          <a:xfrm>
+            <a:off x="2253615" y="2867025"/>
+            <a:ext cx="565785" cy="9525"/>
+          </a:xfrm>
+          <a:prstGeom prst="straightConnector1">
+            <a:avLst/>
+          </a:prstGeom>
+          <a:ln>
+            <a:solidFill>
+              <a:schemeClr val="tx2"/>
+            </a:solidFill>
+            <a:tailEnd type="arrow"/>
+          </a:ln>
+        </p:spPr>
+        <p:style>
+          <a:lnRef idx="2">
+            <a:schemeClr val="accent1"/>
+          </a:lnRef>
+          <a:fillRef idx="0">
+            <a:schemeClr val="accent1"/>
+          </a:fillRef>
+          <a:effectRef idx="1">
+            <a:schemeClr val="accent1"/>
+          </a:effectRef>
+          <a:fontRef idx="minor">
+            <a:schemeClr val="tx1"/>
+          </a:fontRef>
+        </p:style>
+      </p:cxnSp>
+      <p:cxnSp>
+        <p:nvCxnSpPr>
+          <p:cNvPr id="9" name="直接箭头连接符 8"/>
+          <p:cNvCxnSpPr/>
+          <p:nvPr>
+            <p:custDataLst>
+              <p:tags r:id="rId6"/>
+            </p:custDataLst>
+          </p:nvPr>
+        </p:nvCxnSpPr>
+        <p:spPr>
+          <a:xfrm>
+            <a:off x="5562600" y="2647950"/>
+            <a:ext cx="565785" cy="9525"/>
+          </a:xfrm>
+          <a:prstGeom prst="straightConnector1">
+            <a:avLst/>
+          </a:prstGeom>
+          <a:ln>
+            <a:solidFill>
+              <a:schemeClr val="tx2"/>
+            </a:solidFill>
+            <a:tailEnd type="arrow"/>
+          </a:ln>
+        </p:spPr>
+        <p:style>
+          <a:lnRef idx="2">
+            <a:schemeClr val="accent1"/>
+          </a:lnRef>
+          <a:fillRef idx="0">
+            <a:schemeClr val="accent1"/>
+          </a:fillRef>
+          <a:effectRef idx="1">
+            <a:schemeClr val="accent1"/>
+          </a:effectRef>
+          <a:fontRef idx="minor">
+            <a:schemeClr val="tx1"/>
+          </a:fontRef>
+        </p:style>
+      </p:cxnSp>
+      <p:sp>
+        <p:nvSpPr>
+          <p:cNvPr id="10" name="文本框 9"/>
+          <p:cNvSpPr txBox="1"/>
+          <p:nvPr/>
+        </p:nvSpPr>
+        <p:spPr>
+          <a:xfrm>
+            <a:off x="6256655" y="2419350"/>
+            <a:ext cx="1650365" cy="368300"/>
+          </a:xfrm>
+          <a:prstGeom prst="rect">
+            <a:avLst/>
+          </a:prstGeom>
+          <a:noFill/>
+        </p:spPr>
+        <p:txBody>
+          <a:bodyPr wrap="square" rtlCol="0">
+            <a:spAutoFit/>
+          </a:bodyPr>
+          <a:p>
+            <a:r>
+              <a:rPr lang="en-US" altLang="zh-CN"/>
+              <a:t>efficientnetb5</a:t>
+            </a:r>
+            <a:endParaRPr lang="en-US" altLang="zh-CN"/>
+          </a:p>
+        </p:txBody>
+      </p:sp>
+      <p:sp>
+        <p:nvSpPr>
+          <p:cNvPr id="11" name="文本框 10"/>
+          <p:cNvSpPr txBox="1"/>
+          <p:nvPr/>
+        </p:nvSpPr>
+        <p:spPr>
+          <a:xfrm>
+            <a:off x="3429000" y="4019550"/>
+            <a:ext cx="4572000" cy="368300"/>
+          </a:xfrm>
+          <a:prstGeom prst="rect">
+            <a:avLst/>
+          </a:prstGeom>
+          <a:noFill/>
+        </p:spPr>
+        <p:txBody>
+          <a:bodyPr wrap="square" rtlCol="0" anchor="t">
+            <a:spAutoFit/>
+          </a:bodyPr>
+          <a:p>
+            <a:r>
+              <a:rPr lang="zh-CN" altLang="en-US"/>
+              <a:t>[1</a:t>
+            </a:r>
+            <a:r>
+              <a:rPr lang="en-US" altLang="zh-CN"/>
+              <a:t>x</a:t>
+            </a:r>
+            <a:r>
+              <a:rPr lang="zh-CN" altLang="en-US"/>
+              <a:t>3</a:t>
+            </a:r>
+            <a:r>
+              <a:rPr lang="en-US" altLang="zh-CN"/>
+              <a:t>x</a:t>
+            </a:r>
+            <a:r>
+              <a:rPr lang="zh-CN" altLang="en-US"/>
+              <a:t>424</a:t>
+            </a:r>
+            <a:r>
+              <a:rPr lang="en-US" altLang="zh-CN"/>
+              <a:t>x</a:t>
+            </a:r>
+            <a:r>
+              <a:rPr lang="zh-CN" altLang="en-US"/>
+              <a:t>402]</a:t>
+            </a:r>
+            <a:endParaRPr lang="zh-CN" altLang="en-US"/>
+          </a:p>
+        </p:txBody>
+      </p:sp>
+      <p:cxnSp>
+        <p:nvCxnSpPr>
+          <p:cNvPr id="12" name="直接连接符 11"/>
+          <p:cNvCxnSpPr>
+            <a:stCxn id="6" idx="0"/>
+          </p:cNvCxnSpPr>
+          <p:nvPr/>
+        </p:nvCxnSpPr>
+        <p:spPr>
+          <a:xfrm flipH="1">
+            <a:off x="4191000" y="1428750"/>
+            <a:ext cx="12065" cy="2590800"/>
+          </a:xfrm>
+          <a:prstGeom prst="line">
+            <a:avLst/>
+          </a:prstGeom>
+          <a:ln w="25400" cap="flat" cmpd="sng">
+            <a:solidFill>
+              <a:schemeClr val="bg1"/>
+            </a:solidFill>
+            <a:prstDash val="solid"/>
+            <a:headEnd type="none"/>
+            <a:tailEnd type="none"/>
+          </a:ln>
+        </p:spPr>
+        <p:style>
+          <a:lnRef idx="2">
+            <a:schemeClr val="accent1"/>
+          </a:lnRef>
+          <a:fillRef idx="0">
+            <a:schemeClr val="accent1"/>
+          </a:fillRef>
+          <a:effectRef idx="1">
+            <a:schemeClr val="accent1"/>
+          </a:effectRef>
+          <a:fontRef idx="minor">
+            <a:schemeClr val="tx1"/>
+          </a:fontRef>
+        </p:style>
+      </p:cxnSp>
+      <p:sp>
+        <p:nvSpPr>
+          <p:cNvPr id="3" name="文本框 2"/>
+          <p:cNvSpPr txBox="1"/>
+          <p:nvPr/>
+        </p:nvSpPr>
+        <p:spPr>
+          <a:xfrm>
+            <a:off x="3420745" y="1428750"/>
+            <a:ext cx="1760855" cy="1198880"/>
+          </a:xfrm>
+          <a:prstGeom prst="rect">
+            <a:avLst/>
+          </a:prstGeom>
+          <a:noFill/>
+        </p:spPr>
+        <p:txBody>
+          <a:bodyPr wrap="square" rtlCol="0">
+            <a:spAutoFit/>
+          </a:bodyPr>
+          <a:p>
+            <a:r>
+              <a:rPr lang="en-US" altLang="zh-CN">
+                <a:solidFill>
+                  <a:schemeClr val="bg1"/>
+                </a:solidFill>
               </a:rPr>
-              <a:t>Ensemble</a:t>
-            </a:r>
-            <a:endParaRPr lang="en-US" sz="5000" b="1" dirty="0">
-              <a:latin typeface="Inter Semi" panose="020B0502030000000004" pitchFamily="34" charset="0"/>
-              <a:ea typeface="Inter Semi" panose="020B0502030000000004" pitchFamily="34" charset="0"/>
-              <a:cs typeface="Inter Semi" panose="020B0502030000000004" pitchFamily="34" charset="0"/>
+              <a:t>fp1            fp2</a:t>
+            </a:r>
+            <a:endParaRPr lang="en-US" altLang="zh-CN">
+              <a:solidFill>
+                <a:schemeClr val="bg1"/>
+              </a:solidFill>
+            </a:endParaRPr>
+          </a:p>
+          <a:p>
+            <a:r>
+              <a:rPr lang="en-US" altLang="zh-CN">
+                <a:solidFill>
+                  <a:schemeClr val="bg1"/>
+                </a:solidFill>
+              </a:rPr>
+              <a:t> 3               4        </a:t>
+            </a:r>
+            <a:endParaRPr lang="en-US" altLang="zh-CN">
+              <a:solidFill>
+                <a:schemeClr val="bg1"/>
+              </a:solidFill>
+            </a:endParaRPr>
+          </a:p>
+          <a:p>
+            <a:r>
+              <a:rPr lang="en-US" altLang="zh-CN">
+                <a:solidFill>
+                  <a:schemeClr val="bg1"/>
+                </a:solidFill>
+              </a:rPr>
+              <a:t>...</a:t>
+            </a:r>
+            <a:endParaRPr lang="en-US" altLang="zh-CN">
+              <a:solidFill>
+                <a:schemeClr val="bg1"/>
+              </a:solidFill>
+            </a:endParaRPr>
+          </a:p>
+          <a:p>
+            <a:endParaRPr lang="en-US" altLang="zh-CN">
+              <a:solidFill>
+                <a:schemeClr val="bg1"/>
+              </a:solidFill>
             </a:endParaRPr>
           </a:p>
         </p:txBody>
@@ -9982,7 +11238,7 @@
         <p:spPr>
           <a:xfrm>
             <a:off x="274983" y="183874"/>
-            <a:ext cx="5135217" cy="523220"/>
+            <a:ext cx="5135217" cy="521970"/>
           </a:xfrm>
           <a:prstGeom prst="rect">
             <a:avLst/>
@@ -10000,7 +11256,7 @@
                 <a:ea typeface="Inter Semi" panose="020B0502030000000004" pitchFamily="34" charset="0"/>
                 <a:cs typeface="Inter Semi" panose="020B0502030000000004" pitchFamily="34" charset="0"/>
               </a:rPr>
-              <a:t>Summary</a:t>
+              <a:t>Model</a:t>
             </a:r>
             <a:endParaRPr lang="en-US" sz="1200" b="1" dirty="0">
               <a:latin typeface="Inter Semi" panose="020B0502030000000004" pitchFamily="34" charset="0"/>
@@ -10053,28 +11309,128 @@
           </a:fontRef>
         </p:style>
       </p:cxnSp>
+      <p:sp>
+        <p:nvSpPr>
+          <p:cNvPr id="4" name="Rectangle 16"/>
+          <p:cNvSpPr/>
+          <p:nvPr>
+            <p:custDataLst>
+              <p:tags r:id="rId1"/>
+            </p:custDataLst>
+          </p:nvPr>
+        </p:nvSpPr>
+        <p:spPr>
+          <a:xfrm>
+            <a:off x="274983" y="707114"/>
+            <a:ext cx="5135217" cy="337185"/>
+          </a:xfrm>
+          <a:prstGeom prst="rect">
+            <a:avLst/>
+          </a:prstGeom>
+        </p:spPr>
+        <p:txBody>
+          <a:bodyPr wrap="square">
+            <a:spAutoFit/>
+          </a:bodyPr>
+          <a:p>
+            <a:r>
+              <a:rPr lang="en-US" sz="1600" b="1" dirty="0">
+                <a:latin typeface="Inter" panose="020B0502030000000004" pitchFamily="34" charset="0"/>
+                <a:ea typeface="Inter" panose="020B0502030000000004" pitchFamily="34" charset="0"/>
+                <a:cs typeface="Inter" panose="020B0502030000000004" pitchFamily="34" charset="0"/>
+              </a:rPr>
+              <a:t>hybrid model</a:t>
+            </a:r>
+            <a:endParaRPr lang="en-US" sz="1600" b="1" dirty="0">
+              <a:latin typeface="Inter" panose="020B0502030000000004" pitchFamily="34" charset="0"/>
+              <a:ea typeface="Inter" panose="020B0502030000000004" pitchFamily="34" charset="0"/>
+              <a:cs typeface="Inter" panose="020B0502030000000004" pitchFamily="34" charset="0"/>
+            </a:endParaRPr>
+          </a:p>
+        </p:txBody>
+      </p:sp>
+      <p:sp>
+        <p:nvSpPr>
+          <p:cNvPr id="3" name="文本框 2"/>
+          <p:cNvSpPr txBox="1"/>
+          <p:nvPr/>
+        </p:nvSpPr>
+        <p:spPr>
+          <a:xfrm>
+            <a:off x="274955" y="4019550"/>
+            <a:ext cx="4572000" cy="645160"/>
+          </a:xfrm>
+          <a:prstGeom prst="rect">
+            <a:avLst/>
+          </a:prstGeom>
+          <a:noFill/>
+        </p:spPr>
+        <p:txBody>
+          <a:bodyPr wrap="square" rtlCol="0" anchor="t">
+            <a:spAutoFit/>
+          </a:bodyPr>
+          <a:p>
+            <a:r>
+              <a:rPr lang="zh-CN" altLang="en-US"/>
+              <a:t>public </a:t>
+            </a:r>
+            <a:r>
+              <a:rPr lang="en-US" altLang="zh-CN"/>
+              <a:t> </a:t>
+            </a:r>
+            <a:r>
+              <a:rPr lang="zh-CN" altLang="en-US"/>
+              <a:t>lb 0.2</a:t>
+            </a:r>
+            <a:r>
+              <a:rPr lang="en-US" altLang="zh-CN"/>
+              <a:t>32</a:t>
+            </a:r>
+            <a:r>
+              <a:rPr lang="zh-CN" altLang="en-US"/>
+              <a:t> </a:t>
+            </a:r>
+            <a:endParaRPr lang="zh-CN" altLang="en-US"/>
+          </a:p>
+          <a:p>
+            <a:r>
+              <a:rPr lang="zh-CN" altLang="en-US"/>
+              <a:t>private lb 0.2</a:t>
+            </a:r>
+            <a:r>
+              <a:rPr lang="en-US" altLang="zh-CN"/>
+              <a:t>85</a:t>
+            </a:r>
+            <a:r>
+              <a:rPr lang="zh-CN" altLang="en-US"/>
+              <a:t> </a:t>
+            </a:r>
+            <a:endParaRPr lang="zh-CN" altLang="en-US"/>
+          </a:p>
+        </p:txBody>
+      </p:sp>
       <p:pic>
         <p:nvPicPr>
-          <p:cNvPr id="3" name="图片 2"/>
+          <p:cNvPr id="6" name="图片 5"/>
           <p:cNvPicPr>
             <a:picLocks noChangeAspect="1"/>
           </p:cNvPicPr>
           <p:nvPr>
             <p:custDataLst>
-              <p:tags r:id="rId1"/>
+              <p:tags r:id="rId2"/>
             </p:custDataLst>
           </p:nvPr>
         </p:nvPicPr>
         <p:blipFill>
-          <a:blip r:embed="rId2"/>
+          <a:blip r:embed="rId3"/>
           <a:stretch>
             <a:fillRect/>
           </a:stretch>
         </p:blipFill>
         <p:spPr>
           <a:xfrm>
-            <a:off x="1371600" y="875665"/>
-            <a:ext cx="5268595" cy="4193540"/>
+            <a:off x="4191000" y="-19050"/>
+            <a:ext cx="3869690" cy="5143500"/>
           </a:xfrm>
           <a:prstGeom prst="rect">
             <a:avLst/>
@@ -10191,7 +11547,7 @@
       </p:sp>
       <p:sp>
         <p:nvSpPr>
-          <p:cNvPr id="6" name="TextBox 3"/>
+          <p:cNvPr id="7" name="TextBox 3"/>
           <p:cNvSpPr txBox="1">
             <a:spLocks noChangeArrowheads="1"/>
           </p:cNvSpPr>
@@ -10199,8 +11555,8 @@
         </p:nvSpPr>
         <p:spPr bwMode="auto">
           <a:xfrm>
-            <a:off x="2541799" y="1484862"/>
-            <a:ext cx="3921254" cy="1631216"/>
+            <a:off x="1087025" y="1484862"/>
+            <a:ext cx="6830801" cy="860425"/>
           </a:xfrm>
           <a:prstGeom prst="rect">
             <a:avLst/>
@@ -10329,7 +11685,7 @@
                 <a:ea typeface="Inter Semi" panose="020B0502030000000004" pitchFamily="34" charset="0"/>
                 <a:cs typeface="Inter Semi" panose="020B0502030000000004" pitchFamily="34" charset="0"/>
               </a:rPr>
-              <a:t>Training Methods</a:t>
+              <a:t>Ensemble</a:t>
             </a:r>
             <a:endParaRPr lang="en-US" sz="5000" b="1" dirty="0">
               <a:latin typeface="Inter Semi" panose="020B0502030000000004" pitchFamily="34" charset="0"/>
@@ -10374,368 +11730,6 @@
       </p:grpSpPr>
       <p:sp>
         <p:nvSpPr>
-          <p:cNvPr id="6" name="TextBox 3"/>
-          <p:cNvSpPr txBox="1">
-            <a:spLocks noChangeArrowheads="1"/>
-          </p:cNvSpPr>
-          <p:nvPr/>
-        </p:nvSpPr>
-        <p:spPr bwMode="auto">
-          <a:xfrm>
-            <a:off x="914178" y="1124108"/>
-            <a:ext cx="6219411" cy="1198880"/>
-          </a:xfrm>
-          <a:prstGeom prst="rect">
-            <a:avLst/>
-          </a:prstGeom>
-          <a:noFill/>
-          <a:ln>
-            <a:noFill/>
-          </a:ln>
-        </p:spPr>
-        <p:txBody>
-          <a:bodyPr wrap="square">
-            <a:spAutoFit/>
-          </a:bodyPr>
-          <a:lstStyle>
-            <a:lvl1pPr eaLnBrk="0" hangingPunct="0">
-              <a:defRPr>
-                <a:solidFill>
-                  <a:schemeClr val="tx1"/>
-                </a:solidFill>
-                <a:latin typeface="Arial" panose="020B0604020202090204" pitchFamily="34" charset="0"/>
-                <a:ea typeface="ヒラギノ角ゴ Pro W3" panose="020B0300000000000000" charset="-128"/>
-              </a:defRPr>
-            </a:lvl1pPr>
-            <a:lvl2pPr marL="742950" indent="-285750" eaLnBrk="0" hangingPunct="0">
-              <a:defRPr>
-                <a:solidFill>
-                  <a:schemeClr val="tx1"/>
-                </a:solidFill>
-                <a:latin typeface="Arial" panose="020B0604020202090204" pitchFamily="34" charset="0"/>
-                <a:ea typeface="ヒラギノ角ゴ Pro W3" panose="020B0300000000000000" charset="-128"/>
-              </a:defRPr>
-            </a:lvl2pPr>
-            <a:lvl3pPr marL="1143000" indent="-228600" eaLnBrk="0" hangingPunct="0">
-              <a:defRPr>
-                <a:solidFill>
-                  <a:schemeClr val="tx1"/>
-                </a:solidFill>
-                <a:latin typeface="Arial" panose="020B0604020202090204" pitchFamily="34" charset="0"/>
-                <a:ea typeface="ヒラギノ角ゴ Pro W3" panose="020B0300000000000000" charset="-128"/>
-              </a:defRPr>
-            </a:lvl3pPr>
-            <a:lvl4pPr marL="1600200" indent="-228600" eaLnBrk="0" hangingPunct="0">
-              <a:defRPr>
-                <a:solidFill>
-                  <a:schemeClr val="tx1"/>
-                </a:solidFill>
-                <a:latin typeface="Arial" panose="020B0604020202090204" pitchFamily="34" charset="0"/>
-                <a:ea typeface="ヒラギノ角ゴ Pro W3" panose="020B0300000000000000" charset="-128"/>
-              </a:defRPr>
-            </a:lvl4pPr>
-            <a:lvl5pPr marL="2057400" indent="-228600" eaLnBrk="0" hangingPunct="0">
-              <a:defRPr>
-                <a:solidFill>
-                  <a:schemeClr val="tx1"/>
-                </a:solidFill>
-                <a:latin typeface="Arial" panose="020B0604020202090204" pitchFamily="34" charset="0"/>
-                <a:ea typeface="ヒラギノ角ゴ Pro W3" panose="020B0300000000000000" charset="-128"/>
-              </a:defRPr>
-            </a:lvl5pPr>
-            <a:lvl6pPr marL="2514600" indent="-228600" eaLnBrk="0" fontAlgn="base" hangingPunct="0">
-              <a:spcBef>
-                <a:spcPct val="0"/>
-              </a:spcBef>
-              <a:spcAft>
-                <a:spcPct val="0"/>
-              </a:spcAft>
-              <a:defRPr>
-                <a:solidFill>
-                  <a:schemeClr val="tx1"/>
-                </a:solidFill>
-                <a:latin typeface="Arial" panose="020B0604020202090204" pitchFamily="34" charset="0"/>
-                <a:ea typeface="ヒラギノ角ゴ Pro W3" panose="020B0300000000000000" charset="-128"/>
-              </a:defRPr>
-            </a:lvl6pPr>
-            <a:lvl7pPr marL="2971800" indent="-228600" eaLnBrk="0" fontAlgn="base" hangingPunct="0">
-              <a:spcBef>
-                <a:spcPct val="0"/>
-              </a:spcBef>
-              <a:spcAft>
-                <a:spcPct val="0"/>
-              </a:spcAft>
-              <a:defRPr>
-                <a:solidFill>
-                  <a:schemeClr val="tx1"/>
-                </a:solidFill>
-                <a:latin typeface="Arial" panose="020B0604020202090204" pitchFamily="34" charset="0"/>
-                <a:ea typeface="ヒラギノ角ゴ Pro W3" panose="020B0300000000000000" charset="-128"/>
-              </a:defRPr>
-            </a:lvl7pPr>
-            <a:lvl8pPr marL="3429000" indent="-228600" eaLnBrk="0" fontAlgn="base" hangingPunct="0">
-              <a:spcBef>
-                <a:spcPct val="0"/>
-              </a:spcBef>
-              <a:spcAft>
-                <a:spcPct val="0"/>
-              </a:spcAft>
-              <a:defRPr>
-                <a:solidFill>
-                  <a:schemeClr val="tx1"/>
-                </a:solidFill>
-                <a:latin typeface="Arial" panose="020B0604020202090204" pitchFamily="34" charset="0"/>
-                <a:ea typeface="ヒラギノ角ゴ Pro W3" panose="020B0300000000000000" charset="-128"/>
-              </a:defRPr>
-            </a:lvl8pPr>
-            <a:lvl9pPr marL="3886200" indent="-228600" eaLnBrk="0" fontAlgn="base" hangingPunct="0">
-              <a:spcBef>
-                <a:spcPct val="0"/>
-              </a:spcBef>
-              <a:spcAft>
-                <a:spcPct val="0"/>
-              </a:spcAft>
-              <a:defRPr>
-                <a:solidFill>
-                  <a:schemeClr val="tx1"/>
-                </a:solidFill>
-                <a:latin typeface="Arial" panose="020B0604020202090204" pitchFamily="34" charset="0"/>
-                <a:ea typeface="ヒラギノ角ゴ Pro W3" panose="020B0300000000000000" charset="-128"/>
-              </a:defRPr>
-            </a:lvl9pPr>
-          </a:lstStyle>
-          <a:p>
-            <a:pPr marL="285750" indent="-285750" eaLnBrk="1" hangingPunct="1">
-              <a:lnSpc>
-                <a:spcPct val="120000"/>
-              </a:lnSpc>
-              <a:buFont typeface="Arial" panose="020B0604020202090204" pitchFamily="34" charset="0"/>
-              <a:buChar char="•"/>
-            </a:pPr>
-            <a:r>
-              <a:rPr lang="en-US" sz="2000" dirty="0">
-                <a:latin typeface="Inter" panose="020B0502030000000004" pitchFamily="34" charset="0"/>
-                <a:ea typeface="Inter" panose="020B0502030000000004" pitchFamily="34" charset="0"/>
-                <a:cs typeface="Inter" panose="020B0502030000000004" pitchFamily="34" charset="0"/>
-              </a:rPr>
-              <a:t>Double banana montage, eeg as 16x10000</a:t>
-            </a:r>
-            <a:endParaRPr lang="en-US" sz="2000" dirty="0">
-              <a:latin typeface="Inter" panose="020B0502030000000004" pitchFamily="34" charset="0"/>
-              <a:ea typeface="Inter" panose="020B0502030000000004" pitchFamily="34" charset="0"/>
-              <a:cs typeface="Inter" panose="020B0502030000000004" pitchFamily="34" charset="0"/>
-            </a:endParaRPr>
-          </a:p>
-          <a:p>
-            <a:pPr marL="285750" indent="-285750" eaLnBrk="1" hangingPunct="1">
-              <a:lnSpc>
-                <a:spcPct val="120000"/>
-              </a:lnSpc>
-              <a:buFont typeface="Arial" panose="020B0604020202090204" pitchFamily="34" charset="0"/>
-              <a:buChar char="•"/>
-            </a:pPr>
-            <a:r>
-              <a:rPr lang="en-US" sz="2000" dirty="0">
-                <a:latin typeface="Inter" panose="020B0502030000000004" pitchFamily="34" charset="0"/>
-                <a:ea typeface="Inter" panose="020B0502030000000004" pitchFamily="34" charset="0"/>
-                <a:cs typeface="Inter" panose="020B0502030000000004" pitchFamily="34" charset="0"/>
-              </a:rPr>
-              <a:t>Filter with 0.5-20hz</a:t>
-            </a:r>
-            <a:endParaRPr lang="en-US" sz="2000" dirty="0">
-              <a:latin typeface="Inter" panose="020B0502030000000004" pitchFamily="34" charset="0"/>
-              <a:ea typeface="Inter" panose="020B0502030000000004" pitchFamily="34" charset="0"/>
-              <a:cs typeface="Inter" panose="020B0502030000000004" pitchFamily="34" charset="0"/>
-            </a:endParaRPr>
-          </a:p>
-          <a:p>
-            <a:pPr marL="285750" indent="-285750" eaLnBrk="1" hangingPunct="1">
-              <a:lnSpc>
-                <a:spcPct val="120000"/>
-              </a:lnSpc>
-              <a:buFont typeface="Arial" panose="020B0604020202090204" pitchFamily="34" charset="0"/>
-              <a:buChar char="•"/>
-            </a:pPr>
-            <a:r>
-              <a:rPr lang="en-US" sz="2000" dirty="0">
-                <a:latin typeface="Inter" panose="020B0502030000000004" pitchFamily="34" charset="0"/>
-                <a:ea typeface="Inter" panose="020B0502030000000004" pitchFamily="34" charset="0"/>
-                <a:cs typeface="Inter" panose="020B0502030000000004" pitchFamily="34" charset="0"/>
-              </a:rPr>
-              <a:t>Clip by +-1024</a:t>
-            </a:r>
-            <a:endParaRPr lang="en-US" sz="2000" dirty="0">
-              <a:latin typeface="Inter" panose="020B0502030000000004" pitchFamily="34" charset="0"/>
-              <a:ea typeface="Inter" panose="020B0502030000000004" pitchFamily="34" charset="0"/>
-              <a:cs typeface="Inter" panose="020B0502030000000004" pitchFamily="34" charset="0"/>
-            </a:endParaRPr>
-          </a:p>
-        </p:txBody>
-      </p:sp>
-      <p:sp>
-        <p:nvSpPr>
-          <p:cNvPr id="5" name="TextBox 3"/>
-          <p:cNvSpPr txBox="1">
-            <a:spLocks noChangeArrowheads="1"/>
-          </p:cNvSpPr>
-          <p:nvPr/>
-        </p:nvSpPr>
-        <p:spPr bwMode="auto">
-          <a:xfrm>
-            <a:off x="3733800" y="4794706"/>
-            <a:ext cx="2082019" cy="215444"/>
-          </a:xfrm>
-          <a:prstGeom prst="rect">
-            <a:avLst/>
-          </a:prstGeom>
-          <a:noFill/>
-          <a:ln>
-            <a:noFill/>
-          </a:ln>
-        </p:spPr>
-        <p:txBody>
-          <a:bodyPr wrap="square">
-            <a:spAutoFit/>
-          </a:bodyPr>
-          <a:lstStyle>
-            <a:lvl1pPr eaLnBrk="0" hangingPunct="0">
-              <a:defRPr>
-                <a:solidFill>
-                  <a:schemeClr val="tx1"/>
-                </a:solidFill>
-                <a:latin typeface="Arial" panose="020B0604020202090204" pitchFamily="34" charset="0"/>
-                <a:ea typeface="ヒラギノ角ゴ Pro W3" panose="020B0300000000000000" charset="-128"/>
-              </a:defRPr>
-            </a:lvl1pPr>
-            <a:lvl2pPr marL="742950" indent="-285750" eaLnBrk="0" hangingPunct="0">
-              <a:defRPr>
-                <a:solidFill>
-                  <a:schemeClr val="tx1"/>
-                </a:solidFill>
-                <a:latin typeface="Arial" panose="020B0604020202090204" pitchFamily="34" charset="0"/>
-                <a:ea typeface="ヒラギノ角ゴ Pro W3" panose="020B0300000000000000" charset="-128"/>
-              </a:defRPr>
-            </a:lvl2pPr>
-            <a:lvl3pPr marL="1143000" indent="-228600" eaLnBrk="0" hangingPunct="0">
-              <a:defRPr>
-                <a:solidFill>
-                  <a:schemeClr val="tx1"/>
-                </a:solidFill>
-                <a:latin typeface="Arial" panose="020B0604020202090204" pitchFamily="34" charset="0"/>
-                <a:ea typeface="ヒラギノ角ゴ Pro W3" panose="020B0300000000000000" charset="-128"/>
-              </a:defRPr>
-            </a:lvl3pPr>
-            <a:lvl4pPr marL="1600200" indent="-228600" eaLnBrk="0" hangingPunct="0">
-              <a:defRPr>
-                <a:solidFill>
-                  <a:schemeClr val="tx1"/>
-                </a:solidFill>
-                <a:latin typeface="Arial" panose="020B0604020202090204" pitchFamily="34" charset="0"/>
-                <a:ea typeface="ヒラギノ角ゴ Pro W3" panose="020B0300000000000000" charset="-128"/>
-              </a:defRPr>
-            </a:lvl4pPr>
-            <a:lvl5pPr marL="2057400" indent="-228600" eaLnBrk="0" hangingPunct="0">
-              <a:defRPr>
-                <a:solidFill>
-                  <a:schemeClr val="tx1"/>
-                </a:solidFill>
-                <a:latin typeface="Arial" panose="020B0604020202090204" pitchFamily="34" charset="0"/>
-                <a:ea typeface="ヒラギノ角ゴ Pro W3" panose="020B0300000000000000" charset="-128"/>
-              </a:defRPr>
-            </a:lvl5pPr>
-            <a:lvl6pPr marL="2514600" indent="-228600" eaLnBrk="0" fontAlgn="base" hangingPunct="0">
-              <a:spcBef>
-                <a:spcPct val="0"/>
-              </a:spcBef>
-              <a:spcAft>
-                <a:spcPct val="0"/>
-              </a:spcAft>
-              <a:defRPr>
-                <a:solidFill>
-                  <a:schemeClr val="tx1"/>
-                </a:solidFill>
-                <a:latin typeface="Arial" panose="020B0604020202090204" pitchFamily="34" charset="0"/>
-                <a:ea typeface="ヒラギノ角ゴ Pro W3" panose="020B0300000000000000" charset="-128"/>
-              </a:defRPr>
-            </a:lvl6pPr>
-            <a:lvl7pPr marL="2971800" indent="-228600" eaLnBrk="0" fontAlgn="base" hangingPunct="0">
-              <a:spcBef>
-                <a:spcPct val="0"/>
-              </a:spcBef>
-              <a:spcAft>
-                <a:spcPct val="0"/>
-              </a:spcAft>
-              <a:defRPr>
-                <a:solidFill>
-                  <a:schemeClr val="tx1"/>
-                </a:solidFill>
-                <a:latin typeface="Arial" panose="020B0604020202090204" pitchFamily="34" charset="0"/>
-                <a:ea typeface="ヒラギノ角ゴ Pro W3" panose="020B0300000000000000" charset="-128"/>
-              </a:defRPr>
-            </a:lvl7pPr>
-            <a:lvl8pPr marL="3429000" indent="-228600" eaLnBrk="0" fontAlgn="base" hangingPunct="0">
-              <a:spcBef>
-                <a:spcPct val="0"/>
-              </a:spcBef>
-              <a:spcAft>
-                <a:spcPct val="0"/>
-              </a:spcAft>
-              <a:defRPr>
-                <a:solidFill>
-                  <a:schemeClr val="tx1"/>
-                </a:solidFill>
-                <a:latin typeface="Arial" panose="020B0604020202090204" pitchFamily="34" charset="0"/>
-                <a:ea typeface="ヒラギノ角ゴ Pro W3" panose="020B0300000000000000" charset="-128"/>
-              </a:defRPr>
-            </a:lvl8pPr>
-            <a:lvl9pPr marL="3886200" indent="-228600" eaLnBrk="0" fontAlgn="base" hangingPunct="0">
-              <a:spcBef>
-                <a:spcPct val="0"/>
-              </a:spcBef>
-              <a:spcAft>
-                <a:spcPct val="0"/>
-              </a:spcAft>
-              <a:defRPr>
-                <a:solidFill>
-                  <a:schemeClr val="tx1"/>
-                </a:solidFill>
-                <a:latin typeface="Arial" panose="020B0604020202090204" pitchFamily="34" charset="0"/>
-                <a:ea typeface="ヒラギノ角ゴ Pro W3" panose="020B0300000000000000" charset="-128"/>
-              </a:defRPr>
-            </a:lvl9pPr>
-          </a:lstStyle>
-          <a:p>
-            <a:pPr eaLnBrk="1" hangingPunct="1"/>
-            <a:r>
-              <a:rPr lang="en-AU" sz="800" dirty="0">
-                <a:solidFill>
-                  <a:schemeClr val="tx1">
-                    <a:lumMod val="50000"/>
-                    <a:lumOff val="50000"/>
-                  </a:schemeClr>
-                </a:solidFill>
-                <a:latin typeface="Inter" panose="020B0502030000000004" pitchFamily="34" charset="0"/>
-                <a:ea typeface="Inter" panose="020B0502030000000004" pitchFamily="34" charset="0"/>
-                <a:cs typeface="Inter" panose="020B0502030000000004" pitchFamily="34" charset="0"/>
-              </a:rPr>
-              <a:t>Kaggle Winner Presentation Template</a:t>
-            </a:r>
-            <a:endParaRPr lang="en-US" sz="800" dirty="0">
-              <a:solidFill>
-                <a:schemeClr val="tx1">
-                  <a:lumMod val="50000"/>
-                  <a:lumOff val="50000"/>
-                </a:schemeClr>
-              </a:solidFill>
-              <a:latin typeface="Inter" panose="020B0502030000000004" pitchFamily="34" charset="0"/>
-              <a:ea typeface="Inter" panose="020B0502030000000004" pitchFamily="34" charset="0"/>
-              <a:cs typeface="Inter" panose="020B0502030000000004" pitchFamily="34" charset="0"/>
-            </a:endParaRPr>
-          </a:p>
-        </p:txBody>
-      </p:sp>
-      <p:sp>
-        <p:nvSpPr>
           <p:cNvPr id="2" name="Slide Number Placeholder 1"/>
           <p:cNvSpPr>
             <a:spLocks noGrp="1"/>
@@ -10758,14 +11752,14 @@
       </p:sp>
       <p:sp>
         <p:nvSpPr>
-          <p:cNvPr id="12" name="Rectangle 11"/>
+          <p:cNvPr id="17" name="Rectangle 16"/>
           <p:cNvSpPr/>
           <p:nvPr/>
         </p:nvSpPr>
         <p:spPr>
           <a:xfrm>
             <a:off x="274983" y="183874"/>
-            <a:ext cx="1812235" cy="523220"/>
+            <a:ext cx="5135217" cy="521970"/>
           </a:xfrm>
           <a:prstGeom prst="rect">
             <a:avLst/>
@@ -10783,7 +11777,7 @@
                 <a:ea typeface="Inter Semi" panose="020B0502030000000004" pitchFamily="34" charset="0"/>
                 <a:cs typeface="Inter Semi" panose="020B0502030000000004" pitchFamily="34" charset="0"/>
               </a:rPr>
-              <a:t>Training Methods</a:t>
+              <a:t>Ensemble</a:t>
             </a:r>
             <a:endParaRPr lang="en-US" sz="1200" b="1" dirty="0">
               <a:latin typeface="Inter Semi" panose="020B0502030000000004" pitchFamily="34" charset="0"/>
@@ -10792,13 +11786,17 @@
             </a:endParaRPr>
           </a:p>
           <a:p>
-            <a:endParaRPr lang="en-US" sz="1600" dirty="0"/>
+            <a:endParaRPr lang="en-US" sz="1600" b="1" dirty="0">
+              <a:latin typeface="Inter" panose="020B0502030000000004" pitchFamily="34" charset="0"/>
+              <a:ea typeface="Inter" panose="020B0502030000000004" pitchFamily="34" charset="0"/>
+              <a:cs typeface="Inter" panose="020B0502030000000004" pitchFamily="34" charset="0"/>
+            </a:endParaRPr>
           </a:p>
         </p:txBody>
       </p:sp>
       <p:cxnSp>
         <p:nvCxnSpPr>
-          <p:cNvPr id="13" name="Straight Connector 12"/>
+          <p:cNvPr id="18" name="Straight Connector 17"/>
           <p:cNvCxnSpPr/>
           <p:nvPr/>
         </p:nvCxnSpPr>
@@ -10832,46 +11830,34 @@
           </a:fontRef>
         </p:style>
       </p:cxnSp>
-      <p:sp>
-        <p:nvSpPr>
-          <p:cNvPr id="4" name="Rectangle 16"/>
-          <p:cNvSpPr/>
+      <p:pic>
+        <p:nvPicPr>
+          <p:cNvPr id="4" name="图片 3"/>
+          <p:cNvPicPr>
+            <a:picLocks noChangeAspect="1"/>
+          </p:cNvPicPr>
           <p:nvPr>
             <p:custDataLst>
               <p:tags r:id="rId1"/>
             </p:custDataLst>
           </p:nvPr>
-        </p:nvSpPr>
+        </p:nvPicPr>
+        <p:blipFill>
+          <a:blip r:embed="rId2"/>
+          <a:stretch>
+            <a:fillRect/>
+          </a:stretch>
+        </p:blipFill>
         <p:spPr>
           <a:xfrm>
-            <a:off x="274983" y="707114"/>
-            <a:ext cx="5135217" cy="337185"/>
+            <a:off x="1295400" y="626745"/>
+            <a:ext cx="7075805" cy="4131945"/>
           </a:xfrm>
           <a:prstGeom prst="rect">
             <a:avLst/>
           </a:prstGeom>
         </p:spPr>
-        <p:txBody>
-          <a:bodyPr wrap="square">
-            <a:spAutoFit/>
-          </a:bodyPr>
-          <a:p>
-            <a:r>
-              <a:rPr lang="en-US" sz="1600" b="1" dirty="0">
-                <a:latin typeface="Inter" panose="020B0502030000000004" pitchFamily="34" charset="0"/>
-                <a:ea typeface="Inter" panose="020B0502030000000004" pitchFamily="34" charset="0"/>
-                <a:cs typeface="Inter" panose="020B0502030000000004" pitchFamily="34" charset="0"/>
-              </a:rPr>
-              <a:t>preprocess</a:t>
-            </a:r>
-            <a:endParaRPr lang="en-US" sz="1600" b="1" dirty="0">
-              <a:latin typeface="Inter" panose="020B0502030000000004" pitchFamily="34" charset="0"/>
-              <a:ea typeface="Inter" panose="020B0502030000000004" pitchFamily="34" charset="0"/>
-              <a:cs typeface="Inter" panose="020B0502030000000004" pitchFamily="34" charset="0"/>
-            </a:endParaRPr>
-          </a:p>
-        </p:txBody>
-      </p:sp>
+      </p:pic>
     </p:spTree>
   </p:cSld>
   <p:clrMapOvr>
@@ -10907,429 +11893,6 @@
       </p:grpSpPr>
       <p:sp>
         <p:nvSpPr>
-          <p:cNvPr id="6" name="TextBox 3"/>
-          <p:cNvSpPr txBox="1">
-            <a:spLocks noChangeArrowheads="1"/>
-          </p:cNvSpPr>
-          <p:nvPr/>
-        </p:nvSpPr>
-        <p:spPr bwMode="auto">
-          <a:xfrm>
-            <a:off x="914400" y="1123950"/>
-            <a:ext cx="7591425" cy="3041015"/>
-          </a:xfrm>
-          <a:prstGeom prst="rect">
-            <a:avLst/>
-          </a:prstGeom>
-          <a:noFill/>
-          <a:ln>
-            <a:noFill/>
-          </a:ln>
-        </p:spPr>
-        <p:txBody>
-          <a:bodyPr wrap="square">
-            <a:spAutoFit/>
-          </a:bodyPr>
-          <a:lstStyle>
-            <a:lvl1pPr eaLnBrk="0" hangingPunct="0">
-              <a:defRPr>
-                <a:solidFill>
-                  <a:schemeClr val="tx1"/>
-                </a:solidFill>
-                <a:latin typeface="Arial" panose="020B0604020202090204" pitchFamily="34" charset="0"/>
-                <a:ea typeface="ヒラギノ角ゴ Pro W3" panose="020B0300000000000000" charset="-128"/>
-              </a:defRPr>
-            </a:lvl1pPr>
-            <a:lvl2pPr marL="742950" indent="-285750" eaLnBrk="0" hangingPunct="0">
-              <a:defRPr>
-                <a:solidFill>
-                  <a:schemeClr val="tx1"/>
-                </a:solidFill>
-                <a:latin typeface="Arial" panose="020B0604020202090204" pitchFamily="34" charset="0"/>
-                <a:ea typeface="ヒラギノ角ゴ Pro W3" panose="020B0300000000000000" charset="-128"/>
-              </a:defRPr>
-            </a:lvl2pPr>
-            <a:lvl3pPr marL="1143000" indent="-228600" eaLnBrk="0" hangingPunct="0">
-              <a:defRPr>
-                <a:solidFill>
-                  <a:schemeClr val="tx1"/>
-                </a:solidFill>
-                <a:latin typeface="Arial" panose="020B0604020202090204" pitchFamily="34" charset="0"/>
-                <a:ea typeface="ヒラギノ角ゴ Pro W3" panose="020B0300000000000000" charset="-128"/>
-              </a:defRPr>
-            </a:lvl3pPr>
-            <a:lvl4pPr marL="1600200" indent="-228600" eaLnBrk="0" hangingPunct="0">
-              <a:defRPr>
-                <a:solidFill>
-                  <a:schemeClr val="tx1"/>
-                </a:solidFill>
-                <a:latin typeface="Arial" panose="020B0604020202090204" pitchFamily="34" charset="0"/>
-                <a:ea typeface="ヒラギノ角ゴ Pro W3" panose="020B0300000000000000" charset="-128"/>
-              </a:defRPr>
-            </a:lvl4pPr>
-            <a:lvl5pPr marL="2057400" indent="-228600" eaLnBrk="0" hangingPunct="0">
-              <a:defRPr>
-                <a:solidFill>
-                  <a:schemeClr val="tx1"/>
-                </a:solidFill>
-                <a:latin typeface="Arial" panose="020B0604020202090204" pitchFamily="34" charset="0"/>
-                <a:ea typeface="ヒラギノ角ゴ Pro W3" panose="020B0300000000000000" charset="-128"/>
-              </a:defRPr>
-            </a:lvl5pPr>
-            <a:lvl6pPr marL="2514600" indent="-228600" eaLnBrk="0" fontAlgn="base" hangingPunct="0">
-              <a:spcBef>
-                <a:spcPct val="0"/>
-              </a:spcBef>
-              <a:spcAft>
-                <a:spcPct val="0"/>
-              </a:spcAft>
-              <a:defRPr>
-                <a:solidFill>
-                  <a:schemeClr val="tx1"/>
-                </a:solidFill>
-                <a:latin typeface="Arial" panose="020B0604020202090204" pitchFamily="34" charset="0"/>
-                <a:ea typeface="ヒラギノ角ゴ Pro W3" panose="020B0300000000000000" charset="-128"/>
-              </a:defRPr>
-            </a:lvl6pPr>
-            <a:lvl7pPr marL="2971800" indent="-228600" eaLnBrk="0" fontAlgn="base" hangingPunct="0">
-              <a:spcBef>
-                <a:spcPct val="0"/>
-              </a:spcBef>
-              <a:spcAft>
-                <a:spcPct val="0"/>
-              </a:spcAft>
-              <a:defRPr>
-                <a:solidFill>
-                  <a:schemeClr val="tx1"/>
-                </a:solidFill>
-                <a:latin typeface="Arial" panose="020B0604020202090204" pitchFamily="34" charset="0"/>
-                <a:ea typeface="ヒラギノ角ゴ Pro W3" panose="020B0300000000000000" charset="-128"/>
-              </a:defRPr>
-            </a:lvl7pPr>
-            <a:lvl8pPr marL="3429000" indent="-228600" eaLnBrk="0" fontAlgn="base" hangingPunct="0">
-              <a:spcBef>
-                <a:spcPct val="0"/>
-              </a:spcBef>
-              <a:spcAft>
-                <a:spcPct val="0"/>
-              </a:spcAft>
-              <a:defRPr>
-                <a:solidFill>
-                  <a:schemeClr val="tx1"/>
-                </a:solidFill>
-                <a:latin typeface="Arial" panose="020B0604020202090204" pitchFamily="34" charset="0"/>
-                <a:ea typeface="ヒラギノ角ゴ Pro W3" panose="020B0300000000000000" charset="-128"/>
-              </a:defRPr>
-            </a:lvl8pPr>
-            <a:lvl9pPr marL="3886200" indent="-228600" eaLnBrk="0" fontAlgn="base" hangingPunct="0">
-              <a:spcBef>
-                <a:spcPct val="0"/>
-              </a:spcBef>
-              <a:spcAft>
-                <a:spcPct val="0"/>
-              </a:spcAft>
-              <a:defRPr>
-                <a:solidFill>
-                  <a:schemeClr val="tx1"/>
-                </a:solidFill>
-                <a:latin typeface="Arial" panose="020B0604020202090204" pitchFamily="34" charset="0"/>
-                <a:ea typeface="ヒラギノ角ゴ Pro W3" panose="020B0300000000000000" charset="-128"/>
-              </a:defRPr>
-            </a:lvl9pPr>
-          </a:lstStyle>
-          <a:p>
-            <a:pPr marL="285750" indent="-285750" eaLnBrk="1" hangingPunct="1">
-              <a:lnSpc>
-                <a:spcPct val="120000"/>
-              </a:lnSpc>
-              <a:buFont typeface="Arial" panose="020B0604020202090204" pitchFamily="34" charset="0"/>
-              <a:buChar char="•"/>
-            </a:pPr>
-            <a:r>
-              <a:rPr lang="en-US" sz="1600" dirty="0">
-                <a:latin typeface="Inter" panose="020B0502030000000004" pitchFamily="34" charset="0"/>
-                <a:ea typeface="Inter" panose="020B0502030000000004" pitchFamily="34" charset="0"/>
-                <a:cs typeface="Inter" panose="020B0502030000000004" pitchFamily="34" charset="0"/>
-              </a:rPr>
-              <a:t>Stage1, 15 epochs, with loss weight voters_num/20, Adamw lr=0.001, cos scheduel</a:t>
-            </a:r>
-            <a:endParaRPr lang="en-US" sz="1600" dirty="0">
-              <a:latin typeface="Inter" panose="020B0502030000000004" pitchFamily="34" charset="0"/>
-              <a:ea typeface="Inter" panose="020B0502030000000004" pitchFamily="34" charset="0"/>
-              <a:cs typeface="Inter" panose="020B0502030000000004" pitchFamily="34" charset="0"/>
-            </a:endParaRPr>
-          </a:p>
-          <a:p>
-            <a:pPr marL="285750" indent="-285750" eaLnBrk="1" hangingPunct="1">
-              <a:lnSpc>
-                <a:spcPct val="120000"/>
-              </a:lnSpc>
-              <a:buFont typeface="Arial" panose="020B0604020202090204" pitchFamily="34" charset="0"/>
-              <a:buChar char="•"/>
-            </a:pPr>
-            <a:r>
-              <a:rPr lang="en-US" sz="1600" dirty="0">
-                <a:latin typeface="Inter" panose="020B0502030000000004" pitchFamily="34" charset="0"/>
-                <a:ea typeface="Inter" panose="020B0502030000000004" pitchFamily="34" charset="0"/>
-                <a:cs typeface="Inter" panose="020B0502030000000004" pitchFamily="34" charset="0"/>
-              </a:rPr>
-              <a:t>Stage2, 5 epoch, loss weight=1for voters_num&gt;=6 ,</a:t>
-            </a:r>
-            <a:r>
-              <a:rPr lang="en-US" sz="1600" dirty="0">
-                <a:latin typeface="Inter" panose="020B0502030000000004" pitchFamily="34" charset="0"/>
-                <a:ea typeface="Inter" panose="020B0502030000000004" pitchFamily="34" charset="0"/>
-                <a:cs typeface="Inter" panose="020B0502030000000004" pitchFamily="34" charset="0"/>
-                <a:sym typeface="+mn-ea"/>
-              </a:rPr>
-              <a:t>weight=0 for num&lt;6</a:t>
-            </a:r>
-            <a:r>
-              <a:rPr lang="en-US" sz="1600" dirty="0">
-                <a:latin typeface="Inter" panose="020B0502030000000004" pitchFamily="34" charset="0"/>
-                <a:ea typeface="Inter" panose="020B0502030000000004" pitchFamily="34" charset="0"/>
-                <a:cs typeface="Inter" panose="020B0502030000000004" pitchFamily="34" charset="0"/>
-              </a:rPr>
-              <a:t>, Adamw lr=0.0001, cos scheduel</a:t>
-            </a:r>
-            <a:endParaRPr lang="en-US" sz="1600" dirty="0">
-              <a:latin typeface="Inter" panose="020B0502030000000004" pitchFamily="34" charset="0"/>
-              <a:ea typeface="Inter" panose="020B0502030000000004" pitchFamily="34" charset="0"/>
-              <a:cs typeface="Inter" panose="020B0502030000000004" pitchFamily="34" charset="0"/>
-            </a:endParaRPr>
-          </a:p>
-          <a:p>
-            <a:pPr marL="285750" indent="-285750" eaLnBrk="1" hangingPunct="1">
-              <a:lnSpc>
-                <a:spcPct val="120000"/>
-              </a:lnSpc>
-              <a:buFont typeface="Arial" panose="020B0604020202090204" pitchFamily="34" charset="0"/>
-              <a:buChar char="•"/>
-            </a:pPr>
-            <a:r>
-              <a:rPr lang="en-US" sz="1600" dirty="0">
-                <a:latin typeface="Inter" panose="020B0502030000000004" pitchFamily="34" charset="0"/>
-                <a:ea typeface="Inter" panose="020B0502030000000004" pitchFamily="34" charset="0"/>
-                <a:cs typeface="Inter" panose="020B0502030000000004" pitchFamily="34" charset="0"/>
-              </a:rPr>
-              <a:t>use eeg_label_offset_seconds. I random choose an offset for each eegid, and the target is average according to eegid for each train iter.</a:t>
-            </a:r>
-            <a:endParaRPr lang="en-US" sz="1600" dirty="0">
-              <a:latin typeface="Inter" panose="020B0502030000000004" pitchFamily="34" charset="0"/>
-              <a:ea typeface="Inter" panose="020B0502030000000004" pitchFamily="34" charset="0"/>
-              <a:cs typeface="Inter" panose="020B0502030000000004" pitchFamily="34" charset="0"/>
-            </a:endParaRPr>
-          </a:p>
-          <a:p>
-            <a:pPr marL="285750" indent="-285750" eaLnBrk="1" hangingPunct="1">
-              <a:lnSpc>
-                <a:spcPct val="120000"/>
-              </a:lnSpc>
-              <a:buFont typeface="Arial" panose="020B0604020202090204" pitchFamily="34" charset="0"/>
-              <a:buChar char="•"/>
-            </a:pPr>
-            <a:r>
-              <a:rPr lang="en-US" sz="1600" dirty="0">
-                <a:latin typeface="Inter" panose="020B0502030000000004" pitchFamily="34" charset="0"/>
-                <a:ea typeface="Inter" panose="020B0502030000000004" pitchFamily="34" charset="0"/>
-                <a:cs typeface="Inter" panose="020B0502030000000004" pitchFamily="34" charset="0"/>
-              </a:rPr>
-              <a:t>Augmentation, mirror eeg, flip between left brain data and right brain data.</a:t>
-            </a:r>
-            <a:endParaRPr lang="en-US" sz="1600" dirty="0">
-              <a:latin typeface="Inter" panose="020B0502030000000004" pitchFamily="34" charset="0"/>
-              <a:ea typeface="Inter" panose="020B0502030000000004" pitchFamily="34" charset="0"/>
-              <a:cs typeface="Inter" panose="020B0502030000000004" pitchFamily="34" charset="0"/>
-            </a:endParaRPr>
-          </a:p>
-          <a:p>
-            <a:pPr marL="285750" indent="-285750" eaLnBrk="1" hangingPunct="1">
-              <a:lnSpc>
-                <a:spcPct val="120000"/>
-              </a:lnSpc>
-              <a:buFont typeface="Arial" panose="020B0604020202090204" pitchFamily="34" charset="0"/>
-              <a:buChar char="•"/>
-            </a:pPr>
-            <a:r>
-              <a:rPr lang="en-US" sz="1600" dirty="0">
-                <a:latin typeface="Inter" panose="020B0502030000000004" pitchFamily="34" charset="0"/>
-                <a:ea typeface="Inter" panose="020B0502030000000004" pitchFamily="34" charset="0"/>
-                <a:cs typeface="Inter" panose="020B0502030000000004" pitchFamily="34" charset="0"/>
-              </a:rPr>
-              <a:t>10 folds, then move 1000 samples from val to train, left 709 samples in val set. And use vote_num&gt;=6 to do validation.</a:t>
-            </a:r>
-            <a:endParaRPr lang="en-US" sz="1600" dirty="0">
-              <a:latin typeface="Inter" panose="020B0502030000000004" pitchFamily="34" charset="0"/>
-              <a:ea typeface="Inter" panose="020B0502030000000004" pitchFamily="34" charset="0"/>
-              <a:cs typeface="Inter" panose="020B0502030000000004" pitchFamily="34" charset="0"/>
-            </a:endParaRPr>
-          </a:p>
-        </p:txBody>
-      </p:sp>
-      <p:sp>
-        <p:nvSpPr>
-          <p:cNvPr id="5" name="TextBox 3"/>
-          <p:cNvSpPr txBox="1">
-            <a:spLocks noChangeArrowheads="1"/>
-          </p:cNvSpPr>
-          <p:nvPr/>
-        </p:nvSpPr>
-        <p:spPr bwMode="auto">
-          <a:xfrm>
-            <a:off x="3733800" y="4794706"/>
-            <a:ext cx="2082019" cy="215444"/>
-          </a:xfrm>
-          <a:prstGeom prst="rect">
-            <a:avLst/>
-          </a:prstGeom>
-          <a:noFill/>
-          <a:ln>
-            <a:noFill/>
-          </a:ln>
-        </p:spPr>
-        <p:txBody>
-          <a:bodyPr wrap="square">
-            <a:spAutoFit/>
-          </a:bodyPr>
-          <a:lstStyle>
-            <a:lvl1pPr eaLnBrk="0" hangingPunct="0">
-              <a:defRPr>
-                <a:solidFill>
-                  <a:schemeClr val="tx1"/>
-                </a:solidFill>
-                <a:latin typeface="Arial" panose="020B0604020202090204" pitchFamily="34" charset="0"/>
-                <a:ea typeface="ヒラギノ角ゴ Pro W3" panose="020B0300000000000000" charset="-128"/>
-              </a:defRPr>
-            </a:lvl1pPr>
-            <a:lvl2pPr marL="742950" indent="-285750" eaLnBrk="0" hangingPunct="0">
-              <a:defRPr>
-                <a:solidFill>
-                  <a:schemeClr val="tx1"/>
-                </a:solidFill>
-                <a:latin typeface="Arial" panose="020B0604020202090204" pitchFamily="34" charset="0"/>
-                <a:ea typeface="ヒラギノ角ゴ Pro W3" panose="020B0300000000000000" charset="-128"/>
-              </a:defRPr>
-            </a:lvl2pPr>
-            <a:lvl3pPr marL="1143000" indent="-228600" eaLnBrk="0" hangingPunct="0">
-              <a:defRPr>
-                <a:solidFill>
-                  <a:schemeClr val="tx1"/>
-                </a:solidFill>
-                <a:latin typeface="Arial" panose="020B0604020202090204" pitchFamily="34" charset="0"/>
-                <a:ea typeface="ヒラギノ角ゴ Pro W3" panose="020B0300000000000000" charset="-128"/>
-              </a:defRPr>
-            </a:lvl3pPr>
-            <a:lvl4pPr marL="1600200" indent="-228600" eaLnBrk="0" hangingPunct="0">
-              <a:defRPr>
-                <a:solidFill>
-                  <a:schemeClr val="tx1"/>
-                </a:solidFill>
-                <a:latin typeface="Arial" panose="020B0604020202090204" pitchFamily="34" charset="0"/>
-                <a:ea typeface="ヒラギノ角ゴ Pro W3" panose="020B0300000000000000" charset="-128"/>
-              </a:defRPr>
-            </a:lvl4pPr>
-            <a:lvl5pPr marL="2057400" indent="-228600" eaLnBrk="0" hangingPunct="0">
-              <a:defRPr>
-                <a:solidFill>
-                  <a:schemeClr val="tx1"/>
-                </a:solidFill>
-                <a:latin typeface="Arial" panose="020B0604020202090204" pitchFamily="34" charset="0"/>
-                <a:ea typeface="ヒラギノ角ゴ Pro W3" panose="020B0300000000000000" charset="-128"/>
-              </a:defRPr>
-            </a:lvl5pPr>
-            <a:lvl6pPr marL="2514600" indent="-228600" eaLnBrk="0" fontAlgn="base" hangingPunct="0">
-              <a:spcBef>
-                <a:spcPct val="0"/>
-              </a:spcBef>
-              <a:spcAft>
-                <a:spcPct val="0"/>
-              </a:spcAft>
-              <a:defRPr>
-                <a:solidFill>
-                  <a:schemeClr val="tx1"/>
-                </a:solidFill>
-                <a:latin typeface="Arial" panose="020B0604020202090204" pitchFamily="34" charset="0"/>
-                <a:ea typeface="ヒラギノ角ゴ Pro W3" panose="020B0300000000000000" charset="-128"/>
-              </a:defRPr>
-            </a:lvl6pPr>
-            <a:lvl7pPr marL="2971800" indent="-228600" eaLnBrk="0" fontAlgn="base" hangingPunct="0">
-              <a:spcBef>
-                <a:spcPct val="0"/>
-              </a:spcBef>
-              <a:spcAft>
-                <a:spcPct val="0"/>
-              </a:spcAft>
-              <a:defRPr>
-                <a:solidFill>
-                  <a:schemeClr val="tx1"/>
-                </a:solidFill>
-                <a:latin typeface="Arial" panose="020B0604020202090204" pitchFamily="34" charset="0"/>
-                <a:ea typeface="ヒラギノ角ゴ Pro W3" panose="020B0300000000000000" charset="-128"/>
-              </a:defRPr>
-            </a:lvl7pPr>
-            <a:lvl8pPr marL="3429000" indent="-228600" eaLnBrk="0" fontAlgn="base" hangingPunct="0">
-              <a:spcBef>
-                <a:spcPct val="0"/>
-              </a:spcBef>
-              <a:spcAft>
-                <a:spcPct val="0"/>
-              </a:spcAft>
-              <a:defRPr>
-                <a:solidFill>
-                  <a:schemeClr val="tx1"/>
-                </a:solidFill>
-                <a:latin typeface="Arial" panose="020B0604020202090204" pitchFamily="34" charset="0"/>
-                <a:ea typeface="ヒラギノ角ゴ Pro W3" panose="020B0300000000000000" charset="-128"/>
-              </a:defRPr>
-            </a:lvl8pPr>
-            <a:lvl9pPr marL="3886200" indent="-228600" eaLnBrk="0" fontAlgn="base" hangingPunct="0">
-              <a:spcBef>
-                <a:spcPct val="0"/>
-              </a:spcBef>
-              <a:spcAft>
-                <a:spcPct val="0"/>
-              </a:spcAft>
-              <a:defRPr>
-                <a:solidFill>
-                  <a:schemeClr val="tx1"/>
-                </a:solidFill>
-                <a:latin typeface="Arial" panose="020B0604020202090204" pitchFamily="34" charset="0"/>
-                <a:ea typeface="ヒラギノ角ゴ Pro W3" panose="020B0300000000000000" charset="-128"/>
-              </a:defRPr>
-            </a:lvl9pPr>
-          </a:lstStyle>
-          <a:p>
-            <a:pPr eaLnBrk="1" hangingPunct="1"/>
-            <a:r>
-              <a:rPr lang="en-AU" sz="800" dirty="0">
-                <a:solidFill>
-                  <a:schemeClr val="tx1">
-                    <a:lumMod val="50000"/>
-                    <a:lumOff val="50000"/>
-                  </a:schemeClr>
-                </a:solidFill>
-                <a:latin typeface="Inter" panose="020B0502030000000004" pitchFamily="34" charset="0"/>
-                <a:ea typeface="Inter" panose="020B0502030000000004" pitchFamily="34" charset="0"/>
-                <a:cs typeface="Inter" panose="020B0502030000000004" pitchFamily="34" charset="0"/>
-              </a:rPr>
-              <a:t>Kaggle Winner Presentation Template</a:t>
-            </a:r>
-            <a:endParaRPr lang="en-US" sz="800" dirty="0">
-              <a:solidFill>
-                <a:schemeClr val="tx1">
-                  <a:lumMod val="50000"/>
-                  <a:lumOff val="50000"/>
-                </a:schemeClr>
-              </a:solidFill>
-              <a:latin typeface="Inter" panose="020B0502030000000004" pitchFamily="34" charset="0"/>
-              <a:ea typeface="Inter" panose="020B0502030000000004" pitchFamily="34" charset="0"/>
-              <a:cs typeface="Inter" panose="020B0502030000000004" pitchFamily="34" charset="0"/>
-            </a:endParaRPr>
-          </a:p>
-        </p:txBody>
-      </p:sp>
-      <p:sp>
-        <p:nvSpPr>
           <p:cNvPr id="2" name="Slide Number Placeholder 1"/>
           <p:cNvSpPr>
             <a:spLocks noGrp="1"/>
@@ -11352,14 +11915,14 @@
       </p:sp>
       <p:sp>
         <p:nvSpPr>
-          <p:cNvPr id="12" name="Rectangle 11"/>
+          <p:cNvPr id="17" name="Rectangle 16"/>
           <p:cNvSpPr/>
           <p:nvPr/>
         </p:nvSpPr>
         <p:spPr>
           <a:xfrm>
             <a:off x="274983" y="183874"/>
-            <a:ext cx="1812235" cy="523220"/>
+            <a:ext cx="5135217" cy="521970"/>
           </a:xfrm>
           <a:prstGeom prst="rect">
             <a:avLst/>
@@ -11377,7 +11940,7 @@
                 <a:ea typeface="Inter Semi" panose="020B0502030000000004" pitchFamily="34" charset="0"/>
                 <a:cs typeface="Inter Semi" panose="020B0502030000000004" pitchFamily="34" charset="0"/>
               </a:rPr>
-              <a:t>Training Methods</a:t>
+              <a:t>Ensemble</a:t>
             </a:r>
             <a:endParaRPr lang="en-US" sz="1200" b="1" dirty="0">
               <a:latin typeface="Inter Semi" panose="020B0502030000000004" pitchFamily="34" charset="0"/>
@@ -11386,13 +11949,17 @@
             </a:endParaRPr>
           </a:p>
           <a:p>
-            <a:endParaRPr lang="en-US" sz="1600" dirty="0"/>
+            <a:endParaRPr lang="en-US" sz="1600" b="1" dirty="0">
+              <a:latin typeface="Inter" panose="020B0502030000000004" pitchFamily="34" charset="0"/>
+              <a:ea typeface="Inter" panose="020B0502030000000004" pitchFamily="34" charset="0"/>
+              <a:cs typeface="Inter" panose="020B0502030000000004" pitchFamily="34" charset="0"/>
+            </a:endParaRPr>
           </a:p>
         </p:txBody>
       </p:sp>
       <p:cxnSp>
         <p:nvCxnSpPr>
-          <p:cNvPr id="13" name="Straight Connector 12"/>
+          <p:cNvPr id="18" name="Straight Connector 17"/>
           <p:cNvCxnSpPr/>
           <p:nvPr/>
         </p:nvCxnSpPr>
@@ -11426,46 +11993,34 @@
           </a:fontRef>
         </p:style>
       </p:cxnSp>
-      <p:sp>
-        <p:nvSpPr>
-          <p:cNvPr id="4" name="Rectangle 16"/>
-          <p:cNvSpPr/>
+      <p:pic>
+        <p:nvPicPr>
+          <p:cNvPr id="3" name="图片 2"/>
+          <p:cNvPicPr>
+            <a:picLocks noChangeAspect="1"/>
+          </p:cNvPicPr>
           <p:nvPr>
             <p:custDataLst>
               <p:tags r:id="rId1"/>
             </p:custDataLst>
           </p:nvPr>
-        </p:nvSpPr>
+        </p:nvPicPr>
+        <p:blipFill>
+          <a:blip r:embed="rId2"/>
+          <a:stretch>
+            <a:fillRect/>
+          </a:stretch>
+        </p:blipFill>
         <p:spPr>
           <a:xfrm>
-            <a:off x="274983" y="707114"/>
-            <a:ext cx="5135217" cy="337185"/>
+            <a:off x="1371600" y="875665"/>
+            <a:ext cx="5268595" cy="4193540"/>
           </a:xfrm>
           <a:prstGeom prst="rect">
             <a:avLst/>
           </a:prstGeom>
         </p:spPr>
-        <p:txBody>
-          <a:bodyPr wrap="square">
-            <a:spAutoFit/>
-          </a:bodyPr>
-          <a:p>
-            <a:r>
-              <a:rPr lang="en-US" sz="1600" b="1" dirty="0">
-                <a:latin typeface="Inter" panose="020B0502030000000004" pitchFamily="34" charset="0"/>
-                <a:ea typeface="Inter" panose="020B0502030000000004" pitchFamily="34" charset="0"/>
-                <a:cs typeface="Inter" panose="020B0502030000000004" pitchFamily="34" charset="0"/>
-              </a:rPr>
-              <a:t>trainning</a:t>
-            </a:r>
-            <a:endParaRPr lang="en-US" sz="1600" b="1" dirty="0">
-              <a:latin typeface="Inter" panose="020B0502030000000004" pitchFamily="34" charset="0"/>
-              <a:ea typeface="Inter" panose="020B0502030000000004" pitchFamily="34" charset="0"/>
-              <a:cs typeface="Inter" panose="020B0502030000000004" pitchFamily="34" charset="0"/>
-            </a:endParaRPr>
-          </a:p>
-        </p:txBody>
-      </p:sp>
+      </p:pic>
     </p:spTree>
   </p:cSld>
   <p:clrMapOvr>
@@ -11501,404 +12056,6 @@
       </p:grpSpPr>
       <p:sp>
         <p:nvSpPr>
-          <p:cNvPr id="6" name="TextBox 3"/>
-          <p:cNvSpPr txBox="1">
-            <a:spLocks noChangeArrowheads="1"/>
-          </p:cNvSpPr>
-          <p:nvPr/>
-        </p:nvSpPr>
-        <p:spPr bwMode="auto">
-          <a:xfrm>
-            <a:off x="914400" y="1123950"/>
-            <a:ext cx="7591425" cy="1565910"/>
-          </a:xfrm>
-          <a:prstGeom prst="rect">
-            <a:avLst/>
-          </a:prstGeom>
-          <a:noFill/>
-          <a:ln>
-            <a:noFill/>
-          </a:ln>
-        </p:spPr>
-        <p:txBody>
-          <a:bodyPr wrap="square">
-            <a:spAutoFit/>
-          </a:bodyPr>
-          <a:lstStyle>
-            <a:lvl1pPr eaLnBrk="0" hangingPunct="0">
-              <a:defRPr>
-                <a:solidFill>
-                  <a:schemeClr val="tx1"/>
-                </a:solidFill>
-                <a:latin typeface="Arial" panose="020B0604020202090204" pitchFamily="34" charset="0"/>
-                <a:ea typeface="ヒラギノ角ゴ Pro W3" panose="020B0300000000000000" charset="-128"/>
-              </a:defRPr>
-            </a:lvl1pPr>
-            <a:lvl2pPr marL="742950" indent="-285750" eaLnBrk="0" hangingPunct="0">
-              <a:defRPr>
-                <a:solidFill>
-                  <a:schemeClr val="tx1"/>
-                </a:solidFill>
-                <a:latin typeface="Arial" panose="020B0604020202090204" pitchFamily="34" charset="0"/>
-                <a:ea typeface="ヒラギノ角ゴ Pro W3" panose="020B0300000000000000" charset="-128"/>
-              </a:defRPr>
-            </a:lvl2pPr>
-            <a:lvl3pPr marL="1143000" indent="-228600" eaLnBrk="0" hangingPunct="0">
-              <a:defRPr>
-                <a:solidFill>
-                  <a:schemeClr val="tx1"/>
-                </a:solidFill>
-                <a:latin typeface="Arial" panose="020B0604020202090204" pitchFamily="34" charset="0"/>
-                <a:ea typeface="ヒラギノ角ゴ Pro W3" panose="020B0300000000000000" charset="-128"/>
-              </a:defRPr>
-            </a:lvl3pPr>
-            <a:lvl4pPr marL="1600200" indent="-228600" eaLnBrk="0" hangingPunct="0">
-              <a:defRPr>
-                <a:solidFill>
-                  <a:schemeClr val="tx1"/>
-                </a:solidFill>
-                <a:latin typeface="Arial" panose="020B0604020202090204" pitchFamily="34" charset="0"/>
-                <a:ea typeface="ヒラギノ角ゴ Pro W3" panose="020B0300000000000000" charset="-128"/>
-              </a:defRPr>
-            </a:lvl4pPr>
-            <a:lvl5pPr marL="2057400" indent="-228600" eaLnBrk="0" hangingPunct="0">
-              <a:defRPr>
-                <a:solidFill>
-                  <a:schemeClr val="tx1"/>
-                </a:solidFill>
-                <a:latin typeface="Arial" panose="020B0604020202090204" pitchFamily="34" charset="0"/>
-                <a:ea typeface="ヒラギノ角ゴ Pro W3" panose="020B0300000000000000" charset="-128"/>
-              </a:defRPr>
-            </a:lvl5pPr>
-            <a:lvl6pPr marL="2514600" indent="-228600" eaLnBrk="0" fontAlgn="base" hangingPunct="0">
-              <a:spcBef>
-                <a:spcPct val="0"/>
-              </a:spcBef>
-              <a:spcAft>
-                <a:spcPct val="0"/>
-              </a:spcAft>
-              <a:defRPr>
-                <a:solidFill>
-                  <a:schemeClr val="tx1"/>
-                </a:solidFill>
-                <a:latin typeface="Arial" panose="020B0604020202090204" pitchFamily="34" charset="0"/>
-                <a:ea typeface="ヒラギノ角ゴ Pro W3" panose="020B0300000000000000" charset="-128"/>
-              </a:defRPr>
-            </a:lvl6pPr>
-            <a:lvl7pPr marL="2971800" indent="-228600" eaLnBrk="0" fontAlgn="base" hangingPunct="0">
-              <a:spcBef>
-                <a:spcPct val="0"/>
-              </a:spcBef>
-              <a:spcAft>
-                <a:spcPct val="0"/>
-              </a:spcAft>
-              <a:defRPr>
-                <a:solidFill>
-                  <a:schemeClr val="tx1"/>
-                </a:solidFill>
-                <a:latin typeface="Arial" panose="020B0604020202090204" pitchFamily="34" charset="0"/>
-                <a:ea typeface="ヒラギノ角ゴ Pro W3" panose="020B0300000000000000" charset="-128"/>
-              </a:defRPr>
-            </a:lvl7pPr>
-            <a:lvl8pPr marL="3429000" indent="-228600" eaLnBrk="0" fontAlgn="base" hangingPunct="0">
-              <a:spcBef>
-                <a:spcPct val="0"/>
-              </a:spcBef>
-              <a:spcAft>
-                <a:spcPct val="0"/>
-              </a:spcAft>
-              <a:defRPr>
-                <a:solidFill>
-                  <a:schemeClr val="tx1"/>
-                </a:solidFill>
-                <a:latin typeface="Arial" panose="020B0604020202090204" pitchFamily="34" charset="0"/>
-                <a:ea typeface="ヒラギノ角ゴ Pro W3" panose="020B0300000000000000" charset="-128"/>
-              </a:defRPr>
-            </a:lvl8pPr>
-            <a:lvl9pPr marL="3886200" indent="-228600" eaLnBrk="0" fontAlgn="base" hangingPunct="0">
-              <a:spcBef>
-                <a:spcPct val="0"/>
-              </a:spcBef>
-              <a:spcAft>
-                <a:spcPct val="0"/>
-              </a:spcAft>
-              <a:defRPr>
-                <a:solidFill>
-                  <a:schemeClr val="tx1"/>
-                </a:solidFill>
-                <a:latin typeface="Arial" panose="020B0604020202090204" pitchFamily="34" charset="0"/>
-                <a:ea typeface="ヒラギノ角ゴ Pro W3" panose="020B0300000000000000" charset="-128"/>
-              </a:defRPr>
-            </a:lvl9pPr>
-          </a:lstStyle>
-          <a:p>
-            <a:pPr marL="285750" indent="-285750" eaLnBrk="1" hangingPunct="1">
-              <a:lnSpc>
-                <a:spcPct val="120000"/>
-              </a:lnSpc>
-              <a:buFont typeface="Arial" panose="020B0604020202090204" pitchFamily="34" charset="0"/>
-              <a:buChar char="•"/>
-            </a:pPr>
-            <a:r>
-              <a:rPr lang="en-US" sz="1600" dirty="0">
-                <a:latin typeface="Inter" panose="020B0502030000000004" pitchFamily="34" charset="0"/>
-                <a:ea typeface="Inter" panose="020B0502030000000004" pitchFamily="34" charset="0"/>
-                <a:cs typeface="Inter" panose="020B0502030000000004" pitchFamily="34" charset="0"/>
-              </a:rPr>
-              <a:t>other type of lead</a:t>
-            </a:r>
-            <a:endParaRPr lang="en-US" sz="1600" dirty="0">
-              <a:latin typeface="Inter" panose="020B0502030000000004" pitchFamily="34" charset="0"/>
-              <a:ea typeface="Inter" panose="020B0502030000000004" pitchFamily="34" charset="0"/>
-              <a:cs typeface="Inter" panose="020B0502030000000004" pitchFamily="34" charset="0"/>
-            </a:endParaRPr>
-          </a:p>
-          <a:p>
-            <a:pPr marL="285750" indent="-285750" eaLnBrk="1" hangingPunct="1">
-              <a:lnSpc>
-                <a:spcPct val="120000"/>
-              </a:lnSpc>
-              <a:buFont typeface="Arial" panose="020B0604020202090204" pitchFamily="34" charset="0"/>
-              <a:buChar char="•"/>
-            </a:pPr>
-            <a:r>
-              <a:rPr lang="en-US" sz="1600" dirty="0">
-                <a:latin typeface="Inter" panose="020B0502030000000004" pitchFamily="34" charset="0"/>
-                <a:ea typeface="Inter" panose="020B0502030000000004" pitchFamily="34" charset="0"/>
-                <a:cs typeface="Inter" panose="020B0502030000000004" pitchFamily="34" charset="0"/>
-              </a:rPr>
-              <a:t>raw signal without any process</a:t>
-            </a:r>
-            <a:endParaRPr lang="en-US" sz="1600" dirty="0">
-              <a:latin typeface="Inter" panose="020B0502030000000004" pitchFamily="34" charset="0"/>
-              <a:ea typeface="Inter" panose="020B0502030000000004" pitchFamily="34" charset="0"/>
-              <a:cs typeface="Inter" panose="020B0502030000000004" pitchFamily="34" charset="0"/>
-            </a:endParaRPr>
-          </a:p>
-          <a:p>
-            <a:pPr marL="285750" indent="-285750" eaLnBrk="1" hangingPunct="1">
-              <a:lnSpc>
-                <a:spcPct val="120000"/>
-              </a:lnSpc>
-              <a:buFont typeface="Arial" panose="020B0604020202090204" pitchFamily="34" charset="0"/>
-              <a:buChar char="•"/>
-            </a:pPr>
-            <a:r>
-              <a:rPr lang="en-US" sz="1600" dirty="0">
-                <a:latin typeface="Inter" panose="020B0502030000000004" pitchFamily="34" charset="0"/>
-                <a:ea typeface="Inter" panose="020B0502030000000004" pitchFamily="34" charset="0"/>
-                <a:cs typeface="Inter" panose="020B0502030000000004" pitchFamily="34" charset="0"/>
-              </a:rPr>
-              <a:t>different filter, for example, 0-70hz, 0.5-40hz</a:t>
-            </a:r>
-            <a:endParaRPr lang="en-US" sz="1600" dirty="0">
-              <a:latin typeface="Inter" panose="020B0502030000000004" pitchFamily="34" charset="0"/>
-              <a:ea typeface="Inter" panose="020B0502030000000004" pitchFamily="34" charset="0"/>
-              <a:cs typeface="Inter" panose="020B0502030000000004" pitchFamily="34" charset="0"/>
-            </a:endParaRPr>
-          </a:p>
-          <a:p>
-            <a:pPr marL="285750" indent="-285750" eaLnBrk="1" hangingPunct="1">
-              <a:lnSpc>
-                <a:spcPct val="120000"/>
-              </a:lnSpc>
-              <a:buFont typeface="Arial" panose="020B0604020202090204" pitchFamily="34" charset="0"/>
-              <a:buChar char="•"/>
-            </a:pPr>
-            <a:r>
-              <a:rPr lang="en-US" sz="1600" dirty="0">
-                <a:latin typeface="Inter" panose="020B0502030000000004" pitchFamily="34" charset="0"/>
-                <a:ea typeface="Inter" panose="020B0502030000000004" pitchFamily="34" charset="0"/>
-                <a:cs typeface="Inter" panose="020B0502030000000004" pitchFamily="34" charset="0"/>
-              </a:rPr>
-              <a:t>use gradient as feature   t-t0, t-t1</a:t>
-            </a:r>
-            <a:endParaRPr lang="en-US" sz="1600" dirty="0">
-              <a:latin typeface="Inter" panose="020B0502030000000004" pitchFamily="34" charset="0"/>
-              <a:ea typeface="Inter" panose="020B0502030000000004" pitchFamily="34" charset="0"/>
-              <a:cs typeface="Inter" panose="020B0502030000000004" pitchFamily="34" charset="0"/>
-            </a:endParaRPr>
-          </a:p>
-          <a:p>
-            <a:pPr marL="285750" indent="-285750" eaLnBrk="1" hangingPunct="1">
-              <a:lnSpc>
-                <a:spcPct val="120000"/>
-              </a:lnSpc>
-              <a:buFont typeface="Arial" panose="020B0604020202090204" pitchFamily="34" charset="0"/>
-              <a:buChar char="•"/>
-            </a:pPr>
-            <a:endParaRPr lang="en-US" sz="1600" dirty="0">
-              <a:latin typeface="Inter" panose="020B0502030000000004" pitchFamily="34" charset="0"/>
-              <a:ea typeface="Inter" panose="020B0502030000000004" pitchFamily="34" charset="0"/>
-              <a:cs typeface="Inter" panose="020B0502030000000004" pitchFamily="34" charset="0"/>
-            </a:endParaRPr>
-          </a:p>
-        </p:txBody>
-      </p:sp>
-      <p:sp>
-        <p:nvSpPr>
-          <p:cNvPr id="5" name="TextBox 3"/>
-          <p:cNvSpPr txBox="1">
-            <a:spLocks noChangeArrowheads="1"/>
-          </p:cNvSpPr>
-          <p:nvPr/>
-        </p:nvSpPr>
-        <p:spPr bwMode="auto">
-          <a:xfrm>
-            <a:off x="3733800" y="4794706"/>
-            <a:ext cx="2082019" cy="215444"/>
-          </a:xfrm>
-          <a:prstGeom prst="rect">
-            <a:avLst/>
-          </a:prstGeom>
-          <a:noFill/>
-          <a:ln>
-            <a:noFill/>
-          </a:ln>
-        </p:spPr>
-        <p:txBody>
-          <a:bodyPr wrap="square">
-            <a:spAutoFit/>
-          </a:bodyPr>
-          <a:lstStyle>
-            <a:lvl1pPr eaLnBrk="0" hangingPunct="0">
-              <a:defRPr>
-                <a:solidFill>
-                  <a:schemeClr val="tx1"/>
-                </a:solidFill>
-                <a:latin typeface="Arial" panose="020B0604020202090204" pitchFamily="34" charset="0"/>
-                <a:ea typeface="ヒラギノ角ゴ Pro W3" panose="020B0300000000000000" charset="-128"/>
-              </a:defRPr>
-            </a:lvl1pPr>
-            <a:lvl2pPr marL="742950" indent="-285750" eaLnBrk="0" hangingPunct="0">
-              <a:defRPr>
-                <a:solidFill>
-                  <a:schemeClr val="tx1"/>
-                </a:solidFill>
-                <a:latin typeface="Arial" panose="020B0604020202090204" pitchFamily="34" charset="0"/>
-                <a:ea typeface="ヒラギノ角ゴ Pro W3" panose="020B0300000000000000" charset="-128"/>
-              </a:defRPr>
-            </a:lvl2pPr>
-            <a:lvl3pPr marL="1143000" indent="-228600" eaLnBrk="0" hangingPunct="0">
-              <a:defRPr>
-                <a:solidFill>
-                  <a:schemeClr val="tx1"/>
-                </a:solidFill>
-                <a:latin typeface="Arial" panose="020B0604020202090204" pitchFamily="34" charset="0"/>
-                <a:ea typeface="ヒラギノ角ゴ Pro W3" panose="020B0300000000000000" charset="-128"/>
-              </a:defRPr>
-            </a:lvl3pPr>
-            <a:lvl4pPr marL="1600200" indent="-228600" eaLnBrk="0" hangingPunct="0">
-              <a:defRPr>
-                <a:solidFill>
-                  <a:schemeClr val="tx1"/>
-                </a:solidFill>
-                <a:latin typeface="Arial" panose="020B0604020202090204" pitchFamily="34" charset="0"/>
-                <a:ea typeface="ヒラギノ角ゴ Pro W3" panose="020B0300000000000000" charset="-128"/>
-              </a:defRPr>
-            </a:lvl4pPr>
-            <a:lvl5pPr marL="2057400" indent="-228600" eaLnBrk="0" hangingPunct="0">
-              <a:defRPr>
-                <a:solidFill>
-                  <a:schemeClr val="tx1"/>
-                </a:solidFill>
-                <a:latin typeface="Arial" panose="020B0604020202090204" pitchFamily="34" charset="0"/>
-                <a:ea typeface="ヒラギノ角ゴ Pro W3" panose="020B0300000000000000" charset="-128"/>
-              </a:defRPr>
-            </a:lvl5pPr>
-            <a:lvl6pPr marL="2514600" indent="-228600" eaLnBrk="0" fontAlgn="base" hangingPunct="0">
-              <a:spcBef>
-                <a:spcPct val="0"/>
-              </a:spcBef>
-              <a:spcAft>
-                <a:spcPct val="0"/>
-              </a:spcAft>
-              <a:defRPr>
-                <a:solidFill>
-                  <a:schemeClr val="tx1"/>
-                </a:solidFill>
-                <a:latin typeface="Arial" panose="020B0604020202090204" pitchFamily="34" charset="0"/>
-                <a:ea typeface="ヒラギノ角ゴ Pro W3" panose="020B0300000000000000" charset="-128"/>
-              </a:defRPr>
-            </a:lvl6pPr>
-            <a:lvl7pPr marL="2971800" indent="-228600" eaLnBrk="0" fontAlgn="base" hangingPunct="0">
-              <a:spcBef>
-                <a:spcPct val="0"/>
-              </a:spcBef>
-              <a:spcAft>
-                <a:spcPct val="0"/>
-              </a:spcAft>
-              <a:defRPr>
-                <a:solidFill>
-                  <a:schemeClr val="tx1"/>
-                </a:solidFill>
-                <a:latin typeface="Arial" panose="020B0604020202090204" pitchFamily="34" charset="0"/>
-                <a:ea typeface="ヒラギノ角ゴ Pro W3" panose="020B0300000000000000" charset="-128"/>
-              </a:defRPr>
-            </a:lvl7pPr>
-            <a:lvl8pPr marL="3429000" indent="-228600" eaLnBrk="0" fontAlgn="base" hangingPunct="0">
-              <a:spcBef>
-                <a:spcPct val="0"/>
-              </a:spcBef>
-              <a:spcAft>
-                <a:spcPct val="0"/>
-              </a:spcAft>
-              <a:defRPr>
-                <a:solidFill>
-                  <a:schemeClr val="tx1"/>
-                </a:solidFill>
-                <a:latin typeface="Arial" panose="020B0604020202090204" pitchFamily="34" charset="0"/>
-                <a:ea typeface="ヒラギノ角ゴ Pro W3" panose="020B0300000000000000" charset="-128"/>
-              </a:defRPr>
-            </a:lvl8pPr>
-            <a:lvl9pPr marL="3886200" indent="-228600" eaLnBrk="0" fontAlgn="base" hangingPunct="0">
-              <a:spcBef>
-                <a:spcPct val="0"/>
-              </a:spcBef>
-              <a:spcAft>
-                <a:spcPct val="0"/>
-              </a:spcAft>
-              <a:defRPr>
-                <a:solidFill>
-                  <a:schemeClr val="tx1"/>
-                </a:solidFill>
-                <a:latin typeface="Arial" panose="020B0604020202090204" pitchFamily="34" charset="0"/>
-                <a:ea typeface="ヒラギノ角ゴ Pro W3" panose="020B0300000000000000" charset="-128"/>
-              </a:defRPr>
-            </a:lvl9pPr>
-          </a:lstStyle>
-          <a:p>
-            <a:pPr eaLnBrk="1" hangingPunct="1"/>
-            <a:r>
-              <a:rPr lang="en-AU" sz="800" dirty="0">
-                <a:solidFill>
-                  <a:schemeClr val="tx1">
-                    <a:lumMod val="50000"/>
-                    <a:lumOff val="50000"/>
-                  </a:schemeClr>
-                </a:solidFill>
-                <a:latin typeface="Inter" panose="020B0502030000000004" pitchFamily="34" charset="0"/>
-                <a:ea typeface="Inter" panose="020B0502030000000004" pitchFamily="34" charset="0"/>
-                <a:cs typeface="Inter" panose="020B0502030000000004" pitchFamily="34" charset="0"/>
-              </a:rPr>
-              <a:t>Kaggle Winner Presentation Template</a:t>
-            </a:r>
-            <a:endParaRPr lang="en-US" sz="800" dirty="0">
-              <a:solidFill>
-                <a:schemeClr val="tx1">
-                  <a:lumMod val="50000"/>
-                  <a:lumOff val="50000"/>
-                </a:schemeClr>
-              </a:solidFill>
-              <a:latin typeface="Inter" panose="020B0502030000000004" pitchFamily="34" charset="0"/>
-              <a:ea typeface="Inter" panose="020B0502030000000004" pitchFamily="34" charset="0"/>
-              <a:cs typeface="Inter" panose="020B0502030000000004" pitchFamily="34" charset="0"/>
-            </a:endParaRPr>
-          </a:p>
-        </p:txBody>
-      </p:sp>
-      <p:sp>
-        <p:nvSpPr>
           <p:cNvPr id="2" name="Slide Number Placeholder 1"/>
           <p:cNvSpPr>
             <a:spLocks noGrp="1"/>
@@ -11921,62 +12078,25 @@
       </p:sp>
       <p:sp>
         <p:nvSpPr>
-          <p:cNvPr id="12" name="Rectangle 11"/>
+          <p:cNvPr id="10" name="Rectangle 9"/>
           <p:cNvSpPr/>
           <p:nvPr/>
         </p:nvSpPr>
         <p:spPr>
-          <a:xfrm>
-            <a:off x="274983" y="183874"/>
-            <a:ext cx="1812235" cy="523220"/>
+          <a:xfrm rot="5400000" flipH="1">
+            <a:off x="2173747" y="-2493504"/>
+            <a:ext cx="4657358" cy="9587949"/>
           </a:xfrm>
           <a:prstGeom prst="rect">
             <a:avLst/>
           </a:prstGeom>
-        </p:spPr>
-        <p:txBody>
-          <a:bodyPr wrap="square">
-            <a:spAutoFit/>
-          </a:bodyPr>
-          <a:lstStyle/>
-          <a:p>
-            <a:r>
-              <a:rPr lang="en-US" sz="1200" b="1" dirty="0">
-                <a:latin typeface="Inter Semi" panose="020B0502030000000004" pitchFamily="34" charset="0"/>
-                <a:ea typeface="Inter Semi" panose="020B0502030000000004" pitchFamily="34" charset="0"/>
-                <a:cs typeface="Inter Semi" panose="020B0502030000000004" pitchFamily="34" charset="0"/>
-              </a:rPr>
-              <a:t>Training Methods</a:t>
-            </a:r>
-            <a:endParaRPr lang="en-US" sz="1200" b="1" dirty="0">
-              <a:latin typeface="Inter Semi" panose="020B0502030000000004" pitchFamily="34" charset="0"/>
-              <a:ea typeface="Inter Semi" panose="020B0502030000000004" pitchFamily="34" charset="0"/>
-              <a:cs typeface="Inter Semi" panose="020B0502030000000004" pitchFamily="34" charset="0"/>
-            </a:endParaRPr>
-          </a:p>
-          <a:p>
-            <a:endParaRPr lang="en-US" sz="1600" dirty="0"/>
-          </a:p>
-        </p:txBody>
-      </p:sp>
-      <p:cxnSp>
-        <p:nvCxnSpPr>
-          <p:cNvPr id="13" name="Straight Connector 12"/>
-          <p:cNvCxnSpPr/>
-          <p:nvPr/>
-        </p:nvCxnSpPr>
-        <p:spPr>
-          <a:xfrm>
-            <a:off x="304800" y="590550"/>
-            <a:ext cx="8597015" cy="0"/>
-          </a:xfrm>
-          <a:prstGeom prst="line">
-            <a:avLst/>
-          </a:prstGeom>
-          <a:ln>
-            <a:solidFill>
-              <a:srgbClr val="FAE041"/>
-            </a:solidFill>
+          <a:solidFill>
+            <a:srgbClr val="3CBEEC">
+              <a:alpha val="7843"/>
+            </a:srgbClr>
+          </a:solidFill>
+          <a:ln w="12700" cmpd="sng">
+            <a:noFill/>
           </a:ln>
           <a:effectLst/>
         </p:spPr>
@@ -11994,43 +12114,167 @@
             <a:schemeClr val="tx1"/>
           </a:fontRef>
         </p:style>
-      </p:cxnSp>
-      <p:sp>
-        <p:nvSpPr>
-          <p:cNvPr id="4" name="Rectangle 16"/>
-          <p:cNvSpPr/>
-          <p:nvPr>
-            <p:custDataLst>
-              <p:tags r:id="rId1"/>
-            </p:custDataLst>
-          </p:nvPr>
-        </p:nvSpPr>
-        <p:spPr>
+        <p:txBody>
+          <a:bodyPr rtlCol="0" anchor="ctr"/>
+          <a:lstStyle/>
+          <a:p>
+            <a:pPr algn="ctr"/>
+            <a:endParaRPr lang="en-US" dirty="0">
+              <a:solidFill>
+                <a:srgbClr val="FAE041"/>
+              </a:solidFill>
+              <a:latin typeface="Open Sans"/>
+              <a:cs typeface="Open Sans"/>
+            </a:endParaRPr>
+          </a:p>
+        </p:txBody>
+      </p:sp>
+      <p:sp>
+        <p:nvSpPr>
+          <p:cNvPr id="6" name="TextBox 3"/>
+          <p:cNvSpPr txBox="1">
+            <a:spLocks noChangeArrowheads="1"/>
+          </p:cNvSpPr>
+          <p:nvPr/>
+        </p:nvSpPr>
+        <p:spPr bwMode="auto">
           <a:xfrm>
-            <a:off x="274983" y="707114"/>
-            <a:ext cx="5135217" cy="337185"/>
+            <a:off x="2541799" y="1484862"/>
+            <a:ext cx="3921254" cy="1631216"/>
           </a:xfrm>
           <a:prstGeom prst="rect">
             <a:avLst/>
           </a:prstGeom>
+          <a:noFill/>
+          <a:ln>
+            <a:noFill/>
+          </a:ln>
         </p:spPr>
         <p:txBody>
           <a:bodyPr wrap="square">
             <a:spAutoFit/>
           </a:bodyPr>
-          <a:p>
-            <a:r>
-              <a:rPr lang="en-US" sz="1600" b="1" dirty="0">
-                <a:latin typeface="Inter" panose="020B0502030000000004" pitchFamily="34" charset="0"/>
-                <a:ea typeface="Inter" panose="020B0502030000000004" pitchFamily="34" charset="0"/>
-                <a:cs typeface="Inter" panose="020B0502030000000004" pitchFamily="34" charset="0"/>
+          <a:lstStyle>
+            <a:lvl1pPr eaLnBrk="0" hangingPunct="0">
+              <a:defRPr>
+                <a:solidFill>
+                  <a:schemeClr val="tx1"/>
+                </a:solidFill>
+                <a:latin typeface="Arial" panose="020B0604020202090204" pitchFamily="34" charset="0"/>
+                <a:ea typeface="ヒラギノ角ゴ Pro W3" panose="020B0300000000000000" charset="-128"/>
+              </a:defRPr>
+            </a:lvl1pPr>
+            <a:lvl2pPr marL="742950" indent="-285750" eaLnBrk="0" hangingPunct="0">
+              <a:defRPr>
+                <a:solidFill>
+                  <a:schemeClr val="tx1"/>
+                </a:solidFill>
+                <a:latin typeface="Arial" panose="020B0604020202090204" pitchFamily="34" charset="0"/>
+                <a:ea typeface="ヒラギノ角ゴ Pro W3" panose="020B0300000000000000" charset="-128"/>
+              </a:defRPr>
+            </a:lvl2pPr>
+            <a:lvl3pPr marL="1143000" indent="-228600" eaLnBrk="0" hangingPunct="0">
+              <a:defRPr>
+                <a:solidFill>
+                  <a:schemeClr val="tx1"/>
+                </a:solidFill>
+                <a:latin typeface="Arial" panose="020B0604020202090204" pitchFamily="34" charset="0"/>
+                <a:ea typeface="ヒラギノ角ゴ Pro W3" panose="020B0300000000000000" charset="-128"/>
+              </a:defRPr>
+            </a:lvl3pPr>
+            <a:lvl4pPr marL="1600200" indent="-228600" eaLnBrk="0" hangingPunct="0">
+              <a:defRPr>
+                <a:solidFill>
+                  <a:schemeClr val="tx1"/>
+                </a:solidFill>
+                <a:latin typeface="Arial" panose="020B0604020202090204" pitchFamily="34" charset="0"/>
+                <a:ea typeface="ヒラギノ角ゴ Pro W3" panose="020B0300000000000000" charset="-128"/>
+              </a:defRPr>
+            </a:lvl4pPr>
+            <a:lvl5pPr marL="2057400" indent="-228600" eaLnBrk="0" hangingPunct="0">
+              <a:defRPr>
+                <a:solidFill>
+                  <a:schemeClr val="tx1"/>
+                </a:solidFill>
+                <a:latin typeface="Arial" panose="020B0604020202090204" pitchFamily="34" charset="0"/>
+                <a:ea typeface="ヒラギノ角ゴ Pro W3" panose="020B0300000000000000" charset="-128"/>
+              </a:defRPr>
+            </a:lvl5pPr>
+            <a:lvl6pPr marL="2514600" indent="-228600" eaLnBrk="0" fontAlgn="base" hangingPunct="0">
+              <a:spcBef>
+                <a:spcPct val="0"/>
+              </a:spcBef>
+              <a:spcAft>
+                <a:spcPct val="0"/>
+              </a:spcAft>
+              <a:defRPr>
+                <a:solidFill>
+                  <a:schemeClr val="tx1"/>
+                </a:solidFill>
+                <a:latin typeface="Arial" panose="020B0604020202090204" pitchFamily="34" charset="0"/>
+                <a:ea typeface="ヒラギノ角ゴ Pro W3" panose="020B0300000000000000" charset="-128"/>
+              </a:defRPr>
+            </a:lvl6pPr>
+            <a:lvl7pPr marL="2971800" indent="-228600" eaLnBrk="0" fontAlgn="base" hangingPunct="0">
+              <a:spcBef>
+                <a:spcPct val="0"/>
+              </a:spcBef>
+              <a:spcAft>
+                <a:spcPct val="0"/>
+              </a:spcAft>
+              <a:defRPr>
+                <a:solidFill>
+                  <a:schemeClr val="tx1"/>
+                </a:solidFill>
+                <a:latin typeface="Arial" panose="020B0604020202090204" pitchFamily="34" charset="0"/>
+                <a:ea typeface="ヒラギノ角ゴ Pro W3" panose="020B0300000000000000" charset="-128"/>
+              </a:defRPr>
+            </a:lvl7pPr>
+            <a:lvl8pPr marL="3429000" indent="-228600" eaLnBrk="0" fontAlgn="base" hangingPunct="0">
+              <a:spcBef>
+                <a:spcPct val="0"/>
+              </a:spcBef>
+              <a:spcAft>
+                <a:spcPct val="0"/>
+              </a:spcAft>
+              <a:defRPr>
+                <a:solidFill>
+                  <a:schemeClr val="tx1"/>
+                </a:solidFill>
+                <a:latin typeface="Arial" panose="020B0604020202090204" pitchFamily="34" charset="0"/>
+                <a:ea typeface="ヒラギノ角ゴ Pro W3" panose="020B0300000000000000" charset="-128"/>
+              </a:defRPr>
+            </a:lvl8pPr>
+            <a:lvl9pPr marL="3886200" indent="-228600" eaLnBrk="0" fontAlgn="base" hangingPunct="0">
+              <a:spcBef>
+                <a:spcPct val="0"/>
+              </a:spcBef>
+              <a:spcAft>
+                <a:spcPct val="0"/>
+              </a:spcAft>
+              <a:defRPr>
+                <a:solidFill>
+                  <a:schemeClr val="tx1"/>
+                </a:solidFill>
+                <a:latin typeface="Arial" panose="020B0604020202090204" pitchFamily="34" charset="0"/>
+                <a:ea typeface="ヒラギノ角ゴ Pro W3" panose="020B0300000000000000" charset="-128"/>
+              </a:defRPr>
+            </a:lvl9pPr>
+          </a:lstStyle>
+          <a:p>
+            <a:pPr algn="ctr" eaLnBrk="1" hangingPunct="1"/>
+            <a:r>
+              <a:rPr lang="en-US" sz="5000" b="1" dirty="0">
+                <a:latin typeface="Inter Semi" panose="020B0502030000000004" pitchFamily="34" charset="0"/>
+                <a:ea typeface="Inter Semi" panose="020B0502030000000004" pitchFamily="34" charset="0"/>
+                <a:cs typeface="Inter Semi" panose="020B0502030000000004" pitchFamily="34" charset="0"/>
               </a:rPr>
-              <a:t>Things tried but not work</a:t>
-            </a:r>
-            <a:endParaRPr lang="en-US" sz="1600" b="1" dirty="0">
-              <a:latin typeface="Inter" panose="020B0502030000000004" pitchFamily="34" charset="0"/>
-              <a:ea typeface="Inter" panose="020B0502030000000004" pitchFamily="34" charset="0"/>
-              <a:cs typeface="Inter" panose="020B0502030000000004" pitchFamily="34" charset="0"/>
+              <a:t>Training Methods</a:t>
+            </a:r>
+            <a:endParaRPr lang="en-US" sz="5000" b="1" dirty="0">
+              <a:latin typeface="Inter Semi" panose="020B0502030000000004" pitchFamily="34" charset="0"/>
+              <a:ea typeface="Inter Semi" panose="020B0502030000000004" pitchFamily="34" charset="0"/>
+              <a:cs typeface="Inter Semi" panose="020B0502030000000004" pitchFamily="34" charset="0"/>
             </a:endParaRPr>
           </a:p>
         </p:txBody>
@@ -12070,6 +12314,404 @@
       </p:grpSpPr>
       <p:sp>
         <p:nvSpPr>
+          <p:cNvPr id="6" name="TextBox 3"/>
+          <p:cNvSpPr txBox="1">
+            <a:spLocks noChangeArrowheads="1"/>
+          </p:cNvSpPr>
+          <p:nvPr/>
+        </p:nvSpPr>
+        <p:spPr bwMode="auto">
+          <a:xfrm>
+            <a:off x="1752378" y="666908"/>
+            <a:ext cx="6219411" cy="3046095"/>
+          </a:xfrm>
+          <a:prstGeom prst="rect">
+            <a:avLst/>
+          </a:prstGeom>
+          <a:noFill/>
+          <a:ln>
+            <a:noFill/>
+          </a:ln>
+        </p:spPr>
+        <p:txBody>
+          <a:bodyPr wrap="square">
+            <a:spAutoFit/>
+          </a:bodyPr>
+          <a:lstStyle>
+            <a:lvl1pPr eaLnBrk="0" hangingPunct="0">
+              <a:defRPr>
+                <a:solidFill>
+                  <a:schemeClr val="tx1"/>
+                </a:solidFill>
+                <a:latin typeface="Arial" panose="020B0604020202090204" pitchFamily="34" charset="0"/>
+                <a:ea typeface="ヒラギノ角ゴ Pro W3" panose="020B0300000000000000" charset="-128"/>
+              </a:defRPr>
+            </a:lvl1pPr>
+            <a:lvl2pPr marL="742950" indent="-285750" eaLnBrk="0" hangingPunct="0">
+              <a:defRPr>
+                <a:solidFill>
+                  <a:schemeClr val="tx1"/>
+                </a:solidFill>
+                <a:latin typeface="Arial" panose="020B0604020202090204" pitchFamily="34" charset="0"/>
+                <a:ea typeface="ヒラギノ角ゴ Pro W3" panose="020B0300000000000000" charset="-128"/>
+              </a:defRPr>
+            </a:lvl2pPr>
+            <a:lvl3pPr marL="1143000" indent="-228600" eaLnBrk="0" hangingPunct="0">
+              <a:defRPr>
+                <a:solidFill>
+                  <a:schemeClr val="tx1"/>
+                </a:solidFill>
+                <a:latin typeface="Arial" panose="020B0604020202090204" pitchFamily="34" charset="0"/>
+                <a:ea typeface="ヒラギノ角ゴ Pro W3" panose="020B0300000000000000" charset="-128"/>
+              </a:defRPr>
+            </a:lvl3pPr>
+            <a:lvl4pPr marL="1600200" indent="-228600" eaLnBrk="0" hangingPunct="0">
+              <a:defRPr>
+                <a:solidFill>
+                  <a:schemeClr val="tx1"/>
+                </a:solidFill>
+                <a:latin typeface="Arial" panose="020B0604020202090204" pitchFamily="34" charset="0"/>
+                <a:ea typeface="ヒラギノ角ゴ Pro W3" panose="020B0300000000000000" charset="-128"/>
+              </a:defRPr>
+            </a:lvl4pPr>
+            <a:lvl5pPr marL="2057400" indent="-228600" eaLnBrk="0" hangingPunct="0">
+              <a:defRPr>
+                <a:solidFill>
+                  <a:schemeClr val="tx1"/>
+                </a:solidFill>
+                <a:latin typeface="Arial" panose="020B0604020202090204" pitchFamily="34" charset="0"/>
+                <a:ea typeface="ヒラギノ角ゴ Pro W3" panose="020B0300000000000000" charset="-128"/>
+              </a:defRPr>
+            </a:lvl5pPr>
+            <a:lvl6pPr marL="2514600" indent="-228600" eaLnBrk="0" fontAlgn="base" hangingPunct="0">
+              <a:spcBef>
+                <a:spcPct val="0"/>
+              </a:spcBef>
+              <a:spcAft>
+                <a:spcPct val="0"/>
+              </a:spcAft>
+              <a:defRPr>
+                <a:solidFill>
+                  <a:schemeClr val="tx1"/>
+                </a:solidFill>
+                <a:latin typeface="Arial" panose="020B0604020202090204" pitchFamily="34" charset="0"/>
+                <a:ea typeface="ヒラギノ角ゴ Pro W3" panose="020B0300000000000000" charset="-128"/>
+              </a:defRPr>
+            </a:lvl6pPr>
+            <a:lvl7pPr marL="2971800" indent="-228600" eaLnBrk="0" fontAlgn="base" hangingPunct="0">
+              <a:spcBef>
+                <a:spcPct val="0"/>
+              </a:spcBef>
+              <a:spcAft>
+                <a:spcPct val="0"/>
+              </a:spcAft>
+              <a:defRPr>
+                <a:solidFill>
+                  <a:schemeClr val="tx1"/>
+                </a:solidFill>
+                <a:latin typeface="Arial" panose="020B0604020202090204" pitchFamily="34" charset="0"/>
+                <a:ea typeface="ヒラギノ角ゴ Pro W3" panose="020B0300000000000000" charset="-128"/>
+              </a:defRPr>
+            </a:lvl7pPr>
+            <a:lvl8pPr marL="3429000" indent="-228600" eaLnBrk="0" fontAlgn="base" hangingPunct="0">
+              <a:spcBef>
+                <a:spcPct val="0"/>
+              </a:spcBef>
+              <a:spcAft>
+                <a:spcPct val="0"/>
+              </a:spcAft>
+              <a:defRPr>
+                <a:solidFill>
+                  <a:schemeClr val="tx1"/>
+                </a:solidFill>
+                <a:latin typeface="Arial" panose="020B0604020202090204" pitchFamily="34" charset="0"/>
+                <a:ea typeface="ヒラギノ角ゴ Pro W3" panose="020B0300000000000000" charset="-128"/>
+              </a:defRPr>
+            </a:lvl8pPr>
+            <a:lvl9pPr marL="3886200" indent="-228600" eaLnBrk="0" fontAlgn="base" hangingPunct="0">
+              <a:spcBef>
+                <a:spcPct val="0"/>
+              </a:spcBef>
+              <a:spcAft>
+                <a:spcPct val="0"/>
+              </a:spcAft>
+              <a:defRPr>
+                <a:solidFill>
+                  <a:schemeClr val="tx1"/>
+                </a:solidFill>
+                <a:latin typeface="Arial" panose="020B0604020202090204" pitchFamily="34" charset="0"/>
+                <a:ea typeface="ヒラギノ角ゴ Pro W3" panose="020B0300000000000000" charset="-128"/>
+              </a:defRPr>
+            </a:lvl9pPr>
+          </a:lstStyle>
+          <a:p>
+            <a:pPr marL="285750" indent="-285750" eaLnBrk="1" hangingPunct="1">
+              <a:lnSpc>
+                <a:spcPct val="120000"/>
+              </a:lnSpc>
+              <a:buFont typeface="Arial" panose="020B0604020202090204" pitchFamily="34" charset="0"/>
+              <a:buChar char="•"/>
+            </a:pPr>
+            <a:r>
+              <a:rPr lang="en-US" sz="2000" dirty="0">
+                <a:latin typeface="Inter" panose="020B0502030000000004" pitchFamily="34" charset="0"/>
+                <a:ea typeface="Inter" panose="020B0502030000000004" pitchFamily="34" charset="0"/>
+                <a:cs typeface="Inter" panose="020B0502030000000004" pitchFamily="34" charset="0"/>
+              </a:rPr>
+              <a:t>Data were grouped by eeg_id</a:t>
+            </a:r>
+            <a:endParaRPr lang="en-US" sz="2000" dirty="0">
+              <a:latin typeface="Inter" panose="020B0502030000000004" pitchFamily="34" charset="0"/>
+              <a:ea typeface="Inter" panose="020B0502030000000004" pitchFamily="34" charset="0"/>
+              <a:cs typeface="Inter" panose="020B0502030000000004" pitchFamily="34" charset="0"/>
+            </a:endParaRPr>
+          </a:p>
+          <a:p>
+            <a:pPr marL="285750" indent="-285750" eaLnBrk="1" hangingPunct="1">
+              <a:lnSpc>
+                <a:spcPct val="120000"/>
+              </a:lnSpc>
+              <a:buFont typeface="Arial" panose="020B0604020202090204" pitchFamily="34" charset="0"/>
+              <a:buChar char="•"/>
+            </a:pPr>
+            <a:r>
+              <a:rPr lang="en-US" sz="2000" dirty="0">
+                <a:latin typeface="Inter" panose="020B0502030000000004" pitchFamily="34" charset="0"/>
+                <a:ea typeface="Inter" panose="020B0502030000000004" pitchFamily="34" charset="0"/>
+                <a:cs typeface="Inter" panose="020B0502030000000004" pitchFamily="34" charset="0"/>
+              </a:rPr>
+              <a:t>Random sample a  eeg_label_offset for each eeg_id when trainning.</a:t>
+            </a:r>
+            <a:endParaRPr lang="en-US" sz="2000" dirty="0">
+              <a:latin typeface="Inter" panose="020B0502030000000004" pitchFamily="34" charset="0"/>
+              <a:ea typeface="Inter" panose="020B0502030000000004" pitchFamily="34" charset="0"/>
+              <a:cs typeface="Inter" panose="020B0502030000000004" pitchFamily="34" charset="0"/>
+            </a:endParaRPr>
+          </a:p>
+          <a:p>
+            <a:pPr marL="285750" indent="-285750" eaLnBrk="1" hangingPunct="1">
+              <a:lnSpc>
+                <a:spcPct val="120000"/>
+              </a:lnSpc>
+              <a:buFont typeface="Arial" panose="020B0604020202090204" pitchFamily="34" charset="0"/>
+              <a:buChar char="•"/>
+            </a:pPr>
+            <a:r>
+              <a:rPr lang="en-US" sz="2000" dirty="0">
+                <a:latin typeface="Inter" panose="020B0502030000000004" pitchFamily="34" charset="0"/>
+                <a:ea typeface="Inter" panose="020B0502030000000004" pitchFamily="34" charset="0"/>
+                <a:cs typeface="Inter" panose="020B0502030000000004" pitchFamily="34" charset="0"/>
+              </a:rPr>
+              <a:t>offset = int((offset_min + offset_max) // 2) when validation, and vote= np.mean(sum(votes))</a:t>
+            </a:r>
+            <a:endParaRPr lang="en-US" sz="2000" dirty="0">
+              <a:latin typeface="Inter" panose="020B0502030000000004" pitchFamily="34" charset="0"/>
+              <a:ea typeface="Inter" panose="020B0502030000000004" pitchFamily="34" charset="0"/>
+              <a:cs typeface="Inter" panose="020B0502030000000004" pitchFamily="34" charset="0"/>
+            </a:endParaRPr>
+          </a:p>
+          <a:p>
+            <a:pPr marL="285750" indent="-285750" eaLnBrk="1" hangingPunct="1">
+              <a:lnSpc>
+                <a:spcPct val="120000"/>
+              </a:lnSpc>
+              <a:buFont typeface="Arial" panose="020B0604020202090204" pitchFamily="34" charset="0"/>
+              <a:buChar char="•"/>
+            </a:pPr>
+            <a:r>
+              <a:rPr lang="en-US" sz="2000" dirty="0">
+                <a:latin typeface="Inter" panose="020B0502030000000004" pitchFamily="34" charset="0"/>
+                <a:ea typeface="Inter" panose="020B0502030000000004" pitchFamily="34" charset="0"/>
+                <a:cs typeface="Inter" panose="020B0502030000000004" pitchFamily="34" charset="0"/>
+              </a:rPr>
+              <a:t>target is averaged across subsamples in one eeg_id</a:t>
+            </a:r>
+            <a:endParaRPr lang="en-US" sz="2000" dirty="0">
+              <a:latin typeface="Inter" panose="020B0502030000000004" pitchFamily="34" charset="0"/>
+              <a:ea typeface="Inter" panose="020B0502030000000004" pitchFamily="34" charset="0"/>
+              <a:cs typeface="Inter" panose="020B0502030000000004" pitchFamily="34" charset="0"/>
+            </a:endParaRPr>
+          </a:p>
+          <a:p>
+            <a:pPr indent="0" eaLnBrk="1" hangingPunct="1">
+              <a:lnSpc>
+                <a:spcPct val="120000"/>
+              </a:lnSpc>
+              <a:buFont typeface="Arial" panose="020B0604020202090204" pitchFamily="34" charset="0"/>
+              <a:buNone/>
+            </a:pPr>
+            <a:endParaRPr lang="en-US" sz="2000" dirty="0">
+              <a:latin typeface="Inter" panose="020B0502030000000004" pitchFamily="34" charset="0"/>
+              <a:ea typeface="Inter" panose="020B0502030000000004" pitchFamily="34" charset="0"/>
+              <a:cs typeface="Inter" panose="020B0502030000000004" pitchFamily="34" charset="0"/>
+            </a:endParaRPr>
+          </a:p>
+        </p:txBody>
+      </p:sp>
+      <p:sp>
+        <p:nvSpPr>
+          <p:cNvPr id="5" name="TextBox 3"/>
+          <p:cNvSpPr txBox="1">
+            <a:spLocks noChangeArrowheads="1"/>
+          </p:cNvSpPr>
+          <p:nvPr/>
+        </p:nvSpPr>
+        <p:spPr bwMode="auto">
+          <a:xfrm>
+            <a:off x="3733800" y="4794706"/>
+            <a:ext cx="2082019" cy="215444"/>
+          </a:xfrm>
+          <a:prstGeom prst="rect">
+            <a:avLst/>
+          </a:prstGeom>
+          <a:noFill/>
+          <a:ln>
+            <a:noFill/>
+          </a:ln>
+        </p:spPr>
+        <p:txBody>
+          <a:bodyPr wrap="square">
+            <a:spAutoFit/>
+          </a:bodyPr>
+          <a:lstStyle>
+            <a:lvl1pPr eaLnBrk="0" hangingPunct="0">
+              <a:defRPr>
+                <a:solidFill>
+                  <a:schemeClr val="tx1"/>
+                </a:solidFill>
+                <a:latin typeface="Arial" panose="020B0604020202090204" pitchFamily="34" charset="0"/>
+                <a:ea typeface="ヒラギノ角ゴ Pro W3" panose="020B0300000000000000" charset="-128"/>
+              </a:defRPr>
+            </a:lvl1pPr>
+            <a:lvl2pPr marL="742950" indent="-285750" eaLnBrk="0" hangingPunct="0">
+              <a:defRPr>
+                <a:solidFill>
+                  <a:schemeClr val="tx1"/>
+                </a:solidFill>
+                <a:latin typeface="Arial" panose="020B0604020202090204" pitchFamily="34" charset="0"/>
+                <a:ea typeface="ヒラギノ角ゴ Pro W3" panose="020B0300000000000000" charset="-128"/>
+              </a:defRPr>
+            </a:lvl2pPr>
+            <a:lvl3pPr marL="1143000" indent="-228600" eaLnBrk="0" hangingPunct="0">
+              <a:defRPr>
+                <a:solidFill>
+                  <a:schemeClr val="tx1"/>
+                </a:solidFill>
+                <a:latin typeface="Arial" panose="020B0604020202090204" pitchFamily="34" charset="0"/>
+                <a:ea typeface="ヒラギノ角ゴ Pro W3" panose="020B0300000000000000" charset="-128"/>
+              </a:defRPr>
+            </a:lvl3pPr>
+            <a:lvl4pPr marL="1600200" indent="-228600" eaLnBrk="0" hangingPunct="0">
+              <a:defRPr>
+                <a:solidFill>
+                  <a:schemeClr val="tx1"/>
+                </a:solidFill>
+                <a:latin typeface="Arial" panose="020B0604020202090204" pitchFamily="34" charset="0"/>
+                <a:ea typeface="ヒラギノ角ゴ Pro W3" panose="020B0300000000000000" charset="-128"/>
+              </a:defRPr>
+            </a:lvl4pPr>
+            <a:lvl5pPr marL="2057400" indent="-228600" eaLnBrk="0" hangingPunct="0">
+              <a:defRPr>
+                <a:solidFill>
+                  <a:schemeClr val="tx1"/>
+                </a:solidFill>
+                <a:latin typeface="Arial" panose="020B0604020202090204" pitchFamily="34" charset="0"/>
+                <a:ea typeface="ヒラギノ角ゴ Pro W3" panose="020B0300000000000000" charset="-128"/>
+              </a:defRPr>
+            </a:lvl5pPr>
+            <a:lvl6pPr marL="2514600" indent="-228600" eaLnBrk="0" fontAlgn="base" hangingPunct="0">
+              <a:spcBef>
+                <a:spcPct val="0"/>
+              </a:spcBef>
+              <a:spcAft>
+                <a:spcPct val="0"/>
+              </a:spcAft>
+              <a:defRPr>
+                <a:solidFill>
+                  <a:schemeClr val="tx1"/>
+                </a:solidFill>
+                <a:latin typeface="Arial" panose="020B0604020202090204" pitchFamily="34" charset="0"/>
+                <a:ea typeface="ヒラギノ角ゴ Pro W3" panose="020B0300000000000000" charset="-128"/>
+              </a:defRPr>
+            </a:lvl6pPr>
+            <a:lvl7pPr marL="2971800" indent="-228600" eaLnBrk="0" fontAlgn="base" hangingPunct="0">
+              <a:spcBef>
+                <a:spcPct val="0"/>
+              </a:spcBef>
+              <a:spcAft>
+                <a:spcPct val="0"/>
+              </a:spcAft>
+              <a:defRPr>
+                <a:solidFill>
+                  <a:schemeClr val="tx1"/>
+                </a:solidFill>
+                <a:latin typeface="Arial" panose="020B0604020202090204" pitchFamily="34" charset="0"/>
+                <a:ea typeface="ヒラギノ角ゴ Pro W3" panose="020B0300000000000000" charset="-128"/>
+              </a:defRPr>
+            </a:lvl7pPr>
+            <a:lvl8pPr marL="3429000" indent="-228600" eaLnBrk="0" fontAlgn="base" hangingPunct="0">
+              <a:spcBef>
+                <a:spcPct val="0"/>
+              </a:spcBef>
+              <a:spcAft>
+                <a:spcPct val="0"/>
+              </a:spcAft>
+              <a:defRPr>
+                <a:solidFill>
+                  <a:schemeClr val="tx1"/>
+                </a:solidFill>
+                <a:latin typeface="Arial" panose="020B0604020202090204" pitchFamily="34" charset="0"/>
+                <a:ea typeface="ヒラギノ角ゴ Pro W3" panose="020B0300000000000000" charset="-128"/>
+              </a:defRPr>
+            </a:lvl8pPr>
+            <a:lvl9pPr marL="3886200" indent="-228600" eaLnBrk="0" fontAlgn="base" hangingPunct="0">
+              <a:spcBef>
+                <a:spcPct val="0"/>
+              </a:spcBef>
+              <a:spcAft>
+                <a:spcPct val="0"/>
+              </a:spcAft>
+              <a:defRPr>
+                <a:solidFill>
+                  <a:schemeClr val="tx1"/>
+                </a:solidFill>
+                <a:latin typeface="Arial" panose="020B0604020202090204" pitchFamily="34" charset="0"/>
+                <a:ea typeface="ヒラギノ角ゴ Pro W3" panose="020B0300000000000000" charset="-128"/>
+              </a:defRPr>
+            </a:lvl9pPr>
+          </a:lstStyle>
+          <a:p>
+            <a:pPr eaLnBrk="1" hangingPunct="1"/>
+            <a:r>
+              <a:rPr lang="en-AU" sz="800" dirty="0">
+                <a:solidFill>
+                  <a:schemeClr val="tx1">
+                    <a:lumMod val="50000"/>
+                    <a:lumOff val="50000"/>
+                  </a:schemeClr>
+                </a:solidFill>
+                <a:latin typeface="Inter" panose="020B0502030000000004" pitchFamily="34" charset="0"/>
+                <a:ea typeface="Inter" panose="020B0502030000000004" pitchFamily="34" charset="0"/>
+                <a:cs typeface="Inter" panose="020B0502030000000004" pitchFamily="34" charset="0"/>
+              </a:rPr>
+              <a:t>Kaggle Winner Presentation Template</a:t>
+            </a:r>
+            <a:endParaRPr lang="en-US" sz="800" dirty="0">
+              <a:solidFill>
+                <a:schemeClr val="tx1">
+                  <a:lumMod val="50000"/>
+                  <a:lumOff val="50000"/>
+                </a:schemeClr>
+              </a:solidFill>
+              <a:latin typeface="Inter" panose="020B0502030000000004" pitchFamily="34" charset="0"/>
+              <a:ea typeface="Inter" panose="020B0502030000000004" pitchFamily="34" charset="0"/>
+              <a:cs typeface="Inter" panose="020B0502030000000004" pitchFamily="34" charset="0"/>
+            </a:endParaRPr>
+          </a:p>
+        </p:txBody>
+      </p:sp>
+      <p:sp>
+        <p:nvSpPr>
           <p:cNvPr id="2" name="Slide Number Placeholder 1"/>
           <p:cNvSpPr>
             <a:spLocks noGrp="1"/>
@@ -12092,25 +12734,62 @@
       </p:sp>
       <p:sp>
         <p:nvSpPr>
-          <p:cNvPr id="10" name="Rectangle 9"/>
+          <p:cNvPr id="12" name="Rectangle 11"/>
           <p:cNvSpPr/>
           <p:nvPr/>
         </p:nvSpPr>
         <p:spPr>
-          <a:xfrm rot="5400000" flipH="1">
-            <a:off x="2173747" y="-2493504"/>
-            <a:ext cx="4657358" cy="9587949"/>
+          <a:xfrm>
+            <a:off x="274983" y="183874"/>
+            <a:ext cx="1812235" cy="523220"/>
           </a:xfrm>
           <a:prstGeom prst="rect">
             <a:avLst/>
           </a:prstGeom>
-          <a:solidFill>
-            <a:srgbClr val="3CBEEC">
-              <a:alpha val="7843"/>
-            </a:srgbClr>
-          </a:solidFill>
-          <a:ln w="12700" cmpd="sng">
-            <a:noFill/>
+        </p:spPr>
+        <p:txBody>
+          <a:bodyPr wrap="square">
+            <a:spAutoFit/>
+          </a:bodyPr>
+          <a:lstStyle/>
+          <a:p>
+            <a:r>
+              <a:rPr lang="en-US" sz="1200" b="1" dirty="0">
+                <a:latin typeface="Inter Semi" panose="020B0502030000000004" pitchFamily="34" charset="0"/>
+                <a:ea typeface="Inter Semi" panose="020B0502030000000004" pitchFamily="34" charset="0"/>
+                <a:cs typeface="Inter Semi" panose="020B0502030000000004" pitchFamily="34" charset="0"/>
+              </a:rPr>
+              <a:t>Training Methods</a:t>
+            </a:r>
+            <a:endParaRPr lang="en-US" sz="1200" b="1" dirty="0">
+              <a:latin typeface="Inter Semi" panose="020B0502030000000004" pitchFamily="34" charset="0"/>
+              <a:ea typeface="Inter Semi" panose="020B0502030000000004" pitchFamily="34" charset="0"/>
+              <a:cs typeface="Inter Semi" panose="020B0502030000000004" pitchFamily="34" charset="0"/>
+            </a:endParaRPr>
+          </a:p>
+          <a:p>
+            <a:endParaRPr lang="en-US" sz="1600" dirty="0"/>
+          </a:p>
+        </p:txBody>
+      </p:sp>
+      <p:cxnSp>
+        <p:nvCxnSpPr>
+          <p:cNvPr id="13" name="Straight Connector 12"/>
+          <p:cNvCxnSpPr/>
+          <p:nvPr/>
+        </p:nvCxnSpPr>
+        <p:spPr>
+          <a:xfrm>
+            <a:off x="304800" y="590550"/>
+            <a:ext cx="8597015" cy="0"/>
+          </a:xfrm>
+          <a:prstGeom prst="line">
+            <a:avLst/>
+          </a:prstGeom>
+          <a:ln>
+            <a:solidFill>
+              <a:srgbClr val="FAE041"/>
+            </a:solidFill>
           </a:ln>
           <a:effectLst/>
         </p:spPr>
@@ -12128,171 +12807,242 @@
             <a:schemeClr val="tx1"/>
           </a:fontRef>
         </p:style>
-        <p:txBody>
-          <a:bodyPr rtlCol="0" anchor="ctr"/>
-          <a:lstStyle/>
-          <a:p>
-            <a:pPr algn="ctr"/>
-            <a:endParaRPr lang="en-US" dirty="0">
-              <a:solidFill>
-                <a:srgbClr val="FAE041"/>
-              </a:solidFill>
-              <a:latin typeface="Open Sans"/>
-              <a:cs typeface="Open Sans"/>
-            </a:endParaRPr>
-          </a:p>
-        </p:txBody>
-      </p:sp>
-      <p:sp>
-        <p:nvSpPr>
-          <p:cNvPr id="6" name="TextBox 3"/>
-          <p:cNvSpPr txBox="1">
-            <a:spLocks noChangeArrowheads="1"/>
-          </p:cNvSpPr>
-          <p:nvPr/>
-        </p:nvSpPr>
-        <p:spPr bwMode="auto">
+      </p:cxnSp>
+      <p:sp>
+        <p:nvSpPr>
+          <p:cNvPr id="3" name="Rectangle 16"/>
+          <p:cNvSpPr/>
+          <p:nvPr>
+            <p:custDataLst>
+              <p:tags r:id="rId1"/>
+            </p:custDataLst>
+          </p:nvPr>
+        </p:nvSpPr>
+        <p:spPr>
           <a:xfrm>
-            <a:off x="2541799" y="1484862"/>
-            <a:ext cx="3921254" cy="1631216"/>
+            <a:off x="609628" y="895074"/>
+            <a:ext cx="5135217" cy="337185"/>
           </a:xfrm>
           <a:prstGeom prst="rect">
             <a:avLst/>
           </a:prstGeom>
-          <a:noFill/>
-          <a:ln>
-            <a:noFill/>
-          </a:ln>
         </p:spPr>
         <p:txBody>
           <a:bodyPr wrap="square">
             <a:spAutoFit/>
           </a:bodyPr>
-          <a:lstStyle>
-            <a:lvl1pPr eaLnBrk="0" hangingPunct="0">
-              <a:defRPr>
-                <a:solidFill>
-                  <a:schemeClr val="tx1"/>
-                </a:solidFill>
-                <a:latin typeface="Arial" panose="020B0604020202090204" pitchFamily="34" charset="0"/>
-                <a:ea typeface="ヒラギノ角ゴ Pro W3" panose="020B0300000000000000" charset="-128"/>
-              </a:defRPr>
-            </a:lvl1pPr>
-            <a:lvl2pPr marL="742950" indent="-285750" eaLnBrk="0" hangingPunct="0">
-              <a:defRPr>
-                <a:solidFill>
-                  <a:schemeClr val="tx1"/>
-                </a:solidFill>
-                <a:latin typeface="Arial" panose="020B0604020202090204" pitchFamily="34" charset="0"/>
-                <a:ea typeface="ヒラギノ角ゴ Pro W3" panose="020B0300000000000000" charset="-128"/>
-              </a:defRPr>
-            </a:lvl2pPr>
-            <a:lvl3pPr marL="1143000" indent="-228600" eaLnBrk="0" hangingPunct="0">
-              <a:defRPr>
-                <a:solidFill>
-                  <a:schemeClr val="tx1"/>
-                </a:solidFill>
-                <a:latin typeface="Arial" panose="020B0604020202090204" pitchFamily="34" charset="0"/>
-                <a:ea typeface="ヒラギノ角ゴ Pro W3" panose="020B0300000000000000" charset="-128"/>
-              </a:defRPr>
-            </a:lvl3pPr>
-            <a:lvl4pPr marL="1600200" indent="-228600" eaLnBrk="0" hangingPunct="0">
-              <a:defRPr>
-                <a:solidFill>
-                  <a:schemeClr val="tx1"/>
-                </a:solidFill>
-                <a:latin typeface="Arial" panose="020B0604020202090204" pitchFamily="34" charset="0"/>
-                <a:ea typeface="ヒラギノ角ゴ Pro W3" panose="020B0300000000000000" charset="-128"/>
-              </a:defRPr>
-            </a:lvl4pPr>
-            <a:lvl5pPr marL="2057400" indent="-228600" eaLnBrk="0" hangingPunct="0">
-              <a:defRPr>
-                <a:solidFill>
-                  <a:schemeClr val="tx1"/>
-                </a:solidFill>
-                <a:latin typeface="Arial" panose="020B0604020202090204" pitchFamily="34" charset="0"/>
-                <a:ea typeface="ヒラギノ角ゴ Pro W3" panose="020B0300000000000000" charset="-128"/>
-              </a:defRPr>
-            </a:lvl5pPr>
-            <a:lvl6pPr marL="2514600" indent="-228600" eaLnBrk="0" fontAlgn="base" hangingPunct="0">
-              <a:spcBef>
-                <a:spcPct val="0"/>
-              </a:spcBef>
-              <a:spcAft>
-                <a:spcPct val="0"/>
-              </a:spcAft>
-              <a:defRPr>
-                <a:solidFill>
-                  <a:schemeClr val="tx1"/>
-                </a:solidFill>
-                <a:latin typeface="Arial" panose="020B0604020202090204" pitchFamily="34" charset="0"/>
-                <a:ea typeface="ヒラギノ角ゴ Pro W3" panose="020B0300000000000000" charset="-128"/>
-              </a:defRPr>
-            </a:lvl6pPr>
-            <a:lvl7pPr marL="2971800" indent="-228600" eaLnBrk="0" fontAlgn="base" hangingPunct="0">
-              <a:spcBef>
-                <a:spcPct val="0"/>
-              </a:spcBef>
-              <a:spcAft>
-                <a:spcPct val="0"/>
-              </a:spcAft>
-              <a:defRPr>
-                <a:solidFill>
-                  <a:schemeClr val="tx1"/>
-                </a:solidFill>
-                <a:latin typeface="Arial" panose="020B0604020202090204" pitchFamily="34" charset="0"/>
-                <a:ea typeface="ヒラギノ角ゴ Pro W3" panose="020B0300000000000000" charset="-128"/>
-              </a:defRPr>
-            </a:lvl7pPr>
-            <a:lvl8pPr marL="3429000" indent="-228600" eaLnBrk="0" fontAlgn="base" hangingPunct="0">
-              <a:spcBef>
-                <a:spcPct val="0"/>
-              </a:spcBef>
-              <a:spcAft>
-                <a:spcPct val="0"/>
-              </a:spcAft>
-              <a:defRPr>
-                <a:solidFill>
-                  <a:schemeClr val="tx1"/>
-                </a:solidFill>
-                <a:latin typeface="Arial" panose="020B0604020202090204" pitchFamily="34" charset="0"/>
-                <a:ea typeface="ヒラギノ角ゴ Pro W3" panose="020B0300000000000000" charset="-128"/>
-              </a:defRPr>
-            </a:lvl8pPr>
-            <a:lvl9pPr marL="3886200" indent="-228600" eaLnBrk="0" fontAlgn="base" hangingPunct="0">
-              <a:spcBef>
-                <a:spcPct val="0"/>
-              </a:spcBef>
-              <a:spcAft>
-                <a:spcPct val="0"/>
-              </a:spcAft>
-              <a:defRPr>
-                <a:solidFill>
-                  <a:schemeClr val="tx1"/>
-                </a:solidFill>
-                <a:latin typeface="Arial" panose="020B0604020202090204" pitchFamily="34" charset="0"/>
-                <a:ea typeface="ヒラギノ角ゴ Pro W3" panose="020B0300000000000000" charset="-128"/>
-              </a:defRPr>
-            </a:lvl9pPr>
-          </a:lstStyle>
-          <a:p>
-            <a:pPr algn="ctr" eaLnBrk="1" hangingPunct="1"/>
-            <a:r>
-              <a:rPr lang="en-US" sz="5000" b="1" dirty="0">
-                <a:latin typeface="Inter Semi" panose="020B0502030000000004" pitchFamily="34" charset="0"/>
-                <a:ea typeface="Inter Semi" panose="020B0502030000000004" pitchFamily="34" charset="0"/>
-                <a:cs typeface="Inter Semi" panose="020B0502030000000004" pitchFamily="34" charset="0"/>
+          <a:p>
+            <a:r>
+              <a:rPr lang="en-US" sz="1600" b="1" dirty="0">
+                <a:latin typeface="Inter" panose="020B0502030000000004" pitchFamily="34" charset="0"/>
+                <a:ea typeface="Inter" panose="020B0502030000000004" pitchFamily="34" charset="0"/>
+                <a:cs typeface="Inter" panose="020B0502030000000004" pitchFamily="34" charset="0"/>
               </a:rPr>
-              <a:t>Question and Answer</a:t>
-            </a:r>
-            <a:endParaRPr lang="en-US" sz="5000" b="1" dirty="0">
-              <a:latin typeface="Inter Semi" panose="020B0502030000000004" pitchFamily="34" charset="0"/>
-              <a:ea typeface="Inter Semi" panose="020B0502030000000004" pitchFamily="34" charset="0"/>
-              <a:cs typeface="Inter Semi" panose="020B0502030000000004" pitchFamily="34" charset="0"/>
+              <a:t>data</a:t>
+            </a:r>
+            <a:endParaRPr lang="en-US" sz="1600" b="1" dirty="0">
+              <a:latin typeface="Inter" panose="020B0502030000000004" pitchFamily="34" charset="0"/>
+              <a:ea typeface="Inter" panose="020B0502030000000004" pitchFamily="34" charset="0"/>
+              <a:cs typeface="Inter" panose="020B0502030000000004" pitchFamily="34" charset="0"/>
             </a:endParaRPr>
           </a:p>
         </p:txBody>
       </p:sp>
+      <p:graphicFrame>
+        <p:nvGraphicFramePr>
+          <p:cNvPr id="11" name="表格 10"/>
+          <p:cNvGraphicFramePr/>
+          <p:nvPr>
+            <p:custDataLst>
+              <p:tags r:id="rId2"/>
+            </p:custDataLst>
+          </p:nvPr>
+        </p:nvGraphicFramePr>
+        <p:xfrm>
+          <a:off x="525780" y="3486150"/>
+          <a:ext cx="8686800" cy="762000"/>
+        </p:xfrm>
+        <a:graphic>
+          <a:graphicData uri="http://schemas.openxmlformats.org/drawingml/2006/table">
+            <a:tbl>
+              <a:tblPr firstRow="1" bandRow="1">
+                <a:tableStyleId>{5C22544A-7EE6-4342-B048-85BDC9FD1C3A}</a:tableStyleId>
+              </a:tblPr>
+              <a:tblGrid>
+                <a:gridCol w="1206500"/>
+                <a:gridCol w="2647950"/>
+                <a:gridCol w="2825115"/>
+                <a:gridCol w="1786255"/>
+              </a:tblGrid>
+              <a:tr h="381000">
+                <a:tc>
+                  <a:txBody>
+                    <a:bodyPr/>
+                    <a:p>
+                      <a:pPr>
+                        <a:buNone/>
+                      </a:pPr>
+                      <a:r>
+                        <a:rPr lang="en-US" sz="1800" dirty="0">
+                          <a:latin typeface="Inter" panose="020B0502030000000004" pitchFamily="34" charset="0"/>
+                          <a:ea typeface="Inter" panose="020B0502030000000004" pitchFamily="34" charset="0"/>
+                          <a:cs typeface="Inter" panose="020B0502030000000004" pitchFamily="34" charset="0"/>
+                          <a:sym typeface="+mn-ea"/>
+                        </a:rPr>
+                        <a:t>eeg_id</a:t>
+                      </a:r>
+                      <a:endParaRPr lang="zh-CN" altLang="en-US"/>
+                    </a:p>
+                  </a:txBody>
+                  <a:tcPr/>
+                </a:tc>
+                <a:tc>
+                  <a:txBody>
+                    <a:bodyPr/>
+                    <a:p>
+                      <a:pPr>
+                        <a:buNone/>
+                      </a:pPr>
+                      <a:r>
+                        <a:rPr lang="en-US" sz="1800" dirty="0">
+                          <a:latin typeface="Inter" panose="020B0502030000000004" pitchFamily="34" charset="0"/>
+                          <a:ea typeface="Inter" panose="020B0502030000000004" pitchFamily="34" charset="0"/>
+                          <a:cs typeface="Inter" panose="020B0502030000000004" pitchFamily="34" charset="0"/>
+                          <a:sym typeface="+mn-ea"/>
+                        </a:rPr>
+                        <a:t>eeg_offset_list</a:t>
+                      </a:r>
+                      <a:endParaRPr lang="zh-CN" altLang="en-US"/>
+                    </a:p>
+                  </a:txBody>
+                  <a:tcPr/>
+                </a:tc>
+                <a:tc>
+                  <a:txBody>
+                    <a:bodyPr/>
+                    <a:p>
+                      <a:pPr>
+                        <a:buNone/>
+                      </a:pPr>
+                      <a:r>
+                        <a:rPr lang="en-US" altLang="zh-CN"/>
+                        <a:t>target</a:t>
+                      </a:r>
+                      <a:endParaRPr lang="en-US" altLang="zh-CN"/>
+                    </a:p>
+                  </a:txBody>
+                  <a:tcPr/>
+                </a:tc>
+                <a:tc>
+                  <a:txBody>
+                    <a:bodyPr/>
+                    <a:p>
+                      <a:pPr>
+                        <a:buNone/>
+                      </a:pPr>
+                      <a:r>
+                        <a:rPr lang="en-US" altLang="zh-CN"/>
+                        <a:t>votes</a:t>
+                      </a:r>
+                      <a:endParaRPr lang="en-US" altLang="zh-CN"/>
+                    </a:p>
+                  </a:txBody>
+                  <a:tcPr/>
+                </a:tc>
+              </a:tr>
+              <a:tr h="381000">
+                <a:tc>
+                  <a:txBody>
+                    <a:bodyPr/>
+                    <a:p>
+                      <a:pPr>
+                        <a:buNone/>
+                      </a:pPr>
+                      <a:r>
+                        <a:rPr lang="en-US" sz="1800" dirty="0">
+                          <a:latin typeface="Inter" panose="020B0502030000000004" pitchFamily="34" charset="0"/>
+                          <a:ea typeface="Inter" panose="020B0502030000000004" pitchFamily="34" charset="0"/>
+                          <a:cs typeface="Inter" panose="020B0502030000000004" pitchFamily="34" charset="0"/>
+                          <a:sym typeface="+mn-ea"/>
+                        </a:rPr>
+                        <a:t>568657</a:t>
+                      </a:r>
+                      <a:endParaRPr lang="zh-CN" altLang="en-US"/>
+                    </a:p>
+                  </a:txBody>
+                  <a:tcPr/>
+                </a:tc>
+                <a:tc>
+                  <a:txBody>
+                    <a:bodyPr/>
+                    <a:p>
+                      <a:pPr>
+                        <a:buNone/>
+                      </a:pPr>
+                      <a:r>
+                        <a:rPr lang="en-US" sz="1800" dirty="0">
+                          <a:latin typeface="Inter" panose="020B0502030000000004" pitchFamily="34" charset="0"/>
+                          <a:ea typeface="Inter" panose="020B0502030000000004" pitchFamily="34" charset="0"/>
+                          <a:cs typeface="Inter" panose="020B0502030000000004" pitchFamily="34" charset="0"/>
+                          <a:sym typeface="+mn-ea"/>
+                        </a:rPr>
+                        <a:t>[0.0, 6.0, 12.0, 16.0]</a:t>
+                      </a:r>
+                      <a:endParaRPr lang="zh-CN" altLang="en-US"/>
+                    </a:p>
+                  </a:txBody>
+                  <a:tcPr/>
+                </a:tc>
+                <a:tc>
+                  <a:txBody>
+                    <a:bodyPr/>
+                    <a:p>
+                      <a:pPr>
+                        <a:buNone/>
+                      </a:pPr>
+                      <a:r>
+                        <a:rPr lang="zh-CN" altLang="en-US"/>
+                        <a:t>0.0,0.0,0.25,0.0,0.1</a:t>
+                      </a:r>
+                      <a:r>
+                        <a:rPr lang="en-US" altLang="zh-CN"/>
+                        <a:t>7</a:t>
+                      </a:r>
+                      <a:r>
+                        <a:rPr lang="zh-CN" altLang="en-US"/>
+                        <a:t>,0.58</a:t>
+                      </a:r>
+                      <a:endParaRPr lang="zh-CN" altLang="en-US"/>
+                    </a:p>
+                  </a:txBody>
+                  <a:tcPr/>
+                </a:tc>
+                <a:tc>
+                  <a:txBody>
+                    <a:bodyPr/>
+                    <a:p>
+                      <a:pPr>
+                        <a:buNone/>
+                      </a:pPr>
+                      <a:r>
+                        <a:rPr lang="en-US" sz="1800" dirty="0">
+                          <a:latin typeface="Inter" panose="020B0502030000000004" pitchFamily="34" charset="0"/>
+                          <a:ea typeface="Inter" panose="020B0502030000000004" pitchFamily="34" charset="0"/>
+                          <a:cs typeface="Inter" panose="020B0502030000000004" pitchFamily="34" charset="0"/>
+                          <a:sym typeface="+mn-ea"/>
+                        </a:rPr>
+                        <a:t>[8, 12, 8, 8]</a:t>
+                      </a:r>
+                      <a:endParaRPr lang="en-US" altLang="zh-CN"/>
+                    </a:p>
+                  </a:txBody>
+                  <a:tcPr/>
+                </a:tc>
+              </a:tr>
+            </a:tbl>
+          </a:graphicData>
+        </a:graphic>
+      </p:graphicFrame>
     </p:spTree>
   </p:cSld>
   <p:clrMapOvr>
@@ -12594,6 +13344,1951 @@
 </file>
 
 <file path=ppt/slides/slide20.xml><?xml version="1.0" encoding="utf-8"?>
+<p:sld xmlns:a="http://schemas.openxmlformats.org/drawingml/2006/main" xmlns:r="http://schemas.openxmlformats.org/officeDocument/2006/relationships" xmlns:p="http://schemas.openxmlformats.org/presentationml/2006/main">
+  <p:cSld>
+    <p:spTree>
+      <p:nvGrpSpPr>
+        <p:cNvPr id="1" name=""/>
+        <p:cNvGrpSpPr/>
+        <p:nvPr/>
+      </p:nvGrpSpPr>
+      <p:grpSpPr>
+        <a:xfrm>
+          <a:off x="0" y="0"/>
+          <a:ext cx="0" cy="0"/>
+          <a:chOff x="0" y="0"/>
+          <a:chExt cx="0" cy="0"/>
+        </a:xfrm>
+      </p:grpSpPr>
+      <p:sp>
+        <p:nvSpPr>
+          <p:cNvPr id="5" name="TextBox 3"/>
+          <p:cNvSpPr txBox="1">
+            <a:spLocks noChangeArrowheads="1"/>
+          </p:cNvSpPr>
+          <p:nvPr/>
+        </p:nvSpPr>
+        <p:spPr bwMode="auto">
+          <a:xfrm>
+            <a:off x="3733800" y="4794706"/>
+            <a:ext cx="2082019" cy="215444"/>
+          </a:xfrm>
+          <a:prstGeom prst="rect">
+            <a:avLst/>
+          </a:prstGeom>
+          <a:noFill/>
+          <a:ln>
+            <a:noFill/>
+          </a:ln>
+        </p:spPr>
+        <p:txBody>
+          <a:bodyPr wrap="square">
+            <a:spAutoFit/>
+          </a:bodyPr>
+          <a:lstStyle>
+            <a:lvl1pPr eaLnBrk="0" hangingPunct="0">
+              <a:defRPr>
+                <a:solidFill>
+                  <a:schemeClr val="tx1"/>
+                </a:solidFill>
+                <a:latin typeface="Arial" panose="020B0604020202090204" pitchFamily="34" charset="0"/>
+                <a:ea typeface="ヒラギノ角ゴ Pro W3" panose="020B0300000000000000" charset="-128"/>
+              </a:defRPr>
+            </a:lvl1pPr>
+            <a:lvl2pPr marL="742950" indent="-285750" eaLnBrk="0" hangingPunct="0">
+              <a:defRPr>
+                <a:solidFill>
+                  <a:schemeClr val="tx1"/>
+                </a:solidFill>
+                <a:latin typeface="Arial" panose="020B0604020202090204" pitchFamily="34" charset="0"/>
+                <a:ea typeface="ヒラギノ角ゴ Pro W3" panose="020B0300000000000000" charset="-128"/>
+              </a:defRPr>
+            </a:lvl2pPr>
+            <a:lvl3pPr marL="1143000" indent="-228600" eaLnBrk="0" hangingPunct="0">
+              <a:defRPr>
+                <a:solidFill>
+                  <a:schemeClr val="tx1"/>
+                </a:solidFill>
+                <a:latin typeface="Arial" panose="020B0604020202090204" pitchFamily="34" charset="0"/>
+                <a:ea typeface="ヒラギノ角ゴ Pro W3" panose="020B0300000000000000" charset="-128"/>
+              </a:defRPr>
+            </a:lvl3pPr>
+            <a:lvl4pPr marL="1600200" indent="-228600" eaLnBrk="0" hangingPunct="0">
+              <a:defRPr>
+                <a:solidFill>
+                  <a:schemeClr val="tx1"/>
+                </a:solidFill>
+                <a:latin typeface="Arial" panose="020B0604020202090204" pitchFamily="34" charset="0"/>
+                <a:ea typeface="ヒラギノ角ゴ Pro W3" panose="020B0300000000000000" charset="-128"/>
+              </a:defRPr>
+            </a:lvl4pPr>
+            <a:lvl5pPr marL="2057400" indent="-228600" eaLnBrk="0" hangingPunct="0">
+              <a:defRPr>
+                <a:solidFill>
+                  <a:schemeClr val="tx1"/>
+                </a:solidFill>
+                <a:latin typeface="Arial" panose="020B0604020202090204" pitchFamily="34" charset="0"/>
+                <a:ea typeface="ヒラギノ角ゴ Pro W3" panose="020B0300000000000000" charset="-128"/>
+              </a:defRPr>
+            </a:lvl5pPr>
+            <a:lvl6pPr marL="2514600" indent="-228600" eaLnBrk="0" fontAlgn="base" hangingPunct="0">
+              <a:spcBef>
+                <a:spcPct val="0"/>
+              </a:spcBef>
+              <a:spcAft>
+                <a:spcPct val="0"/>
+              </a:spcAft>
+              <a:defRPr>
+                <a:solidFill>
+                  <a:schemeClr val="tx1"/>
+                </a:solidFill>
+                <a:latin typeface="Arial" panose="020B0604020202090204" pitchFamily="34" charset="0"/>
+                <a:ea typeface="ヒラギノ角ゴ Pro W3" panose="020B0300000000000000" charset="-128"/>
+              </a:defRPr>
+            </a:lvl6pPr>
+            <a:lvl7pPr marL="2971800" indent="-228600" eaLnBrk="0" fontAlgn="base" hangingPunct="0">
+              <a:spcBef>
+                <a:spcPct val="0"/>
+              </a:spcBef>
+              <a:spcAft>
+                <a:spcPct val="0"/>
+              </a:spcAft>
+              <a:defRPr>
+                <a:solidFill>
+                  <a:schemeClr val="tx1"/>
+                </a:solidFill>
+                <a:latin typeface="Arial" panose="020B0604020202090204" pitchFamily="34" charset="0"/>
+                <a:ea typeface="ヒラギノ角ゴ Pro W3" panose="020B0300000000000000" charset="-128"/>
+              </a:defRPr>
+            </a:lvl7pPr>
+            <a:lvl8pPr marL="3429000" indent="-228600" eaLnBrk="0" fontAlgn="base" hangingPunct="0">
+              <a:spcBef>
+                <a:spcPct val="0"/>
+              </a:spcBef>
+              <a:spcAft>
+                <a:spcPct val="0"/>
+              </a:spcAft>
+              <a:defRPr>
+                <a:solidFill>
+                  <a:schemeClr val="tx1"/>
+                </a:solidFill>
+                <a:latin typeface="Arial" panose="020B0604020202090204" pitchFamily="34" charset="0"/>
+                <a:ea typeface="ヒラギノ角ゴ Pro W3" panose="020B0300000000000000" charset="-128"/>
+              </a:defRPr>
+            </a:lvl8pPr>
+            <a:lvl9pPr marL="3886200" indent="-228600" eaLnBrk="0" fontAlgn="base" hangingPunct="0">
+              <a:spcBef>
+                <a:spcPct val="0"/>
+              </a:spcBef>
+              <a:spcAft>
+                <a:spcPct val="0"/>
+              </a:spcAft>
+              <a:defRPr>
+                <a:solidFill>
+                  <a:schemeClr val="tx1"/>
+                </a:solidFill>
+                <a:latin typeface="Arial" panose="020B0604020202090204" pitchFamily="34" charset="0"/>
+                <a:ea typeface="ヒラギノ角ゴ Pro W3" panose="020B0300000000000000" charset="-128"/>
+              </a:defRPr>
+            </a:lvl9pPr>
+          </a:lstStyle>
+          <a:p>
+            <a:pPr eaLnBrk="1" hangingPunct="1"/>
+            <a:r>
+              <a:rPr lang="en-AU" sz="800" dirty="0">
+                <a:solidFill>
+                  <a:schemeClr val="tx1">
+                    <a:lumMod val="50000"/>
+                    <a:lumOff val="50000"/>
+                  </a:schemeClr>
+                </a:solidFill>
+                <a:latin typeface="Inter" panose="020B0502030000000004" pitchFamily="34" charset="0"/>
+                <a:ea typeface="Inter" panose="020B0502030000000004" pitchFamily="34" charset="0"/>
+                <a:cs typeface="Inter" panose="020B0502030000000004" pitchFamily="34" charset="0"/>
+              </a:rPr>
+              <a:t>Kaggle Winner Presentation Template</a:t>
+            </a:r>
+            <a:endParaRPr lang="en-US" sz="800" dirty="0">
+              <a:solidFill>
+                <a:schemeClr val="tx1">
+                  <a:lumMod val="50000"/>
+                  <a:lumOff val="50000"/>
+                </a:schemeClr>
+              </a:solidFill>
+              <a:latin typeface="Inter" panose="020B0502030000000004" pitchFamily="34" charset="0"/>
+              <a:ea typeface="Inter" panose="020B0502030000000004" pitchFamily="34" charset="0"/>
+              <a:cs typeface="Inter" panose="020B0502030000000004" pitchFamily="34" charset="0"/>
+            </a:endParaRPr>
+          </a:p>
+        </p:txBody>
+      </p:sp>
+      <p:sp>
+        <p:nvSpPr>
+          <p:cNvPr id="2" name="Slide Number Placeholder 1"/>
+          <p:cNvSpPr>
+            <a:spLocks noGrp="1"/>
+          </p:cNvSpPr>
+          <p:nvPr>
+            <p:ph type="sldNum" sz="quarter" idx="4"/>
+          </p:nvPr>
+        </p:nvSpPr>
+        <p:spPr/>
+        <p:txBody>
+          <a:bodyPr/>
+          <a:lstStyle/>
+          <a:p>
+            <a:fld id="{01C92930-73F8-B348-8FEB-D0D1FCF46FBA}" type="slidenum">
+              <a:rPr lang="en-US" smtClean="0"/>
+            </a:fld>
+            <a:endParaRPr lang="en-US" dirty="0"/>
+          </a:p>
+        </p:txBody>
+      </p:sp>
+      <p:sp>
+        <p:nvSpPr>
+          <p:cNvPr id="12" name="Rectangle 11"/>
+          <p:cNvSpPr/>
+          <p:nvPr/>
+        </p:nvSpPr>
+        <p:spPr>
+          <a:xfrm>
+            <a:off x="274983" y="183874"/>
+            <a:ext cx="1812235" cy="523220"/>
+          </a:xfrm>
+          <a:prstGeom prst="rect">
+            <a:avLst/>
+          </a:prstGeom>
+        </p:spPr>
+        <p:txBody>
+          <a:bodyPr wrap="square">
+            <a:spAutoFit/>
+          </a:bodyPr>
+          <a:lstStyle/>
+          <a:p>
+            <a:r>
+              <a:rPr lang="en-US" sz="1200" b="1" dirty="0">
+                <a:latin typeface="Inter Semi" panose="020B0502030000000004" pitchFamily="34" charset="0"/>
+                <a:ea typeface="Inter Semi" panose="020B0502030000000004" pitchFamily="34" charset="0"/>
+                <a:cs typeface="Inter Semi" panose="020B0502030000000004" pitchFamily="34" charset="0"/>
+              </a:rPr>
+              <a:t>Training Methods</a:t>
+            </a:r>
+            <a:endParaRPr lang="en-US" sz="1200" b="1" dirty="0">
+              <a:latin typeface="Inter Semi" panose="020B0502030000000004" pitchFamily="34" charset="0"/>
+              <a:ea typeface="Inter Semi" panose="020B0502030000000004" pitchFamily="34" charset="0"/>
+              <a:cs typeface="Inter Semi" panose="020B0502030000000004" pitchFamily="34" charset="0"/>
+            </a:endParaRPr>
+          </a:p>
+          <a:p>
+            <a:endParaRPr lang="en-US" sz="1600" dirty="0"/>
+          </a:p>
+        </p:txBody>
+      </p:sp>
+      <p:cxnSp>
+        <p:nvCxnSpPr>
+          <p:cNvPr id="13" name="Straight Connector 12"/>
+          <p:cNvCxnSpPr/>
+          <p:nvPr/>
+        </p:nvCxnSpPr>
+        <p:spPr>
+          <a:xfrm>
+            <a:off x="304800" y="590550"/>
+            <a:ext cx="8597015" cy="0"/>
+          </a:xfrm>
+          <a:prstGeom prst="line">
+            <a:avLst/>
+          </a:prstGeom>
+          <a:ln>
+            <a:solidFill>
+              <a:srgbClr val="FAE041"/>
+            </a:solidFill>
+          </a:ln>
+          <a:effectLst/>
+        </p:spPr>
+        <p:style>
+          <a:lnRef idx="2">
+            <a:schemeClr val="accent1"/>
+          </a:lnRef>
+          <a:fillRef idx="0">
+            <a:schemeClr val="accent1"/>
+          </a:fillRef>
+          <a:effectRef idx="1">
+            <a:schemeClr val="accent1"/>
+          </a:effectRef>
+          <a:fontRef idx="minor">
+            <a:schemeClr val="tx1"/>
+          </a:fontRef>
+        </p:style>
+      </p:cxnSp>
+      <p:sp>
+        <p:nvSpPr>
+          <p:cNvPr id="4" name="Rectangle 16"/>
+          <p:cNvSpPr/>
+          <p:nvPr>
+            <p:custDataLst>
+              <p:tags r:id="rId1"/>
+            </p:custDataLst>
+          </p:nvPr>
+        </p:nvSpPr>
+        <p:spPr>
+          <a:xfrm>
+            <a:off x="533428" y="1199874"/>
+            <a:ext cx="5135217" cy="337185"/>
+          </a:xfrm>
+          <a:prstGeom prst="rect">
+            <a:avLst/>
+          </a:prstGeom>
+        </p:spPr>
+        <p:txBody>
+          <a:bodyPr wrap="square">
+            <a:spAutoFit/>
+          </a:bodyPr>
+          <a:p>
+            <a:r>
+              <a:rPr lang="en-US" sz="1600" b="1" dirty="0">
+                <a:latin typeface="Inter" panose="020B0502030000000004" pitchFamily="34" charset="0"/>
+                <a:ea typeface="Inter" panose="020B0502030000000004" pitchFamily="34" charset="0"/>
+                <a:cs typeface="Inter" panose="020B0502030000000004" pitchFamily="34" charset="0"/>
+              </a:rPr>
+              <a:t>preprocess</a:t>
+            </a:r>
+            <a:endParaRPr lang="en-US" sz="1600" b="1" dirty="0">
+              <a:latin typeface="Inter" panose="020B0502030000000004" pitchFamily="34" charset="0"/>
+              <a:ea typeface="Inter" panose="020B0502030000000004" pitchFamily="34" charset="0"/>
+              <a:cs typeface="Inter" panose="020B0502030000000004" pitchFamily="34" charset="0"/>
+            </a:endParaRPr>
+          </a:p>
+        </p:txBody>
+      </p:sp>
+      <p:sp>
+        <p:nvSpPr>
+          <p:cNvPr id="7" name="TextBox 3"/>
+          <p:cNvSpPr txBox="1">
+            <a:spLocks noChangeArrowheads="1"/>
+          </p:cNvSpPr>
+          <p:nvPr>
+            <p:custDataLst>
+              <p:tags r:id="rId2"/>
+            </p:custDataLst>
+          </p:nvPr>
+        </p:nvSpPr>
+        <p:spPr bwMode="auto">
+          <a:xfrm>
+            <a:off x="1299623" y="1743868"/>
+            <a:ext cx="6219411" cy="1198880"/>
+          </a:xfrm>
+          <a:prstGeom prst="rect">
+            <a:avLst/>
+          </a:prstGeom>
+          <a:noFill/>
+          <a:ln>
+            <a:noFill/>
+          </a:ln>
+        </p:spPr>
+        <p:txBody>
+          <a:bodyPr wrap="square">
+            <a:spAutoFit/>
+          </a:bodyPr>
+          <a:lstStyle>
+            <a:lvl1pPr eaLnBrk="0" hangingPunct="0">
+              <a:defRPr>
+                <a:solidFill>
+                  <a:schemeClr val="tx1"/>
+                </a:solidFill>
+                <a:latin typeface="Arial" panose="020B0604020202090204" pitchFamily="34" charset="0"/>
+                <a:ea typeface="ヒラギノ角ゴ Pro W3" panose="020B0300000000000000" charset="-128"/>
+              </a:defRPr>
+            </a:lvl1pPr>
+            <a:lvl2pPr marL="742950" indent="-285750" eaLnBrk="0" hangingPunct="0">
+              <a:defRPr>
+                <a:solidFill>
+                  <a:schemeClr val="tx1"/>
+                </a:solidFill>
+                <a:latin typeface="Arial" panose="020B0604020202090204" pitchFamily="34" charset="0"/>
+                <a:ea typeface="ヒラギノ角ゴ Pro W3" panose="020B0300000000000000" charset="-128"/>
+              </a:defRPr>
+            </a:lvl2pPr>
+            <a:lvl3pPr marL="1143000" indent="-228600" eaLnBrk="0" hangingPunct="0">
+              <a:defRPr>
+                <a:solidFill>
+                  <a:schemeClr val="tx1"/>
+                </a:solidFill>
+                <a:latin typeface="Arial" panose="020B0604020202090204" pitchFamily="34" charset="0"/>
+                <a:ea typeface="ヒラギノ角ゴ Pro W3" panose="020B0300000000000000" charset="-128"/>
+              </a:defRPr>
+            </a:lvl3pPr>
+            <a:lvl4pPr marL="1600200" indent="-228600" eaLnBrk="0" hangingPunct="0">
+              <a:defRPr>
+                <a:solidFill>
+                  <a:schemeClr val="tx1"/>
+                </a:solidFill>
+                <a:latin typeface="Arial" panose="020B0604020202090204" pitchFamily="34" charset="0"/>
+                <a:ea typeface="ヒラギノ角ゴ Pro W3" panose="020B0300000000000000" charset="-128"/>
+              </a:defRPr>
+            </a:lvl4pPr>
+            <a:lvl5pPr marL="2057400" indent="-228600" eaLnBrk="0" hangingPunct="0">
+              <a:defRPr>
+                <a:solidFill>
+                  <a:schemeClr val="tx1"/>
+                </a:solidFill>
+                <a:latin typeface="Arial" panose="020B0604020202090204" pitchFamily="34" charset="0"/>
+                <a:ea typeface="ヒラギノ角ゴ Pro W3" panose="020B0300000000000000" charset="-128"/>
+              </a:defRPr>
+            </a:lvl5pPr>
+            <a:lvl6pPr marL="2514600" indent="-228600" eaLnBrk="0" fontAlgn="base" hangingPunct="0">
+              <a:spcBef>
+                <a:spcPct val="0"/>
+              </a:spcBef>
+              <a:spcAft>
+                <a:spcPct val="0"/>
+              </a:spcAft>
+              <a:defRPr>
+                <a:solidFill>
+                  <a:schemeClr val="tx1"/>
+                </a:solidFill>
+                <a:latin typeface="Arial" panose="020B0604020202090204" pitchFamily="34" charset="0"/>
+                <a:ea typeface="ヒラギノ角ゴ Pro W3" panose="020B0300000000000000" charset="-128"/>
+              </a:defRPr>
+            </a:lvl6pPr>
+            <a:lvl7pPr marL="2971800" indent="-228600" eaLnBrk="0" fontAlgn="base" hangingPunct="0">
+              <a:spcBef>
+                <a:spcPct val="0"/>
+              </a:spcBef>
+              <a:spcAft>
+                <a:spcPct val="0"/>
+              </a:spcAft>
+              <a:defRPr>
+                <a:solidFill>
+                  <a:schemeClr val="tx1"/>
+                </a:solidFill>
+                <a:latin typeface="Arial" panose="020B0604020202090204" pitchFamily="34" charset="0"/>
+                <a:ea typeface="ヒラギノ角ゴ Pro W3" panose="020B0300000000000000" charset="-128"/>
+              </a:defRPr>
+            </a:lvl7pPr>
+            <a:lvl8pPr marL="3429000" indent="-228600" eaLnBrk="0" fontAlgn="base" hangingPunct="0">
+              <a:spcBef>
+                <a:spcPct val="0"/>
+              </a:spcBef>
+              <a:spcAft>
+                <a:spcPct val="0"/>
+              </a:spcAft>
+              <a:defRPr>
+                <a:solidFill>
+                  <a:schemeClr val="tx1"/>
+                </a:solidFill>
+                <a:latin typeface="Arial" panose="020B0604020202090204" pitchFamily="34" charset="0"/>
+                <a:ea typeface="ヒラギノ角ゴ Pro W3" panose="020B0300000000000000" charset="-128"/>
+              </a:defRPr>
+            </a:lvl8pPr>
+            <a:lvl9pPr marL="3886200" indent="-228600" eaLnBrk="0" fontAlgn="base" hangingPunct="0">
+              <a:spcBef>
+                <a:spcPct val="0"/>
+              </a:spcBef>
+              <a:spcAft>
+                <a:spcPct val="0"/>
+              </a:spcAft>
+              <a:defRPr>
+                <a:solidFill>
+                  <a:schemeClr val="tx1"/>
+                </a:solidFill>
+                <a:latin typeface="Arial" panose="020B0604020202090204" pitchFamily="34" charset="0"/>
+                <a:ea typeface="ヒラギノ角ゴ Pro W3" panose="020B0300000000000000" charset="-128"/>
+              </a:defRPr>
+            </a:lvl9pPr>
+          </a:lstStyle>
+          <a:p>
+            <a:pPr marL="285750" indent="-285750" eaLnBrk="1" hangingPunct="1">
+              <a:lnSpc>
+                <a:spcPct val="120000"/>
+              </a:lnSpc>
+              <a:buFont typeface="Arial" panose="020B0604020202090204" pitchFamily="34" charset="0"/>
+              <a:buChar char="•"/>
+            </a:pPr>
+            <a:r>
+              <a:rPr lang="en-US" sz="2000" dirty="0">
+                <a:latin typeface="Inter" panose="020B0502030000000004" pitchFamily="34" charset="0"/>
+                <a:ea typeface="Inter" panose="020B0502030000000004" pitchFamily="34" charset="0"/>
+                <a:cs typeface="Inter" panose="020B0502030000000004" pitchFamily="34" charset="0"/>
+              </a:rPr>
+              <a:t>Double banana montage, eeg as 16x10000</a:t>
+            </a:r>
+            <a:endParaRPr lang="en-US" sz="2000" dirty="0">
+              <a:latin typeface="Inter" panose="020B0502030000000004" pitchFamily="34" charset="0"/>
+              <a:ea typeface="Inter" panose="020B0502030000000004" pitchFamily="34" charset="0"/>
+              <a:cs typeface="Inter" panose="020B0502030000000004" pitchFamily="34" charset="0"/>
+            </a:endParaRPr>
+          </a:p>
+          <a:p>
+            <a:pPr marL="285750" indent="-285750" eaLnBrk="1" hangingPunct="1">
+              <a:lnSpc>
+                <a:spcPct val="120000"/>
+              </a:lnSpc>
+              <a:buFont typeface="Arial" panose="020B0604020202090204" pitchFamily="34" charset="0"/>
+              <a:buChar char="•"/>
+            </a:pPr>
+            <a:r>
+              <a:rPr lang="en-US" sz="2000" dirty="0">
+                <a:latin typeface="Inter" panose="020B0502030000000004" pitchFamily="34" charset="0"/>
+                <a:ea typeface="Inter" panose="020B0502030000000004" pitchFamily="34" charset="0"/>
+                <a:cs typeface="Inter" panose="020B0502030000000004" pitchFamily="34" charset="0"/>
+                <a:sym typeface="+mn-ea"/>
+              </a:rPr>
+              <a:t>Clip by +-1024</a:t>
+            </a:r>
+            <a:endParaRPr lang="en-US" sz="2000" dirty="0">
+              <a:latin typeface="Inter" panose="020B0502030000000004" pitchFamily="34" charset="0"/>
+              <a:ea typeface="Inter" panose="020B0502030000000004" pitchFamily="34" charset="0"/>
+              <a:cs typeface="Inter" panose="020B0502030000000004" pitchFamily="34" charset="0"/>
+            </a:endParaRPr>
+          </a:p>
+          <a:p>
+            <a:pPr marL="285750" indent="-285750" eaLnBrk="1" hangingPunct="1">
+              <a:lnSpc>
+                <a:spcPct val="120000"/>
+              </a:lnSpc>
+              <a:buFont typeface="Arial" panose="020B0604020202090204" pitchFamily="34" charset="0"/>
+              <a:buChar char="•"/>
+            </a:pPr>
+            <a:r>
+              <a:rPr lang="en-US" sz="2000" dirty="0">
+                <a:latin typeface="Inter" panose="020B0502030000000004" pitchFamily="34" charset="0"/>
+                <a:ea typeface="Inter" panose="020B0502030000000004" pitchFamily="34" charset="0"/>
+                <a:cs typeface="Inter" panose="020B0502030000000004" pitchFamily="34" charset="0"/>
+              </a:rPr>
+              <a:t>Filter with 0.5-20hz, mne and scipy.signal</a:t>
+            </a:r>
+            <a:endParaRPr lang="en-US" sz="2000" dirty="0">
+              <a:latin typeface="Inter" panose="020B0502030000000004" pitchFamily="34" charset="0"/>
+              <a:ea typeface="Inter" panose="020B0502030000000004" pitchFamily="34" charset="0"/>
+              <a:cs typeface="Inter" panose="020B0502030000000004" pitchFamily="34" charset="0"/>
+            </a:endParaRPr>
+          </a:p>
+        </p:txBody>
+      </p:sp>
+    </p:spTree>
+  </p:cSld>
+  <p:clrMapOvr>
+    <a:masterClrMapping/>
+  </p:clrMapOvr>
+  <mc:AlternateContent xmlns:mc="http://schemas.openxmlformats.org/markup-compatibility/2006">
+    <mc:Choice xmlns:p14="http://schemas.microsoft.com/office/powerpoint/2010/main" Requires="p14">
+      <p:transition p14:dur="10"/>
+    </mc:Choice>
+    <mc:Fallback>
+      <p:transition/>
+    </mc:Fallback>
+  </mc:AlternateContent>
+</p:sld>
+</file>
+
+<file path=ppt/slides/slide21.xml><?xml version="1.0" encoding="utf-8"?>
+<p:sld xmlns:a="http://schemas.openxmlformats.org/drawingml/2006/main" xmlns:r="http://schemas.openxmlformats.org/officeDocument/2006/relationships" xmlns:p="http://schemas.openxmlformats.org/presentationml/2006/main">
+  <p:cSld>
+    <p:spTree>
+      <p:nvGrpSpPr>
+        <p:cNvPr id="1" name=""/>
+        <p:cNvGrpSpPr/>
+        <p:nvPr/>
+      </p:nvGrpSpPr>
+      <p:grpSpPr>
+        <a:xfrm>
+          <a:off x="0" y="0"/>
+          <a:ext cx="0" cy="0"/>
+          <a:chOff x="0" y="0"/>
+          <a:chExt cx="0" cy="0"/>
+        </a:xfrm>
+      </p:grpSpPr>
+      <p:sp>
+        <p:nvSpPr>
+          <p:cNvPr id="6" name="TextBox 3"/>
+          <p:cNvSpPr txBox="1">
+            <a:spLocks noChangeArrowheads="1"/>
+          </p:cNvSpPr>
+          <p:nvPr/>
+        </p:nvSpPr>
+        <p:spPr bwMode="auto">
+          <a:xfrm>
+            <a:off x="914400" y="1123950"/>
+            <a:ext cx="7591425" cy="2451100"/>
+          </a:xfrm>
+          <a:prstGeom prst="rect">
+            <a:avLst/>
+          </a:prstGeom>
+          <a:noFill/>
+          <a:ln>
+            <a:noFill/>
+          </a:ln>
+        </p:spPr>
+        <p:txBody>
+          <a:bodyPr wrap="square">
+            <a:spAutoFit/>
+          </a:bodyPr>
+          <a:lstStyle>
+            <a:lvl1pPr eaLnBrk="0" hangingPunct="0">
+              <a:defRPr>
+                <a:solidFill>
+                  <a:schemeClr val="tx1"/>
+                </a:solidFill>
+                <a:latin typeface="Arial" panose="020B0604020202090204" pitchFamily="34" charset="0"/>
+                <a:ea typeface="ヒラギノ角ゴ Pro W3" panose="020B0300000000000000" charset="-128"/>
+              </a:defRPr>
+            </a:lvl1pPr>
+            <a:lvl2pPr marL="742950" indent="-285750" eaLnBrk="0" hangingPunct="0">
+              <a:defRPr>
+                <a:solidFill>
+                  <a:schemeClr val="tx1"/>
+                </a:solidFill>
+                <a:latin typeface="Arial" panose="020B0604020202090204" pitchFamily="34" charset="0"/>
+                <a:ea typeface="ヒラギノ角ゴ Pro W3" panose="020B0300000000000000" charset="-128"/>
+              </a:defRPr>
+            </a:lvl2pPr>
+            <a:lvl3pPr marL="1143000" indent="-228600" eaLnBrk="0" hangingPunct="0">
+              <a:defRPr>
+                <a:solidFill>
+                  <a:schemeClr val="tx1"/>
+                </a:solidFill>
+                <a:latin typeface="Arial" panose="020B0604020202090204" pitchFamily="34" charset="0"/>
+                <a:ea typeface="ヒラギノ角ゴ Pro W3" panose="020B0300000000000000" charset="-128"/>
+              </a:defRPr>
+            </a:lvl3pPr>
+            <a:lvl4pPr marL="1600200" indent="-228600" eaLnBrk="0" hangingPunct="0">
+              <a:defRPr>
+                <a:solidFill>
+                  <a:schemeClr val="tx1"/>
+                </a:solidFill>
+                <a:latin typeface="Arial" panose="020B0604020202090204" pitchFamily="34" charset="0"/>
+                <a:ea typeface="ヒラギノ角ゴ Pro W3" panose="020B0300000000000000" charset="-128"/>
+              </a:defRPr>
+            </a:lvl4pPr>
+            <a:lvl5pPr marL="2057400" indent="-228600" eaLnBrk="0" hangingPunct="0">
+              <a:defRPr>
+                <a:solidFill>
+                  <a:schemeClr val="tx1"/>
+                </a:solidFill>
+                <a:latin typeface="Arial" panose="020B0604020202090204" pitchFamily="34" charset="0"/>
+                <a:ea typeface="ヒラギノ角ゴ Pro W3" panose="020B0300000000000000" charset="-128"/>
+              </a:defRPr>
+            </a:lvl5pPr>
+            <a:lvl6pPr marL="2514600" indent="-228600" eaLnBrk="0" fontAlgn="base" hangingPunct="0">
+              <a:spcBef>
+                <a:spcPct val="0"/>
+              </a:spcBef>
+              <a:spcAft>
+                <a:spcPct val="0"/>
+              </a:spcAft>
+              <a:defRPr>
+                <a:solidFill>
+                  <a:schemeClr val="tx1"/>
+                </a:solidFill>
+                <a:latin typeface="Arial" panose="020B0604020202090204" pitchFamily="34" charset="0"/>
+                <a:ea typeface="ヒラギノ角ゴ Pro W3" panose="020B0300000000000000" charset="-128"/>
+              </a:defRPr>
+            </a:lvl6pPr>
+            <a:lvl7pPr marL="2971800" indent="-228600" eaLnBrk="0" fontAlgn="base" hangingPunct="0">
+              <a:spcBef>
+                <a:spcPct val="0"/>
+              </a:spcBef>
+              <a:spcAft>
+                <a:spcPct val="0"/>
+              </a:spcAft>
+              <a:defRPr>
+                <a:solidFill>
+                  <a:schemeClr val="tx1"/>
+                </a:solidFill>
+                <a:latin typeface="Arial" panose="020B0604020202090204" pitchFamily="34" charset="0"/>
+                <a:ea typeface="ヒラギノ角ゴ Pro W3" panose="020B0300000000000000" charset="-128"/>
+              </a:defRPr>
+            </a:lvl7pPr>
+            <a:lvl8pPr marL="3429000" indent="-228600" eaLnBrk="0" fontAlgn="base" hangingPunct="0">
+              <a:spcBef>
+                <a:spcPct val="0"/>
+              </a:spcBef>
+              <a:spcAft>
+                <a:spcPct val="0"/>
+              </a:spcAft>
+              <a:defRPr>
+                <a:solidFill>
+                  <a:schemeClr val="tx1"/>
+                </a:solidFill>
+                <a:latin typeface="Arial" panose="020B0604020202090204" pitchFamily="34" charset="0"/>
+                <a:ea typeface="ヒラギノ角ゴ Pro W3" panose="020B0300000000000000" charset="-128"/>
+              </a:defRPr>
+            </a:lvl8pPr>
+            <a:lvl9pPr marL="3886200" indent="-228600" eaLnBrk="0" fontAlgn="base" hangingPunct="0">
+              <a:spcBef>
+                <a:spcPct val="0"/>
+              </a:spcBef>
+              <a:spcAft>
+                <a:spcPct val="0"/>
+              </a:spcAft>
+              <a:defRPr>
+                <a:solidFill>
+                  <a:schemeClr val="tx1"/>
+                </a:solidFill>
+                <a:latin typeface="Arial" panose="020B0604020202090204" pitchFamily="34" charset="0"/>
+                <a:ea typeface="ヒラギノ角ゴ Pro W3" panose="020B0300000000000000" charset="-128"/>
+              </a:defRPr>
+            </a:lvl9pPr>
+          </a:lstStyle>
+          <a:p>
+            <a:pPr marL="285750" indent="-285750" eaLnBrk="1" hangingPunct="1">
+              <a:lnSpc>
+                <a:spcPct val="120000"/>
+              </a:lnSpc>
+              <a:buFont typeface="Arial" panose="020B0604020202090204" pitchFamily="34" charset="0"/>
+              <a:buChar char="•"/>
+            </a:pPr>
+            <a:r>
+              <a:rPr lang="en-US" sz="1600" dirty="0">
+                <a:latin typeface="Inter" panose="020B0502030000000004" pitchFamily="34" charset="0"/>
+                <a:ea typeface="Inter" panose="020B0502030000000004" pitchFamily="34" charset="0"/>
+                <a:cs typeface="Inter" panose="020B0502030000000004" pitchFamily="34" charset="0"/>
+              </a:rPr>
+              <a:t>Stage1, 15 epochs, with loss weight voters_num/20, Adamw lr=0.001, cos scheduel, warmup 800 iters.</a:t>
+            </a:r>
+            <a:endParaRPr lang="en-US" sz="1600" dirty="0">
+              <a:latin typeface="Inter" panose="020B0502030000000004" pitchFamily="34" charset="0"/>
+              <a:ea typeface="Inter" panose="020B0502030000000004" pitchFamily="34" charset="0"/>
+              <a:cs typeface="Inter" panose="020B0502030000000004" pitchFamily="34" charset="0"/>
+            </a:endParaRPr>
+          </a:p>
+          <a:p>
+            <a:pPr marL="285750" indent="-285750" eaLnBrk="1" hangingPunct="1">
+              <a:lnSpc>
+                <a:spcPct val="120000"/>
+              </a:lnSpc>
+              <a:buFont typeface="Arial" panose="020B0604020202090204" pitchFamily="34" charset="0"/>
+              <a:buChar char="•"/>
+            </a:pPr>
+            <a:r>
+              <a:rPr lang="en-US" sz="1600" dirty="0">
+                <a:latin typeface="Inter" panose="020B0502030000000004" pitchFamily="34" charset="0"/>
+                <a:ea typeface="Inter" panose="020B0502030000000004" pitchFamily="34" charset="0"/>
+                <a:cs typeface="Inter" panose="020B0502030000000004" pitchFamily="34" charset="0"/>
+              </a:rPr>
+              <a:t>Stage2, 5 epoch, loss weight=1for voters_num&gt;=6 ,</a:t>
+            </a:r>
+            <a:r>
+              <a:rPr lang="en-US" sz="1600" dirty="0">
+                <a:latin typeface="Inter" panose="020B0502030000000004" pitchFamily="34" charset="0"/>
+                <a:ea typeface="Inter" panose="020B0502030000000004" pitchFamily="34" charset="0"/>
+                <a:cs typeface="Inter" panose="020B0502030000000004" pitchFamily="34" charset="0"/>
+                <a:sym typeface="+mn-ea"/>
+              </a:rPr>
+              <a:t>weight=0 for num&lt;6</a:t>
+            </a:r>
+            <a:r>
+              <a:rPr lang="en-US" sz="1600" dirty="0">
+                <a:latin typeface="Inter" panose="020B0502030000000004" pitchFamily="34" charset="0"/>
+                <a:ea typeface="Inter" panose="020B0502030000000004" pitchFamily="34" charset="0"/>
+                <a:cs typeface="Inter" panose="020B0502030000000004" pitchFamily="34" charset="0"/>
+              </a:rPr>
+              <a:t>, Adamw lr=0.0001, cos scheduel</a:t>
+            </a:r>
+            <a:endParaRPr lang="en-US" sz="1600" dirty="0">
+              <a:latin typeface="Inter" panose="020B0502030000000004" pitchFamily="34" charset="0"/>
+              <a:ea typeface="Inter" panose="020B0502030000000004" pitchFamily="34" charset="0"/>
+              <a:cs typeface="Inter" panose="020B0502030000000004" pitchFamily="34" charset="0"/>
+            </a:endParaRPr>
+          </a:p>
+          <a:p>
+            <a:pPr marL="285750" indent="-285750" eaLnBrk="1" hangingPunct="1">
+              <a:lnSpc>
+                <a:spcPct val="120000"/>
+              </a:lnSpc>
+              <a:buFont typeface="Arial" panose="020B0604020202090204" pitchFamily="34" charset="0"/>
+              <a:buChar char="•"/>
+            </a:pPr>
+            <a:r>
+              <a:rPr lang="en-US" sz="1600" dirty="0">
+                <a:latin typeface="Inter" panose="020B0502030000000004" pitchFamily="34" charset="0"/>
+                <a:ea typeface="Inter" panose="020B0502030000000004" pitchFamily="34" charset="0"/>
+                <a:cs typeface="Inter" panose="020B0502030000000004" pitchFamily="34" charset="0"/>
+              </a:rPr>
+              <a:t>Augmentation, mirror eeg, flip between left brain data and right brain data.</a:t>
+            </a:r>
+            <a:endParaRPr lang="en-US" sz="1600" dirty="0">
+              <a:latin typeface="Inter" panose="020B0502030000000004" pitchFamily="34" charset="0"/>
+              <a:ea typeface="Inter" panose="020B0502030000000004" pitchFamily="34" charset="0"/>
+              <a:cs typeface="Inter" panose="020B0502030000000004" pitchFamily="34" charset="0"/>
+            </a:endParaRPr>
+          </a:p>
+          <a:p>
+            <a:pPr marL="285750" indent="-285750" eaLnBrk="1" hangingPunct="1">
+              <a:lnSpc>
+                <a:spcPct val="120000"/>
+              </a:lnSpc>
+              <a:buFont typeface="Arial" panose="020B0604020202090204" pitchFamily="34" charset="0"/>
+              <a:buChar char="•"/>
+            </a:pPr>
+            <a:r>
+              <a:rPr lang="en-US" sz="1600" dirty="0">
+                <a:latin typeface="Inter" panose="020B0502030000000004" pitchFamily="34" charset="0"/>
+                <a:ea typeface="Inter" panose="020B0502030000000004" pitchFamily="34" charset="0"/>
+                <a:cs typeface="Inter" panose="020B0502030000000004" pitchFamily="34" charset="0"/>
+              </a:rPr>
+              <a:t>10 folds, then move 1000 samples from val to train, left 709 samples in val set. And use vote_num&gt;=6 to do validation.</a:t>
+            </a:r>
+            <a:endParaRPr lang="en-US" sz="1600" dirty="0">
+              <a:latin typeface="Inter" panose="020B0502030000000004" pitchFamily="34" charset="0"/>
+              <a:ea typeface="Inter" panose="020B0502030000000004" pitchFamily="34" charset="0"/>
+              <a:cs typeface="Inter" panose="020B0502030000000004" pitchFamily="34" charset="0"/>
+            </a:endParaRPr>
+          </a:p>
+        </p:txBody>
+      </p:sp>
+      <p:sp>
+        <p:nvSpPr>
+          <p:cNvPr id="5" name="TextBox 3"/>
+          <p:cNvSpPr txBox="1">
+            <a:spLocks noChangeArrowheads="1"/>
+          </p:cNvSpPr>
+          <p:nvPr/>
+        </p:nvSpPr>
+        <p:spPr bwMode="auto">
+          <a:xfrm>
+            <a:off x="3733800" y="4794706"/>
+            <a:ext cx="2082019" cy="215444"/>
+          </a:xfrm>
+          <a:prstGeom prst="rect">
+            <a:avLst/>
+          </a:prstGeom>
+          <a:noFill/>
+          <a:ln>
+            <a:noFill/>
+          </a:ln>
+        </p:spPr>
+        <p:txBody>
+          <a:bodyPr wrap="square">
+            <a:spAutoFit/>
+          </a:bodyPr>
+          <a:lstStyle>
+            <a:lvl1pPr eaLnBrk="0" hangingPunct="0">
+              <a:defRPr>
+                <a:solidFill>
+                  <a:schemeClr val="tx1"/>
+                </a:solidFill>
+                <a:latin typeface="Arial" panose="020B0604020202090204" pitchFamily="34" charset="0"/>
+                <a:ea typeface="ヒラギノ角ゴ Pro W3" panose="020B0300000000000000" charset="-128"/>
+              </a:defRPr>
+            </a:lvl1pPr>
+            <a:lvl2pPr marL="742950" indent="-285750" eaLnBrk="0" hangingPunct="0">
+              <a:defRPr>
+                <a:solidFill>
+                  <a:schemeClr val="tx1"/>
+                </a:solidFill>
+                <a:latin typeface="Arial" panose="020B0604020202090204" pitchFamily="34" charset="0"/>
+                <a:ea typeface="ヒラギノ角ゴ Pro W3" panose="020B0300000000000000" charset="-128"/>
+              </a:defRPr>
+            </a:lvl2pPr>
+            <a:lvl3pPr marL="1143000" indent="-228600" eaLnBrk="0" hangingPunct="0">
+              <a:defRPr>
+                <a:solidFill>
+                  <a:schemeClr val="tx1"/>
+                </a:solidFill>
+                <a:latin typeface="Arial" panose="020B0604020202090204" pitchFamily="34" charset="0"/>
+                <a:ea typeface="ヒラギノ角ゴ Pro W3" panose="020B0300000000000000" charset="-128"/>
+              </a:defRPr>
+            </a:lvl3pPr>
+            <a:lvl4pPr marL="1600200" indent="-228600" eaLnBrk="0" hangingPunct="0">
+              <a:defRPr>
+                <a:solidFill>
+                  <a:schemeClr val="tx1"/>
+                </a:solidFill>
+                <a:latin typeface="Arial" panose="020B0604020202090204" pitchFamily="34" charset="0"/>
+                <a:ea typeface="ヒラギノ角ゴ Pro W3" panose="020B0300000000000000" charset="-128"/>
+              </a:defRPr>
+            </a:lvl4pPr>
+            <a:lvl5pPr marL="2057400" indent="-228600" eaLnBrk="0" hangingPunct="0">
+              <a:defRPr>
+                <a:solidFill>
+                  <a:schemeClr val="tx1"/>
+                </a:solidFill>
+                <a:latin typeface="Arial" panose="020B0604020202090204" pitchFamily="34" charset="0"/>
+                <a:ea typeface="ヒラギノ角ゴ Pro W3" panose="020B0300000000000000" charset="-128"/>
+              </a:defRPr>
+            </a:lvl5pPr>
+            <a:lvl6pPr marL="2514600" indent="-228600" eaLnBrk="0" fontAlgn="base" hangingPunct="0">
+              <a:spcBef>
+                <a:spcPct val="0"/>
+              </a:spcBef>
+              <a:spcAft>
+                <a:spcPct val="0"/>
+              </a:spcAft>
+              <a:defRPr>
+                <a:solidFill>
+                  <a:schemeClr val="tx1"/>
+                </a:solidFill>
+                <a:latin typeface="Arial" panose="020B0604020202090204" pitchFamily="34" charset="0"/>
+                <a:ea typeface="ヒラギノ角ゴ Pro W3" panose="020B0300000000000000" charset="-128"/>
+              </a:defRPr>
+            </a:lvl6pPr>
+            <a:lvl7pPr marL="2971800" indent="-228600" eaLnBrk="0" fontAlgn="base" hangingPunct="0">
+              <a:spcBef>
+                <a:spcPct val="0"/>
+              </a:spcBef>
+              <a:spcAft>
+                <a:spcPct val="0"/>
+              </a:spcAft>
+              <a:defRPr>
+                <a:solidFill>
+                  <a:schemeClr val="tx1"/>
+                </a:solidFill>
+                <a:latin typeface="Arial" panose="020B0604020202090204" pitchFamily="34" charset="0"/>
+                <a:ea typeface="ヒラギノ角ゴ Pro W3" panose="020B0300000000000000" charset="-128"/>
+              </a:defRPr>
+            </a:lvl7pPr>
+            <a:lvl8pPr marL="3429000" indent="-228600" eaLnBrk="0" fontAlgn="base" hangingPunct="0">
+              <a:spcBef>
+                <a:spcPct val="0"/>
+              </a:spcBef>
+              <a:spcAft>
+                <a:spcPct val="0"/>
+              </a:spcAft>
+              <a:defRPr>
+                <a:solidFill>
+                  <a:schemeClr val="tx1"/>
+                </a:solidFill>
+                <a:latin typeface="Arial" panose="020B0604020202090204" pitchFamily="34" charset="0"/>
+                <a:ea typeface="ヒラギノ角ゴ Pro W3" panose="020B0300000000000000" charset="-128"/>
+              </a:defRPr>
+            </a:lvl8pPr>
+            <a:lvl9pPr marL="3886200" indent="-228600" eaLnBrk="0" fontAlgn="base" hangingPunct="0">
+              <a:spcBef>
+                <a:spcPct val="0"/>
+              </a:spcBef>
+              <a:spcAft>
+                <a:spcPct val="0"/>
+              </a:spcAft>
+              <a:defRPr>
+                <a:solidFill>
+                  <a:schemeClr val="tx1"/>
+                </a:solidFill>
+                <a:latin typeface="Arial" panose="020B0604020202090204" pitchFamily="34" charset="0"/>
+                <a:ea typeface="ヒラギノ角ゴ Pro W3" panose="020B0300000000000000" charset="-128"/>
+              </a:defRPr>
+            </a:lvl9pPr>
+          </a:lstStyle>
+          <a:p>
+            <a:pPr eaLnBrk="1" hangingPunct="1"/>
+            <a:r>
+              <a:rPr lang="en-AU" sz="800" dirty="0">
+                <a:solidFill>
+                  <a:schemeClr val="tx1">
+                    <a:lumMod val="50000"/>
+                    <a:lumOff val="50000"/>
+                  </a:schemeClr>
+                </a:solidFill>
+                <a:latin typeface="Inter" panose="020B0502030000000004" pitchFamily="34" charset="0"/>
+                <a:ea typeface="Inter" panose="020B0502030000000004" pitchFamily="34" charset="0"/>
+                <a:cs typeface="Inter" panose="020B0502030000000004" pitchFamily="34" charset="0"/>
+              </a:rPr>
+              <a:t>Kaggle Winner Presentation Template</a:t>
+            </a:r>
+            <a:endParaRPr lang="en-US" sz="800" dirty="0">
+              <a:solidFill>
+                <a:schemeClr val="tx1">
+                  <a:lumMod val="50000"/>
+                  <a:lumOff val="50000"/>
+                </a:schemeClr>
+              </a:solidFill>
+              <a:latin typeface="Inter" panose="020B0502030000000004" pitchFamily="34" charset="0"/>
+              <a:ea typeface="Inter" panose="020B0502030000000004" pitchFamily="34" charset="0"/>
+              <a:cs typeface="Inter" panose="020B0502030000000004" pitchFamily="34" charset="0"/>
+            </a:endParaRPr>
+          </a:p>
+        </p:txBody>
+      </p:sp>
+      <p:sp>
+        <p:nvSpPr>
+          <p:cNvPr id="2" name="Slide Number Placeholder 1"/>
+          <p:cNvSpPr>
+            <a:spLocks noGrp="1"/>
+          </p:cNvSpPr>
+          <p:nvPr>
+            <p:ph type="sldNum" sz="quarter" idx="4"/>
+          </p:nvPr>
+        </p:nvSpPr>
+        <p:spPr/>
+        <p:txBody>
+          <a:bodyPr/>
+          <a:lstStyle/>
+          <a:p>
+            <a:fld id="{01C92930-73F8-B348-8FEB-D0D1FCF46FBA}" type="slidenum">
+              <a:rPr lang="en-US" smtClean="0"/>
+            </a:fld>
+            <a:endParaRPr lang="en-US" dirty="0"/>
+          </a:p>
+        </p:txBody>
+      </p:sp>
+      <p:sp>
+        <p:nvSpPr>
+          <p:cNvPr id="12" name="Rectangle 11"/>
+          <p:cNvSpPr/>
+          <p:nvPr/>
+        </p:nvSpPr>
+        <p:spPr>
+          <a:xfrm>
+            <a:off x="274983" y="183874"/>
+            <a:ext cx="1812235" cy="523220"/>
+          </a:xfrm>
+          <a:prstGeom prst="rect">
+            <a:avLst/>
+          </a:prstGeom>
+        </p:spPr>
+        <p:txBody>
+          <a:bodyPr wrap="square">
+            <a:spAutoFit/>
+          </a:bodyPr>
+          <a:lstStyle/>
+          <a:p>
+            <a:r>
+              <a:rPr lang="en-US" sz="1200" b="1" dirty="0">
+                <a:latin typeface="Inter Semi" panose="020B0502030000000004" pitchFamily="34" charset="0"/>
+                <a:ea typeface="Inter Semi" panose="020B0502030000000004" pitchFamily="34" charset="0"/>
+                <a:cs typeface="Inter Semi" panose="020B0502030000000004" pitchFamily="34" charset="0"/>
+              </a:rPr>
+              <a:t>Training Methods</a:t>
+            </a:r>
+            <a:endParaRPr lang="en-US" sz="1200" b="1" dirty="0">
+              <a:latin typeface="Inter Semi" panose="020B0502030000000004" pitchFamily="34" charset="0"/>
+              <a:ea typeface="Inter Semi" panose="020B0502030000000004" pitchFamily="34" charset="0"/>
+              <a:cs typeface="Inter Semi" panose="020B0502030000000004" pitchFamily="34" charset="0"/>
+            </a:endParaRPr>
+          </a:p>
+          <a:p>
+            <a:endParaRPr lang="en-US" sz="1600" dirty="0"/>
+          </a:p>
+        </p:txBody>
+      </p:sp>
+      <p:cxnSp>
+        <p:nvCxnSpPr>
+          <p:cNvPr id="13" name="Straight Connector 12"/>
+          <p:cNvCxnSpPr/>
+          <p:nvPr/>
+        </p:nvCxnSpPr>
+        <p:spPr>
+          <a:xfrm>
+            <a:off x="304800" y="590550"/>
+            <a:ext cx="8597015" cy="0"/>
+          </a:xfrm>
+          <a:prstGeom prst="line">
+            <a:avLst/>
+          </a:prstGeom>
+          <a:ln>
+            <a:solidFill>
+              <a:srgbClr val="FAE041"/>
+            </a:solidFill>
+          </a:ln>
+          <a:effectLst/>
+        </p:spPr>
+        <p:style>
+          <a:lnRef idx="2">
+            <a:schemeClr val="accent1"/>
+          </a:lnRef>
+          <a:fillRef idx="0">
+            <a:schemeClr val="accent1"/>
+          </a:fillRef>
+          <a:effectRef idx="1">
+            <a:schemeClr val="accent1"/>
+          </a:effectRef>
+          <a:fontRef idx="minor">
+            <a:schemeClr val="tx1"/>
+          </a:fontRef>
+        </p:style>
+      </p:cxnSp>
+      <p:sp>
+        <p:nvSpPr>
+          <p:cNvPr id="4" name="Rectangle 16"/>
+          <p:cNvSpPr/>
+          <p:nvPr>
+            <p:custDataLst>
+              <p:tags r:id="rId1"/>
+            </p:custDataLst>
+          </p:nvPr>
+        </p:nvSpPr>
+        <p:spPr>
+          <a:xfrm>
+            <a:off x="274983" y="707114"/>
+            <a:ext cx="5135217" cy="337185"/>
+          </a:xfrm>
+          <a:prstGeom prst="rect">
+            <a:avLst/>
+          </a:prstGeom>
+        </p:spPr>
+        <p:txBody>
+          <a:bodyPr wrap="square">
+            <a:spAutoFit/>
+          </a:bodyPr>
+          <a:p>
+            <a:r>
+              <a:rPr lang="en-US" sz="1600" b="1" dirty="0">
+                <a:latin typeface="Inter" panose="020B0502030000000004" pitchFamily="34" charset="0"/>
+                <a:ea typeface="Inter" panose="020B0502030000000004" pitchFamily="34" charset="0"/>
+                <a:cs typeface="Inter" panose="020B0502030000000004" pitchFamily="34" charset="0"/>
+              </a:rPr>
+              <a:t>trainning</a:t>
+            </a:r>
+            <a:endParaRPr lang="en-US" sz="1600" b="1" dirty="0">
+              <a:latin typeface="Inter" panose="020B0502030000000004" pitchFamily="34" charset="0"/>
+              <a:ea typeface="Inter" panose="020B0502030000000004" pitchFamily="34" charset="0"/>
+              <a:cs typeface="Inter" panose="020B0502030000000004" pitchFamily="34" charset="0"/>
+            </a:endParaRPr>
+          </a:p>
+        </p:txBody>
+      </p:sp>
+    </p:spTree>
+  </p:cSld>
+  <p:clrMapOvr>
+    <a:masterClrMapping/>
+  </p:clrMapOvr>
+  <mc:AlternateContent xmlns:mc="http://schemas.openxmlformats.org/markup-compatibility/2006">
+    <mc:Choice xmlns:p14="http://schemas.microsoft.com/office/powerpoint/2010/main" Requires="p14">
+      <p:transition p14:dur="10"/>
+    </mc:Choice>
+    <mc:Fallback>
+      <p:transition/>
+    </mc:Fallback>
+  </mc:AlternateContent>
+</p:sld>
+</file>
+
+<file path=ppt/slides/slide22.xml><?xml version="1.0" encoding="utf-8"?>
+<p:sld xmlns:a="http://schemas.openxmlformats.org/drawingml/2006/main" xmlns:r="http://schemas.openxmlformats.org/officeDocument/2006/relationships" xmlns:p="http://schemas.openxmlformats.org/presentationml/2006/main">
+  <p:cSld>
+    <p:spTree>
+      <p:nvGrpSpPr>
+        <p:cNvPr id="1" name=""/>
+        <p:cNvGrpSpPr/>
+        <p:nvPr/>
+      </p:nvGrpSpPr>
+      <p:grpSpPr>
+        <a:xfrm>
+          <a:off x="0" y="0"/>
+          <a:ext cx="0" cy="0"/>
+          <a:chOff x="0" y="0"/>
+          <a:chExt cx="0" cy="0"/>
+        </a:xfrm>
+      </p:grpSpPr>
+      <p:sp>
+        <p:nvSpPr>
+          <p:cNvPr id="6" name="TextBox 3"/>
+          <p:cNvSpPr txBox="1">
+            <a:spLocks noChangeArrowheads="1"/>
+          </p:cNvSpPr>
+          <p:nvPr/>
+        </p:nvSpPr>
+        <p:spPr bwMode="auto">
+          <a:xfrm>
+            <a:off x="914400" y="1123950"/>
+            <a:ext cx="7591425" cy="1565910"/>
+          </a:xfrm>
+          <a:prstGeom prst="rect">
+            <a:avLst/>
+          </a:prstGeom>
+          <a:noFill/>
+          <a:ln>
+            <a:noFill/>
+          </a:ln>
+        </p:spPr>
+        <p:txBody>
+          <a:bodyPr wrap="square">
+            <a:spAutoFit/>
+          </a:bodyPr>
+          <a:lstStyle>
+            <a:lvl1pPr eaLnBrk="0" hangingPunct="0">
+              <a:defRPr>
+                <a:solidFill>
+                  <a:schemeClr val="tx1"/>
+                </a:solidFill>
+                <a:latin typeface="Arial" panose="020B0604020202090204" pitchFamily="34" charset="0"/>
+                <a:ea typeface="ヒラギノ角ゴ Pro W3" panose="020B0300000000000000" charset="-128"/>
+              </a:defRPr>
+            </a:lvl1pPr>
+            <a:lvl2pPr marL="742950" indent="-285750" eaLnBrk="0" hangingPunct="0">
+              <a:defRPr>
+                <a:solidFill>
+                  <a:schemeClr val="tx1"/>
+                </a:solidFill>
+                <a:latin typeface="Arial" panose="020B0604020202090204" pitchFamily="34" charset="0"/>
+                <a:ea typeface="ヒラギノ角ゴ Pro W3" panose="020B0300000000000000" charset="-128"/>
+              </a:defRPr>
+            </a:lvl2pPr>
+            <a:lvl3pPr marL="1143000" indent="-228600" eaLnBrk="0" hangingPunct="0">
+              <a:defRPr>
+                <a:solidFill>
+                  <a:schemeClr val="tx1"/>
+                </a:solidFill>
+                <a:latin typeface="Arial" panose="020B0604020202090204" pitchFamily="34" charset="0"/>
+                <a:ea typeface="ヒラギノ角ゴ Pro W3" panose="020B0300000000000000" charset="-128"/>
+              </a:defRPr>
+            </a:lvl3pPr>
+            <a:lvl4pPr marL="1600200" indent="-228600" eaLnBrk="0" hangingPunct="0">
+              <a:defRPr>
+                <a:solidFill>
+                  <a:schemeClr val="tx1"/>
+                </a:solidFill>
+                <a:latin typeface="Arial" panose="020B0604020202090204" pitchFamily="34" charset="0"/>
+                <a:ea typeface="ヒラギノ角ゴ Pro W3" panose="020B0300000000000000" charset="-128"/>
+              </a:defRPr>
+            </a:lvl4pPr>
+            <a:lvl5pPr marL="2057400" indent="-228600" eaLnBrk="0" hangingPunct="0">
+              <a:defRPr>
+                <a:solidFill>
+                  <a:schemeClr val="tx1"/>
+                </a:solidFill>
+                <a:latin typeface="Arial" panose="020B0604020202090204" pitchFamily="34" charset="0"/>
+                <a:ea typeface="ヒラギノ角ゴ Pro W3" panose="020B0300000000000000" charset="-128"/>
+              </a:defRPr>
+            </a:lvl5pPr>
+            <a:lvl6pPr marL="2514600" indent="-228600" eaLnBrk="0" fontAlgn="base" hangingPunct="0">
+              <a:spcBef>
+                <a:spcPct val="0"/>
+              </a:spcBef>
+              <a:spcAft>
+                <a:spcPct val="0"/>
+              </a:spcAft>
+              <a:defRPr>
+                <a:solidFill>
+                  <a:schemeClr val="tx1"/>
+                </a:solidFill>
+                <a:latin typeface="Arial" panose="020B0604020202090204" pitchFamily="34" charset="0"/>
+                <a:ea typeface="ヒラギノ角ゴ Pro W3" panose="020B0300000000000000" charset="-128"/>
+              </a:defRPr>
+            </a:lvl6pPr>
+            <a:lvl7pPr marL="2971800" indent="-228600" eaLnBrk="0" fontAlgn="base" hangingPunct="0">
+              <a:spcBef>
+                <a:spcPct val="0"/>
+              </a:spcBef>
+              <a:spcAft>
+                <a:spcPct val="0"/>
+              </a:spcAft>
+              <a:defRPr>
+                <a:solidFill>
+                  <a:schemeClr val="tx1"/>
+                </a:solidFill>
+                <a:latin typeface="Arial" panose="020B0604020202090204" pitchFamily="34" charset="0"/>
+                <a:ea typeface="ヒラギノ角ゴ Pro W3" panose="020B0300000000000000" charset="-128"/>
+              </a:defRPr>
+            </a:lvl7pPr>
+            <a:lvl8pPr marL="3429000" indent="-228600" eaLnBrk="0" fontAlgn="base" hangingPunct="0">
+              <a:spcBef>
+                <a:spcPct val="0"/>
+              </a:spcBef>
+              <a:spcAft>
+                <a:spcPct val="0"/>
+              </a:spcAft>
+              <a:defRPr>
+                <a:solidFill>
+                  <a:schemeClr val="tx1"/>
+                </a:solidFill>
+                <a:latin typeface="Arial" panose="020B0604020202090204" pitchFamily="34" charset="0"/>
+                <a:ea typeface="ヒラギノ角ゴ Pro W3" panose="020B0300000000000000" charset="-128"/>
+              </a:defRPr>
+            </a:lvl8pPr>
+            <a:lvl9pPr marL="3886200" indent="-228600" eaLnBrk="0" fontAlgn="base" hangingPunct="0">
+              <a:spcBef>
+                <a:spcPct val="0"/>
+              </a:spcBef>
+              <a:spcAft>
+                <a:spcPct val="0"/>
+              </a:spcAft>
+              <a:defRPr>
+                <a:solidFill>
+                  <a:schemeClr val="tx1"/>
+                </a:solidFill>
+                <a:latin typeface="Arial" panose="020B0604020202090204" pitchFamily="34" charset="0"/>
+                <a:ea typeface="ヒラギノ角ゴ Pro W3" panose="020B0300000000000000" charset="-128"/>
+              </a:defRPr>
+            </a:lvl9pPr>
+          </a:lstStyle>
+          <a:p>
+            <a:pPr marL="285750" indent="-285750" eaLnBrk="1" hangingPunct="1">
+              <a:lnSpc>
+                <a:spcPct val="120000"/>
+              </a:lnSpc>
+              <a:buFont typeface="Arial" panose="020B0604020202090204" pitchFamily="34" charset="0"/>
+              <a:buChar char="•"/>
+            </a:pPr>
+            <a:r>
+              <a:rPr lang="en-US" sz="1600" dirty="0">
+                <a:latin typeface="Inter" panose="020B0502030000000004" pitchFamily="34" charset="0"/>
+                <a:ea typeface="Inter" panose="020B0502030000000004" pitchFamily="34" charset="0"/>
+                <a:cs typeface="Inter" panose="020B0502030000000004" pitchFamily="34" charset="0"/>
+              </a:rPr>
+              <a:t>other type of lead</a:t>
+            </a:r>
+            <a:endParaRPr lang="en-US" sz="1600" dirty="0">
+              <a:latin typeface="Inter" panose="020B0502030000000004" pitchFamily="34" charset="0"/>
+              <a:ea typeface="Inter" panose="020B0502030000000004" pitchFamily="34" charset="0"/>
+              <a:cs typeface="Inter" panose="020B0502030000000004" pitchFamily="34" charset="0"/>
+            </a:endParaRPr>
+          </a:p>
+          <a:p>
+            <a:pPr marL="285750" indent="-285750" eaLnBrk="1" hangingPunct="1">
+              <a:lnSpc>
+                <a:spcPct val="120000"/>
+              </a:lnSpc>
+              <a:buFont typeface="Arial" panose="020B0604020202090204" pitchFamily="34" charset="0"/>
+              <a:buChar char="•"/>
+            </a:pPr>
+            <a:r>
+              <a:rPr lang="en-US" sz="1600" dirty="0">
+                <a:latin typeface="Inter" panose="020B0502030000000004" pitchFamily="34" charset="0"/>
+                <a:ea typeface="Inter" panose="020B0502030000000004" pitchFamily="34" charset="0"/>
+                <a:cs typeface="Inter" panose="020B0502030000000004" pitchFamily="34" charset="0"/>
+              </a:rPr>
+              <a:t>raw signal without any process</a:t>
+            </a:r>
+            <a:endParaRPr lang="en-US" sz="1600" dirty="0">
+              <a:latin typeface="Inter" panose="020B0502030000000004" pitchFamily="34" charset="0"/>
+              <a:ea typeface="Inter" panose="020B0502030000000004" pitchFamily="34" charset="0"/>
+              <a:cs typeface="Inter" panose="020B0502030000000004" pitchFamily="34" charset="0"/>
+            </a:endParaRPr>
+          </a:p>
+          <a:p>
+            <a:pPr marL="285750" indent="-285750" eaLnBrk="1" hangingPunct="1">
+              <a:lnSpc>
+                <a:spcPct val="120000"/>
+              </a:lnSpc>
+              <a:buFont typeface="Arial" panose="020B0604020202090204" pitchFamily="34" charset="0"/>
+              <a:buChar char="•"/>
+            </a:pPr>
+            <a:r>
+              <a:rPr lang="en-US" sz="1600" dirty="0">
+                <a:latin typeface="Inter" panose="020B0502030000000004" pitchFamily="34" charset="0"/>
+                <a:ea typeface="Inter" panose="020B0502030000000004" pitchFamily="34" charset="0"/>
+                <a:cs typeface="Inter" panose="020B0502030000000004" pitchFamily="34" charset="0"/>
+              </a:rPr>
+              <a:t>different filter, for example, 0-70hz, 0.5-40hz</a:t>
+            </a:r>
+            <a:endParaRPr lang="en-US" sz="1600" dirty="0">
+              <a:latin typeface="Inter" panose="020B0502030000000004" pitchFamily="34" charset="0"/>
+              <a:ea typeface="Inter" panose="020B0502030000000004" pitchFamily="34" charset="0"/>
+              <a:cs typeface="Inter" panose="020B0502030000000004" pitchFamily="34" charset="0"/>
+            </a:endParaRPr>
+          </a:p>
+          <a:p>
+            <a:pPr marL="285750" indent="-285750" eaLnBrk="1" hangingPunct="1">
+              <a:lnSpc>
+                <a:spcPct val="120000"/>
+              </a:lnSpc>
+              <a:buFont typeface="Arial" panose="020B0604020202090204" pitchFamily="34" charset="0"/>
+              <a:buChar char="•"/>
+            </a:pPr>
+            <a:r>
+              <a:rPr lang="en-US" sz="1600" dirty="0">
+                <a:latin typeface="Inter" panose="020B0502030000000004" pitchFamily="34" charset="0"/>
+                <a:ea typeface="Inter" panose="020B0502030000000004" pitchFamily="34" charset="0"/>
+                <a:cs typeface="Inter" panose="020B0502030000000004" pitchFamily="34" charset="0"/>
+              </a:rPr>
+              <a:t>random scale in amplitude.</a:t>
+            </a:r>
+            <a:endParaRPr lang="en-US" sz="1600" dirty="0">
+              <a:latin typeface="Inter" panose="020B0502030000000004" pitchFamily="34" charset="0"/>
+              <a:ea typeface="Inter" panose="020B0502030000000004" pitchFamily="34" charset="0"/>
+              <a:cs typeface="Inter" panose="020B0502030000000004" pitchFamily="34" charset="0"/>
+            </a:endParaRPr>
+          </a:p>
+          <a:p>
+            <a:pPr marL="285750" indent="-285750" eaLnBrk="1" hangingPunct="1">
+              <a:lnSpc>
+                <a:spcPct val="120000"/>
+              </a:lnSpc>
+              <a:buFont typeface="Arial" panose="020B0604020202090204" pitchFamily="34" charset="0"/>
+              <a:buChar char="•"/>
+            </a:pPr>
+            <a:r>
+              <a:rPr lang="en-US" sz="1600" dirty="0">
+                <a:latin typeface="Inter" panose="020B0502030000000004" pitchFamily="34" charset="0"/>
+                <a:ea typeface="Inter" panose="020B0502030000000004" pitchFamily="34" charset="0"/>
+                <a:cs typeface="Inter" panose="020B0502030000000004" pitchFamily="34" charset="0"/>
+              </a:rPr>
+              <a:t>random droup some channel</a:t>
+            </a:r>
+            <a:endParaRPr lang="en-US" sz="1600" dirty="0">
+              <a:latin typeface="Inter" panose="020B0502030000000004" pitchFamily="34" charset="0"/>
+              <a:ea typeface="Inter" panose="020B0502030000000004" pitchFamily="34" charset="0"/>
+              <a:cs typeface="Inter" panose="020B0502030000000004" pitchFamily="34" charset="0"/>
+            </a:endParaRPr>
+          </a:p>
+        </p:txBody>
+      </p:sp>
+      <p:sp>
+        <p:nvSpPr>
+          <p:cNvPr id="5" name="TextBox 3"/>
+          <p:cNvSpPr txBox="1">
+            <a:spLocks noChangeArrowheads="1"/>
+          </p:cNvSpPr>
+          <p:nvPr/>
+        </p:nvSpPr>
+        <p:spPr bwMode="auto">
+          <a:xfrm>
+            <a:off x="3733800" y="4794706"/>
+            <a:ext cx="2082019" cy="215444"/>
+          </a:xfrm>
+          <a:prstGeom prst="rect">
+            <a:avLst/>
+          </a:prstGeom>
+          <a:noFill/>
+          <a:ln>
+            <a:noFill/>
+          </a:ln>
+        </p:spPr>
+        <p:txBody>
+          <a:bodyPr wrap="square">
+            <a:spAutoFit/>
+          </a:bodyPr>
+          <a:lstStyle>
+            <a:lvl1pPr eaLnBrk="0" hangingPunct="0">
+              <a:defRPr>
+                <a:solidFill>
+                  <a:schemeClr val="tx1"/>
+                </a:solidFill>
+                <a:latin typeface="Arial" panose="020B0604020202090204" pitchFamily="34" charset="0"/>
+                <a:ea typeface="ヒラギノ角ゴ Pro W3" panose="020B0300000000000000" charset="-128"/>
+              </a:defRPr>
+            </a:lvl1pPr>
+            <a:lvl2pPr marL="742950" indent="-285750" eaLnBrk="0" hangingPunct="0">
+              <a:defRPr>
+                <a:solidFill>
+                  <a:schemeClr val="tx1"/>
+                </a:solidFill>
+                <a:latin typeface="Arial" panose="020B0604020202090204" pitchFamily="34" charset="0"/>
+                <a:ea typeface="ヒラギノ角ゴ Pro W3" panose="020B0300000000000000" charset="-128"/>
+              </a:defRPr>
+            </a:lvl2pPr>
+            <a:lvl3pPr marL="1143000" indent="-228600" eaLnBrk="0" hangingPunct="0">
+              <a:defRPr>
+                <a:solidFill>
+                  <a:schemeClr val="tx1"/>
+                </a:solidFill>
+                <a:latin typeface="Arial" panose="020B0604020202090204" pitchFamily="34" charset="0"/>
+                <a:ea typeface="ヒラギノ角ゴ Pro W3" panose="020B0300000000000000" charset="-128"/>
+              </a:defRPr>
+            </a:lvl3pPr>
+            <a:lvl4pPr marL="1600200" indent="-228600" eaLnBrk="0" hangingPunct="0">
+              <a:defRPr>
+                <a:solidFill>
+                  <a:schemeClr val="tx1"/>
+                </a:solidFill>
+                <a:latin typeface="Arial" panose="020B0604020202090204" pitchFamily="34" charset="0"/>
+                <a:ea typeface="ヒラギノ角ゴ Pro W3" panose="020B0300000000000000" charset="-128"/>
+              </a:defRPr>
+            </a:lvl4pPr>
+            <a:lvl5pPr marL="2057400" indent="-228600" eaLnBrk="0" hangingPunct="0">
+              <a:defRPr>
+                <a:solidFill>
+                  <a:schemeClr val="tx1"/>
+                </a:solidFill>
+                <a:latin typeface="Arial" panose="020B0604020202090204" pitchFamily="34" charset="0"/>
+                <a:ea typeface="ヒラギノ角ゴ Pro W3" panose="020B0300000000000000" charset="-128"/>
+              </a:defRPr>
+            </a:lvl5pPr>
+            <a:lvl6pPr marL="2514600" indent="-228600" eaLnBrk="0" fontAlgn="base" hangingPunct="0">
+              <a:spcBef>
+                <a:spcPct val="0"/>
+              </a:spcBef>
+              <a:spcAft>
+                <a:spcPct val="0"/>
+              </a:spcAft>
+              <a:defRPr>
+                <a:solidFill>
+                  <a:schemeClr val="tx1"/>
+                </a:solidFill>
+                <a:latin typeface="Arial" panose="020B0604020202090204" pitchFamily="34" charset="0"/>
+                <a:ea typeface="ヒラギノ角ゴ Pro W3" panose="020B0300000000000000" charset="-128"/>
+              </a:defRPr>
+            </a:lvl6pPr>
+            <a:lvl7pPr marL="2971800" indent="-228600" eaLnBrk="0" fontAlgn="base" hangingPunct="0">
+              <a:spcBef>
+                <a:spcPct val="0"/>
+              </a:spcBef>
+              <a:spcAft>
+                <a:spcPct val="0"/>
+              </a:spcAft>
+              <a:defRPr>
+                <a:solidFill>
+                  <a:schemeClr val="tx1"/>
+                </a:solidFill>
+                <a:latin typeface="Arial" panose="020B0604020202090204" pitchFamily="34" charset="0"/>
+                <a:ea typeface="ヒラギノ角ゴ Pro W3" panose="020B0300000000000000" charset="-128"/>
+              </a:defRPr>
+            </a:lvl7pPr>
+            <a:lvl8pPr marL="3429000" indent="-228600" eaLnBrk="0" fontAlgn="base" hangingPunct="0">
+              <a:spcBef>
+                <a:spcPct val="0"/>
+              </a:spcBef>
+              <a:spcAft>
+                <a:spcPct val="0"/>
+              </a:spcAft>
+              <a:defRPr>
+                <a:solidFill>
+                  <a:schemeClr val="tx1"/>
+                </a:solidFill>
+                <a:latin typeface="Arial" panose="020B0604020202090204" pitchFamily="34" charset="0"/>
+                <a:ea typeface="ヒラギノ角ゴ Pro W3" panose="020B0300000000000000" charset="-128"/>
+              </a:defRPr>
+            </a:lvl8pPr>
+            <a:lvl9pPr marL="3886200" indent="-228600" eaLnBrk="0" fontAlgn="base" hangingPunct="0">
+              <a:spcBef>
+                <a:spcPct val="0"/>
+              </a:spcBef>
+              <a:spcAft>
+                <a:spcPct val="0"/>
+              </a:spcAft>
+              <a:defRPr>
+                <a:solidFill>
+                  <a:schemeClr val="tx1"/>
+                </a:solidFill>
+                <a:latin typeface="Arial" panose="020B0604020202090204" pitchFamily="34" charset="0"/>
+                <a:ea typeface="ヒラギノ角ゴ Pro W3" panose="020B0300000000000000" charset="-128"/>
+              </a:defRPr>
+            </a:lvl9pPr>
+          </a:lstStyle>
+          <a:p>
+            <a:pPr eaLnBrk="1" hangingPunct="1"/>
+            <a:r>
+              <a:rPr lang="en-AU" sz="800" dirty="0">
+                <a:solidFill>
+                  <a:schemeClr val="tx1">
+                    <a:lumMod val="50000"/>
+                    <a:lumOff val="50000"/>
+                  </a:schemeClr>
+                </a:solidFill>
+                <a:latin typeface="Inter" panose="020B0502030000000004" pitchFamily="34" charset="0"/>
+                <a:ea typeface="Inter" panose="020B0502030000000004" pitchFamily="34" charset="0"/>
+                <a:cs typeface="Inter" panose="020B0502030000000004" pitchFamily="34" charset="0"/>
+              </a:rPr>
+              <a:t>Kaggle Winner Presentation Template</a:t>
+            </a:r>
+            <a:endParaRPr lang="en-US" sz="800" dirty="0">
+              <a:solidFill>
+                <a:schemeClr val="tx1">
+                  <a:lumMod val="50000"/>
+                  <a:lumOff val="50000"/>
+                </a:schemeClr>
+              </a:solidFill>
+              <a:latin typeface="Inter" panose="020B0502030000000004" pitchFamily="34" charset="0"/>
+              <a:ea typeface="Inter" panose="020B0502030000000004" pitchFamily="34" charset="0"/>
+              <a:cs typeface="Inter" panose="020B0502030000000004" pitchFamily="34" charset="0"/>
+            </a:endParaRPr>
+          </a:p>
+        </p:txBody>
+      </p:sp>
+      <p:sp>
+        <p:nvSpPr>
+          <p:cNvPr id="2" name="Slide Number Placeholder 1"/>
+          <p:cNvSpPr>
+            <a:spLocks noGrp="1"/>
+          </p:cNvSpPr>
+          <p:nvPr>
+            <p:ph type="sldNum" sz="quarter" idx="4"/>
+          </p:nvPr>
+        </p:nvSpPr>
+        <p:spPr/>
+        <p:txBody>
+          <a:bodyPr/>
+          <a:lstStyle/>
+          <a:p>
+            <a:fld id="{01C92930-73F8-B348-8FEB-D0D1FCF46FBA}" type="slidenum">
+              <a:rPr lang="en-US" smtClean="0"/>
+            </a:fld>
+            <a:endParaRPr lang="en-US" dirty="0"/>
+          </a:p>
+        </p:txBody>
+      </p:sp>
+      <p:sp>
+        <p:nvSpPr>
+          <p:cNvPr id="12" name="Rectangle 11"/>
+          <p:cNvSpPr/>
+          <p:nvPr/>
+        </p:nvSpPr>
+        <p:spPr>
+          <a:xfrm>
+            <a:off x="274983" y="183874"/>
+            <a:ext cx="1812235" cy="523220"/>
+          </a:xfrm>
+          <a:prstGeom prst="rect">
+            <a:avLst/>
+          </a:prstGeom>
+        </p:spPr>
+        <p:txBody>
+          <a:bodyPr wrap="square">
+            <a:spAutoFit/>
+          </a:bodyPr>
+          <a:lstStyle/>
+          <a:p>
+            <a:r>
+              <a:rPr lang="en-US" sz="1200" b="1" dirty="0">
+                <a:latin typeface="Inter Semi" panose="020B0502030000000004" pitchFamily="34" charset="0"/>
+                <a:ea typeface="Inter Semi" panose="020B0502030000000004" pitchFamily="34" charset="0"/>
+                <a:cs typeface="Inter Semi" panose="020B0502030000000004" pitchFamily="34" charset="0"/>
+              </a:rPr>
+              <a:t>Training Methods</a:t>
+            </a:r>
+            <a:endParaRPr lang="en-US" sz="1200" b="1" dirty="0">
+              <a:latin typeface="Inter Semi" panose="020B0502030000000004" pitchFamily="34" charset="0"/>
+              <a:ea typeface="Inter Semi" panose="020B0502030000000004" pitchFamily="34" charset="0"/>
+              <a:cs typeface="Inter Semi" panose="020B0502030000000004" pitchFamily="34" charset="0"/>
+            </a:endParaRPr>
+          </a:p>
+          <a:p>
+            <a:endParaRPr lang="en-US" sz="1600" dirty="0"/>
+          </a:p>
+        </p:txBody>
+      </p:sp>
+      <p:cxnSp>
+        <p:nvCxnSpPr>
+          <p:cNvPr id="13" name="Straight Connector 12"/>
+          <p:cNvCxnSpPr/>
+          <p:nvPr/>
+        </p:nvCxnSpPr>
+        <p:spPr>
+          <a:xfrm>
+            <a:off x="304800" y="590550"/>
+            <a:ext cx="8597015" cy="0"/>
+          </a:xfrm>
+          <a:prstGeom prst="line">
+            <a:avLst/>
+          </a:prstGeom>
+          <a:ln>
+            <a:solidFill>
+              <a:srgbClr val="FAE041"/>
+            </a:solidFill>
+          </a:ln>
+          <a:effectLst/>
+        </p:spPr>
+        <p:style>
+          <a:lnRef idx="2">
+            <a:schemeClr val="accent1"/>
+          </a:lnRef>
+          <a:fillRef idx="0">
+            <a:schemeClr val="accent1"/>
+          </a:fillRef>
+          <a:effectRef idx="1">
+            <a:schemeClr val="accent1"/>
+          </a:effectRef>
+          <a:fontRef idx="minor">
+            <a:schemeClr val="tx1"/>
+          </a:fontRef>
+        </p:style>
+      </p:cxnSp>
+      <p:sp>
+        <p:nvSpPr>
+          <p:cNvPr id="4" name="Rectangle 16"/>
+          <p:cNvSpPr/>
+          <p:nvPr>
+            <p:custDataLst>
+              <p:tags r:id="rId1"/>
+            </p:custDataLst>
+          </p:nvPr>
+        </p:nvSpPr>
+        <p:spPr>
+          <a:xfrm>
+            <a:off x="274983" y="707114"/>
+            <a:ext cx="5135217" cy="337185"/>
+          </a:xfrm>
+          <a:prstGeom prst="rect">
+            <a:avLst/>
+          </a:prstGeom>
+        </p:spPr>
+        <p:txBody>
+          <a:bodyPr wrap="square">
+            <a:spAutoFit/>
+          </a:bodyPr>
+          <a:p>
+            <a:r>
+              <a:rPr lang="en-US" sz="1600" b="1" dirty="0">
+                <a:latin typeface="Inter" panose="020B0502030000000004" pitchFamily="34" charset="0"/>
+                <a:ea typeface="Inter" panose="020B0502030000000004" pitchFamily="34" charset="0"/>
+                <a:cs typeface="Inter" panose="020B0502030000000004" pitchFamily="34" charset="0"/>
+              </a:rPr>
+              <a:t>Things tried but not work</a:t>
+            </a:r>
+            <a:endParaRPr lang="en-US" sz="1600" b="1" dirty="0">
+              <a:latin typeface="Inter" panose="020B0502030000000004" pitchFamily="34" charset="0"/>
+              <a:ea typeface="Inter" panose="020B0502030000000004" pitchFamily="34" charset="0"/>
+              <a:cs typeface="Inter" panose="020B0502030000000004" pitchFamily="34" charset="0"/>
+            </a:endParaRPr>
+          </a:p>
+        </p:txBody>
+      </p:sp>
+    </p:spTree>
+  </p:cSld>
+  <p:clrMapOvr>
+    <a:masterClrMapping/>
+  </p:clrMapOvr>
+  <mc:AlternateContent xmlns:mc="http://schemas.openxmlformats.org/markup-compatibility/2006">
+    <mc:Choice xmlns:p14="http://schemas.microsoft.com/office/powerpoint/2010/main" Requires="p14">
+      <p:transition p14:dur="10"/>
+    </mc:Choice>
+    <mc:Fallback>
+      <p:transition/>
+    </mc:Fallback>
+  </mc:AlternateContent>
+</p:sld>
+</file>
+
+<file path=ppt/slides/slide23.xml><?xml version="1.0" encoding="utf-8"?>
+<p:sld xmlns:a="http://schemas.openxmlformats.org/drawingml/2006/main" xmlns:r="http://schemas.openxmlformats.org/officeDocument/2006/relationships" xmlns:p="http://schemas.openxmlformats.org/presentationml/2006/main">
+  <p:cSld>
+    <p:spTree>
+      <p:nvGrpSpPr>
+        <p:cNvPr id="1" name=""/>
+        <p:cNvGrpSpPr/>
+        <p:nvPr/>
+      </p:nvGrpSpPr>
+      <p:grpSpPr>
+        <a:xfrm>
+          <a:off x="0" y="0"/>
+          <a:ext cx="0" cy="0"/>
+          <a:chOff x="0" y="0"/>
+          <a:chExt cx="0" cy="0"/>
+        </a:xfrm>
+      </p:grpSpPr>
+      <p:sp>
+        <p:nvSpPr>
+          <p:cNvPr id="2" name="Slide Number Placeholder 1"/>
+          <p:cNvSpPr>
+            <a:spLocks noGrp="1"/>
+          </p:cNvSpPr>
+          <p:nvPr>
+            <p:ph type="sldNum" sz="quarter" idx="4"/>
+          </p:nvPr>
+        </p:nvSpPr>
+        <p:spPr/>
+        <p:txBody>
+          <a:bodyPr/>
+          <a:lstStyle/>
+          <a:p>
+            <a:fld id="{01C92930-73F8-B348-8FEB-D0D1FCF46FBA}" type="slidenum">
+              <a:rPr lang="en-US" smtClean="0"/>
+            </a:fld>
+            <a:endParaRPr lang="en-US" dirty="0"/>
+          </a:p>
+        </p:txBody>
+      </p:sp>
+      <p:sp>
+        <p:nvSpPr>
+          <p:cNvPr id="10" name="Rectangle 9"/>
+          <p:cNvSpPr/>
+          <p:nvPr/>
+        </p:nvSpPr>
+        <p:spPr>
+          <a:xfrm rot="5400000" flipH="1">
+            <a:off x="2173747" y="-2493504"/>
+            <a:ext cx="4657358" cy="9587949"/>
+          </a:xfrm>
+          <a:prstGeom prst="rect">
+            <a:avLst/>
+          </a:prstGeom>
+          <a:solidFill>
+            <a:srgbClr val="3CBEEC">
+              <a:alpha val="7843"/>
+            </a:srgbClr>
+          </a:solidFill>
+          <a:ln w="12700" cmpd="sng">
+            <a:noFill/>
+          </a:ln>
+          <a:effectLst/>
+        </p:spPr>
+        <p:style>
+          <a:lnRef idx="2">
+            <a:schemeClr val="accent1"/>
+          </a:lnRef>
+          <a:fillRef idx="0">
+            <a:schemeClr val="accent1"/>
+          </a:fillRef>
+          <a:effectRef idx="1">
+            <a:schemeClr val="accent1"/>
+          </a:effectRef>
+          <a:fontRef idx="minor">
+            <a:schemeClr val="tx1"/>
+          </a:fontRef>
+        </p:style>
+        <p:txBody>
+          <a:bodyPr rtlCol="0" anchor="ctr"/>
+          <a:lstStyle/>
+          <a:p>
+            <a:pPr algn="ctr"/>
+            <a:endParaRPr lang="en-US" dirty="0">
+              <a:solidFill>
+                <a:srgbClr val="FAE041"/>
+              </a:solidFill>
+              <a:latin typeface="Open Sans"/>
+              <a:cs typeface="Open Sans"/>
+            </a:endParaRPr>
+          </a:p>
+        </p:txBody>
+      </p:sp>
+      <p:sp>
+        <p:nvSpPr>
+          <p:cNvPr id="6" name="TextBox 3"/>
+          <p:cNvSpPr txBox="1">
+            <a:spLocks noChangeArrowheads="1"/>
+          </p:cNvSpPr>
+          <p:nvPr/>
+        </p:nvSpPr>
+        <p:spPr bwMode="auto">
+          <a:xfrm>
+            <a:off x="2541799" y="1484862"/>
+            <a:ext cx="3921254" cy="1631216"/>
+          </a:xfrm>
+          <a:prstGeom prst="rect">
+            <a:avLst/>
+          </a:prstGeom>
+          <a:noFill/>
+          <a:ln>
+            <a:noFill/>
+          </a:ln>
+        </p:spPr>
+        <p:txBody>
+          <a:bodyPr wrap="square">
+            <a:spAutoFit/>
+          </a:bodyPr>
+          <a:lstStyle>
+            <a:lvl1pPr eaLnBrk="0" hangingPunct="0">
+              <a:defRPr>
+                <a:solidFill>
+                  <a:schemeClr val="tx1"/>
+                </a:solidFill>
+                <a:latin typeface="Arial" panose="020B0604020202090204" pitchFamily="34" charset="0"/>
+                <a:ea typeface="ヒラギノ角ゴ Pro W3" panose="020B0300000000000000" charset="-128"/>
+              </a:defRPr>
+            </a:lvl1pPr>
+            <a:lvl2pPr marL="742950" indent="-285750" eaLnBrk="0" hangingPunct="0">
+              <a:defRPr>
+                <a:solidFill>
+                  <a:schemeClr val="tx1"/>
+                </a:solidFill>
+                <a:latin typeface="Arial" panose="020B0604020202090204" pitchFamily="34" charset="0"/>
+                <a:ea typeface="ヒラギノ角ゴ Pro W3" panose="020B0300000000000000" charset="-128"/>
+              </a:defRPr>
+            </a:lvl2pPr>
+            <a:lvl3pPr marL="1143000" indent="-228600" eaLnBrk="0" hangingPunct="0">
+              <a:defRPr>
+                <a:solidFill>
+                  <a:schemeClr val="tx1"/>
+                </a:solidFill>
+                <a:latin typeface="Arial" panose="020B0604020202090204" pitchFamily="34" charset="0"/>
+                <a:ea typeface="ヒラギノ角ゴ Pro W3" panose="020B0300000000000000" charset="-128"/>
+              </a:defRPr>
+            </a:lvl3pPr>
+            <a:lvl4pPr marL="1600200" indent="-228600" eaLnBrk="0" hangingPunct="0">
+              <a:defRPr>
+                <a:solidFill>
+                  <a:schemeClr val="tx1"/>
+                </a:solidFill>
+                <a:latin typeface="Arial" panose="020B0604020202090204" pitchFamily="34" charset="0"/>
+                <a:ea typeface="ヒラギノ角ゴ Pro W3" panose="020B0300000000000000" charset="-128"/>
+              </a:defRPr>
+            </a:lvl4pPr>
+            <a:lvl5pPr marL="2057400" indent="-228600" eaLnBrk="0" hangingPunct="0">
+              <a:defRPr>
+                <a:solidFill>
+                  <a:schemeClr val="tx1"/>
+                </a:solidFill>
+                <a:latin typeface="Arial" panose="020B0604020202090204" pitchFamily="34" charset="0"/>
+                <a:ea typeface="ヒラギノ角ゴ Pro W3" panose="020B0300000000000000" charset="-128"/>
+              </a:defRPr>
+            </a:lvl5pPr>
+            <a:lvl6pPr marL="2514600" indent="-228600" eaLnBrk="0" fontAlgn="base" hangingPunct="0">
+              <a:spcBef>
+                <a:spcPct val="0"/>
+              </a:spcBef>
+              <a:spcAft>
+                <a:spcPct val="0"/>
+              </a:spcAft>
+              <a:defRPr>
+                <a:solidFill>
+                  <a:schemeClr val="tx1"/>
+                </a:solidFill>
+                <a:latin typeface="Arial" panose="020B0604020202090204" pitchFamily="34" charset="0"/>
+                <a:ea typeface="ヒラギノ角ゴ Pro W3" panose="020B0300000000000000" charset="-128"/>
+              </a:defRPr>
+            </a:lvl6pPr>
+            <a:lvl7pPr marL="2971800" indent="-228600" eaLnBrk="0" fontAlgn="base" hangingPunct="0">
+              <a:spcBef>
+                <a:spcPct val="0"/>
+              </a:spcBef>
+              <a:spcAft>
+                <a:spcPct val="0"/>
+              </a:spcAft>
+              <a:defRPr>
+                <a:solidFill>
+                  <a:schemeClr val="tx1"/>
+                </a:solidFill>
+                <a:latin typeface="Arial" panose="020B0604020202090204" pitchFamily="34" charset="0"/>
+                <a:ea typeface="ヒラギノ角ゴ Pro W3" panose="020B0300000000000000" charset="-128"/>
+              </a:defRPr>
+            </a:lvl7pPr>
+            <a:lvl8pPr marL="3429000" indent="-228600" eaLnBrk="0" fontAlgn="base" hangingPunct="0">
+              <a:spcBef>
+                <a:spcPct val="0"/>
+              </a:spcBef>
+              <a:spcAft>
+                <a:spcPct val="0"/>
+              </a:spcAft>
+              <a:defRPr>
+                <a:solidFill>
+                  <a:schemeClr val="tx1"/>
+                </a:solidFill>
+                <a:latin typeface="Arial" panose="020B0604020202090204" pitchFamily="34" charset="0"/>
+                <a:ea typeface="ヒラギノ角ゴ Pro W3" panose="020B0300000000000000" charset="-128"/>
+              </a:defRPr>
+            </a:lvl8pPr>
+            <a:lvl9pPr marL="3886200" indent="-228600" eaLnBrk="0" fontAlgn="base" hangingPunct="0">
+              <a:spcBef>
+                <a:spcPct val="0"/>
+              </a:spcBef>
+              <a:spcAft>
+                <a:spcPct val="0"/>
+              </a:spcAft>
+              <a:defRPr>
+                <a:solidFill>
+                  <a:schemeClr val="tx1"/>
+                </a:solidFill>
+                <a:latin typeface="Arial" panose="020B0604020202090204" pitchFamily="34" charset="0"/>
+                <a:ea typeface="ヒラギノ角ゴ Pro W3" panose="020B0300000000000000" charset="-128"/>
+              </a:defRPr>
+            </a:lvl9pPr>
+          </a:lstStyle>
+          <a:p>
+            <a:pPr algn="ctr" eaLnBrk="1" hangingPunct="1"/>
+            <a:r>
+              <a:rPr lang="en-US" sz="5000" b="1" dirty="0">
+                <a:latin typeface="Inter Semi" panose="020B0502030000000004" pitchFamily="34" charset="0"/>
+                <a:ea typeface="Inter Semi" panose="020B0502030000000004" pitchFamily="34" charset="0"/>
+                <a:cs typeface="Inter Semi" panose="020B0502030000000004" pitchFamily="34" charset="0"/>
+              </a:rPr>
+              <a:t>Question and Answer</a:t>
+            </a:r>
+            <a:endParaRPr lang="en-US" sz="5000" b="1" dirty="0">
+              <a:latin typeface="Inter Semi" panose="020B0502030000000004" pitchFamily="34" charset="0"/>
+              <a:ea typeface="Inter Semi" panose="020B0502030000000004" pitchFamily="34" charset="0"/>
+              <a:cs typeface="Inter Semi" panose="020B0502030000000004" pitchFamily="34" charset="0"/>
+            </a:endParaRPr>
+          </a:p>
+        </p:txBody>
+      </p:sp>
+    </p:spTree>
+  </p:cSld>
+  <p:clrMapOvr>
+    <a:masterClrMapping/>
+  </p:clrMapOvr>
+  <mc:AlternateContent xmlns:mc="http://schemas.openxmlformats.org/markup-compatibility/2006">
+    <mc:Choice xmlns:p14="http://schemas.microsoft.com/office/powerpoint/2010/main" Requires="p14">
+      <p:transition p14:dur="10"/>
+    </mc:Choice>
+    <mc:Fallback>
+      <p:transition/>
+    </mc:Fallback>
+  </mc:AlternateContent>
+</p:sld>
+</file>
+
+<file path=ppt/slides/slide24.xml><?xml version="1.0" encoding="utf-8"?>
 <p:sld xmlns:a="http://schemas.openxmlformats.org/drawingml/2006/main" xmlns:r="http://schemas.openxmlformats.org/officeDocument/2006/relationships" xmlns:p="http://schemas.openxmlformats.org/presentationml/2006/main">
   <p:cSld>
     <p:bg>
@@ -12866,7 +15561,7 @@
         <p:spPr bwMode="auto">
           <a:xfrm>
             <a:off x="1447800" y="1113770"/>
-            <a:ext cx="4745935" cy="2399665"/>
+            <a:ext cx="4745935" cy="3322955"/>
           </a:xfrm>
           <a:prstGeom prst="rect">
             <a:avLst/>
@@ -13023,7 +15718,7 @@
                 <a:ea typeface="Inter" panose="020B0502030000000004" pitchFamily="34" charset="0"/>
                 <a:cs typeface="Inter" panose="020B0502030000000004" pitchFamily="34" charset="0"/>
               </a:rPr>
-              <a:t>Model</a:t>
+              <a:t>Insight</a:t>
             </a:r>
             <a:endParaRPr lang="en-US" sz="2000" dirty="0">
               <a:latin typeface="Inter" panose="020B0502030000000004" pitchFamily="34" charset="0"/>
@@ -13045,7 +15740,7 @@
                 <a:ea typeface="Inter" panose="020B0502030000000004" pitchFamily="34" charset="0"/>
                 <a:cs typeface="Inter" panose="020B0502030000000004" pitchFamily="34" charset="0"/>
               </a:rPr>
-              <a:t>Training methods</a:t>
+              <a:t>Model</a:t>
             </a:r>
             <a:endParaRPr lang="en-US" sz="2000" dirty="0">
               <a:latin typeface="Inter" panose="020B0502030000000004" pitchFamily="34" charset="0"/>
@@ -13066,8 +15761,53 @@
                 <a:latin typeface="Inter" panose="020B0502030000000004" pitchFamily="34" charset="0"/>
                 <a:ea typeface="Inter" panose="020B0502030000000004" pitchFamily="34" charset="0"/>
                 <a:cs typeface="Inter" panose="020B0502030000000004" pitchFamily="34" charset="0"/>
+                <a:sym typeface="+mn-ea"/>
               </a:rPr>
-              <a:t>Important findings</a:t>
+              <a:t>Ensemble</a:t>
+            </a:r>
+            <a:endParaRPr lang="en-US" sz="2000" dirty="0">
+              <a:latin typeface="Inter" panose="020B0502030000000004" pitchFamily="34" charset="0"/>
+              <a:ea typeface="Inter" panose="020B0502030000000004" pitchFamily="34" charset="0"/>
+              <a:cs typeface="Inter" panose="020B0502030000000004" pitchFamily="34" charset="0"/>
+            </a:endParaRPr>
+          </a:p>
+          <a:p>
+            <a:pPr marL="457200" indent="-457200" eaLnBrk="1" hangingPunct="1">
+              <a:lnSpc>
+                <a:spcPct val="150000"/>
+              </a:lnSpc>
+              <a:buFont typeface="+mj-lt"/>
+              <a:buAutoNum type="arabicPeriod"/>
+            </a:pPr>
+            <a:r>
+              <a:rPr lang="en-US" sz="2000" dirty="0">
+                <a:latin typeface="Inter" panose="020B0502030000000004" pitchFamily="34" charset="0"/>
+                <a:ea typeface="Inter" panose="020B0502030000000004" pitchFamily="34" charset="0"/>
+                <a:cs typeface="Inter" panose="020B0502030000000004" pitchFamily="34" charset="0"/>
+              </a:rPr>
+              <a:t>Training methods</a:t>
+            </a:r>
+            <a:endParaRPr lang="en-US" sz="2000" dirty="0">
+              <a:latin typeface="Inter" panose="020B0502030000000004" pitchFamily="34" charset="0"/>
+              <a:ea typeface="Inter" panose="020B0502030000000004" pitchFamily="34" charset="0"/>
+              <a:cs typeface="Inter" panose="020B0502030000000004" pitchFamily="34" charset="0"/>
+            </a:endParaRPr>
+          </a:p>
+          <a:p>
+            <a:pPr marL="457200" indent="-457200" eaLnBrk="1" hangingPunct="1">
+              <a:lnSpc>
+                <a:spcPct val="150000"/>
+              </a:lnSpc>
+              <a:buFont typeface="+mj-lt"/>
+              <a:buAutoNum type="arabicPeriod"/>
+            </a:pPr>
+            <a:r>
+              <a:rPr lang="en-US" sz="2000" dirty="0">
+                <a:latin typeface="Inter" panose="020B0502030000000004" pitchFamily="34" charset="0"/>
+                <a:ea typeface="Inter" panose="020B0502030000000004" pitchFamily="34" charset="0"/>
+                <a:cs typeface="Inter" panose="020B0502030000000004" pitchFamily="34" charset="0"/>
+              </a:rPr>
+              <a:t>Q&amp;A</a:t>
             </a:r>
             <a:endParaRPr lang="en-US" sz="2000" dirty="0">
               <a:latin typeface="Inter" panose="020B0502030000000004" pitchFamily="34" charset="0"/>
@@ -13788,7 +16528,7 @@
       </p:cxnSp>
       <p:pic>
         <p:nvPicPr>
-          <p:cNvPr id="3" name="图片 2"/>
+          <p:cNvPr id="4" name="图片 3"/>
           <p:cNvPicPr>
             <a:picLocks noChangeAspect="1"/>
           </p:cNvPicPr>
@@ -13806,8 +16546,8 @@
         </p:blipFill>
         <p:spPr>
           <a:xfrm>
-            <a:off x="3352800" y="2190750"/>
-            <a:ext cx="5269230" cy="2435225"/>
+            <a:off x="4114800" y="2190750"/>
+            <a:ext cx="4788535" cy="2377440"/>
           </a:xfrm>
           <a:prstGeom prst="rect">
             <a:avLst/>
@@ -13849,154 +16589,6 @@
       </p:grpSpPr>
       <p:sp>
         <p:nvSpPr>
-          <p:cNvPr id="5" name="TextBox 3"/>
-          <p:cNvSpPr txBox="1">
-            <a:spLocks noChangeArrowheads="1"/>
-          </p:cNvSpPr>
-          <p:nvPr/>
-        </p:nvSpPr>
-        <p:spPr bwMode="auto">
-          <a:xfrm>
-            <a:off x="1219200" y="997227"/>
-            <a:ext cx="6019800" cy="460375"/>
-          </a:xfrm>
-          <a:prstGeom prst="rect">
-            <a:avLst/>
-          </a:prstGeom>
-          <a:noFill/>
-          <a:ln>
-            <a:noFill/>
-          </a:ln>
-        </p:spPr>
-        <p:txBody>
-          <a:bodyPr wrap="square">
-            <a:spAutoFit/>
-          </a:bodyPr>
-          <a:lstStyle>
-            <a:lvl1pPr eaLnBrk="0" hangingPunct="0">
-              <a:defRPr>
-                <a:solidFill>
-                  <a:schemeClr val="tx1"/>
-                </a:solidFill>
-                <a:latin typeface="Arial" panose="020B0604020202090204" pitchFamily="34" charset="0"/>
-                <a:ea typeface="ヒラギノ角ゴ Pro W3" panose="020B0300000000000000" charset="-128"/>
-              </a:defRPr>
-            </a:lvl1pPr>
-            <a:lvl2pPr marL="742950" indent="-285750" eaLnBrk="0" hangingPunct="0">
-              <a:defRPr>
-                <a:solidFill>
-                  <a:schemeClr val="tx1"/>
-                </a:solidFill>
-                <a:latin typeface="Arial" panose="020B0604020202090204" pitchFamily="34" charset="0"/>
-                <a:ea typeface="ヒラギノ角ゴ Pro W3" panose="020B0300000000000000" charset="-128"/>
-              </a:defRPr>
-            </a:lvl2pPr>
-            <a:lvl3pPr marL="1143000" indent="-228600" eaLnBrk="0" hangingPunct="0">
-              <a:defRPr>
-                <a:solidFill>
-                  <a:schemeClr val="tx1"/>
-                </a:solidFill>
-                <a:latin typeface="Arial" panose="020B0604020202090204" pitchFamily="34" charset="0"/>
-                <a:ea typeface="ヒラギノ角ゴ Pro W3" panose="020B0300000000000000" charset="-128"/>
-              </a:defRPr>
-            </a:lvl3pPr>
-            <a:lvl4pPr marL="1600200" indent="-228600" eaLnBrk="0" hangingPunct="0">
-              <a:defRPr>
-                <a:solidFill>
-                  <a:schemeClr val="tx1"/>
-                </a:solidFill>
-                <a:latin typeface="Arial" panose="020B0604020202090204" pitchFamily="34" charset="0"/>
-                <a:ea typeface="ヒラギノ角ゴ Pro W3" panose="020B0300000000000000" charset="-128"/>
-              </a:defRPr>
-            </a:lvl4pPr>
-            <a:lvl5pPr marL="2057400" indent="-228600" eaLnBrk="0" hangingPunct="0">
-              <a:defRPr>
-                <a:solidFill>
-                  <a:schemeClr val="tx1"/>
-                </a:solidFill>
-                <a:latin typeface="Arial" panose="020B0604020202090204" pitchFamily="34" charset="0"/>
-                <a:ea typeface="ヒラギノ角ゴ Pro W3" panose="020B0300000000000000" charset="-128"/>
-              </a:defRPr>
-            </a:lvl5pPr>
-            <a:lvl6pPr marL="2514600" indent="-228600" eaLnBrk="0" fontAlgn="base" hangingPunct="0">
-              <a:spcBef>
-                <a:spcPct val="0"/>
-              </a:spcBef>
-              <a:spcAft>
-                <a:spcPct val="0"/>
-              </a:spcAft>
-              <a:defRPr>
-                <a:solidFill>
-                  <a:schemeClr val="tx1"/>
-                </a:solidFill>
-                <a:latin typeface="Arial" panose="020B0604020202090204" pitchFamily="34" charset="0"/>
-                <a:ea typeface="ヒラギノ角ゴ Pro W3" panose="020B0300000000000000" charset="-128"/>
-              </a:defRPr>
-            </a:lvl6pPr>
-            <a:lvl7pPr marL="2971800" indent="-228600" eaLnBrk="0" fontAlgn="base" hangingPunct="0">
-              <a:spcBef>
-                <a:spcPct val="0"/>
-              </a:spcBef>
-              <a:spcAft>
-                <a:spcPct val="0"/>
-              </a:spcAft>
-              <a:defRPr>
-                <a:solidFill>
-                  <a:schemeClr val="tx1"/>
-                </a:solidFill>
-                <a:latin typeface="Arial" panose="020B0604020202090204" pitchFamily="34" charset="0"/>
-                <a:ea typeface="ヒラギノ角ゴ Pro W3" panose="020B0300000000000000" charset="-128"/>
-              </a:defRPr>
-            </a:lvl7pPr>
-            <a:lvl8pPr marL="3429000" indent="-228600" eaLnBrk="0" fontAlgn="base" hangingPunct="0">
-              <a:spcBef>
-                <a:spcPct val="0"/>
-              </a:spcBef>
-              <a:spcAft>
-                <a:spcPct val="0"/>
-              </a:spcAft>
-              <a:defRPr>
-                <a:solidFill>
-                  <a:schemeClr val="tx1"/>
-                </a:solidFill>
-                <a:latin typeface="Arial" panose="020B0604020202090204" pitchFamily="34" charset="0"/>
-                <a:ea typeface="ヒラギノ角ゴ Pro W3" panose="020B0300000000000000" charset="-128"/>
-              </a:defRPr>
-            </a:lvl8pPr>
-            <a:lvl9pPr marL="3886200" indent="-228600" eaLnBrk="0" fontAlgn="base" hangingPunct="0">
-              <a:spcBef>
-                <a:spcPct val="0"/>
-              </a:spcBef>
-              <a:spcAft>
-                <a:spcPct val="0"/>
-              </a:spcAft>
-              <a:defRPr>
-                <a:solidFill>
-                  <a:schemeClr val="tx1"/>
-                </a:solidFill>
-                <a:latin typeface="Arial" panose="020B0604020202090204" pitchFamily="34" charset="0"/>
-                <a:ea typeface="ヒラギノ角ゴ Pro W3" panose="020B0300000000000000" charset="-128"/>
-              </a:defRPr>
-            </a:lvl9pPr>
-          </a:lstStyle>
-          <a:p>
-            <a:pPr indent="0" eaLnBrk="1" hangingPunct="1">
-              <a:lnSpc>
-                <a:spcPct val="120000"/>
-              </a:lnSpc>
-              <a:buFont typeface="Arial" panose="020B0604020202090204" pitchFamily="34" charset="0"/>
-              <a:buNone/>
-            </a:pPr>
-            <a:endParaRPr lang="en-US" sz="2000" dirty="0">
-              <a:latin typeface="Inter" panose="020B0502030000000004" pitchFamily="34" charset="0"/>
-              <a:ea typeface="Inter" panose="020B0502030000000004" pitchFamily="34" charset="0"/>
-              <a:cs typeface="Inter" panose="020B0502030000000004" pitchFamily="34" charset="0"/>
-            </a:endParaRPr>
-          </a:p>
-        </p:txBody>
-      </p:sp>
-      <p:sp>
-        <p:nvSpPr>
           <p:cNvPr id="2" name="Slide Number Placeholder 1"/>
           <p:cNvSpPr>
             <a:spLocks noGrp="1"/>
@@ -14019,66 +16611,25 @@
       </p:sp>
       <p:sp>
         <p:nvSpPr>
-          <p:cNvPr id="17" name="Rectangle 16"/>
+          <p:cNvPr id="10" name="Rectangle 9"/>
           <p:cNvSpPr/>
           <p:nvPr/>
         </p:nvSpPr>
         <p:spPr>
-          <a:xfrm>
-            <a:off x="274983" y="183874"/>
-            <a:ext cx="5135217" cy="523220"/>
+          <a:xfrm rot="5400000" flipH="1">
+            <a:off x="2173747" y="-2493504"/>
+            <a:ext cx="4657358" cy="9587949"/>
           </a:xfrm>
           <a:prstGeom prst="rect">
             <a:avLst/>
           </a:prstGeom>
-        </p:spPr>
-        <p:txBody>
-          <a:bodyPr wrap="square">
-            <a:spAutoFit/>
-          </a:bodyPr>
-          <a:lstStyle/>
-          <a:p>
-            <a:r>
-              <a:rPr lang="en-US" sz="1200" b="1" dirty="0">
-                <a:latin typeface="Inter Semi" panose="020B0502030000000004" pitchFamily="34" charset="0"/>
-                <a:ea typeface="Inter Semi" panose="020B0502030000000004" pitchFamily="34" charset="0"/>
-                <a:cs typeface="Inter Semi" panose="020B0502030000000004" pitchFamily="34" charset="0"/>
-              </a:rPr>
-              <a:t>Summary</a:t>
-            </a:r>
-            <a:endParaRPr lang="en-US" sz="1200" b="1" dirty="0">
-              <a:latin typeface="Inter Semi" panose="020B0502030000000004" pitchFamily="34" charset="0"/>
-              <a:ea typeface="Inter Semi" panose="020B0502030000000004" pitchFamily="34" charset="0"/>
-              <a:cs typeface="Inter Semi" panose="020B0502030000000004" pitchFamily="34" charset="0"/>
-            </a:endParaRPr>
-          </a:p>
-          <a:p>
-            <a:endParaRPr lang="en-US" sz="1600" b="1" dirty="0">
-              <a:latin typeface="Inter" panose="020B0502030000000004" pitchFamily="34" charset="0"/>
-              <a:ea typeface="Inter" panose="020B0502030000000004" pitchFamily="34" charset="0"/>
-              <a:cs typeface="Inter" panose="020B0502030000000004" pitchFamily="34" charset="0"/>
-            </a:endParaRPr>
-          </a:p>
-        </p:txBody>
-      </p:sp>
-      <p:cxnSp>
-        <p:nvCxnSpPr>
-          <p:cNvPr id="18" name="Straight Connector 17"/>
-          <p:cNvCxnSpPr/>
-          <p:nvPr/>
-        </p:nvCxnSpPr>
-        <p:spPr>
-          <a:xfrm>
-            <a:off x="304800" y="590550"/>
-            <a:ext cx="8597015" cy="0"/>
-          </a:xfrm>
-          <a:prstGeom prst="line">
-            <a:avLst/>
-          </a:prstGeom>
-          <a:ln>
-            <a:solidFill>
-              <a:srgbClr val="FAE041"/>
-            </a:solidFill>
+          <a:solidFill>
+            <a:srgbClr val="3CBEEC">
+              <a:alpha val="7843"/>
+            </a:srgbClr>
+          </a:solidFill>
+          <a:ln w="12700" cmpd="sng">
+            <a:noFill/>
           </a:ln>
           <a:effectLst/>
         </p:spPr>
@@ -14096,37 +16647,168 @@
             <a:schemeClr val="tx1"/>
           </a:fontRef>
         </p:style>
-      </p:cxnSp>
-      <p:sp>
-        <p:nvSpPr>
-          <p:cNvPr id="3" name="文本框 2"/>
-          <p:cNvSpPr txBox="1"/>
+        <p:txBody>
+          <a:bodyPr rtlCol="0" anchor="ctr"/>
+          <a:lstStyle/>
+          <a:p>
+            <a:pPr algn="ctr"/>
+            <a:endParaRPr lang="en-US" dirty="0">
+              <a:solidFill>
+                <a:srgbClr val="FAE041"/>
+              </a:solidFill>
+              <a:latin typeface="Open Sans"/>
+              <a:cs typeface="Open Sans"/>
+            </a:endParaRPr>
+          </a:p>
+        </p:txBody>
+      </p:sp>
+      <p:sp>
+        <p:nvSpPr>
+          <p:cNvPr id="12" name="TextBox 3"/>
+          <p:cNvSpPr txBox="1">
+            <a:spLocks noChangeArrowheads="1"/>
+          </p:cNvSpPr>
           <p:nvPr/>
         </p:nvSpPr>
-        <p:spPr>
+        <p:spPr bwMode="auto">
           <a:xfrm>
-            <a:off x="600075" y="1002030"/>
-            <a:ext cx="5572125" cy="922020"/>
+            <a:off x="2541799" y="1869583"/>
+            <a:ext cx="3921254" cy="860425"/>
           </a:xfrm>
           <a:prstGeom prst="rect">
             <a:avLst/>
           </a:prstGeom>
           <a:noFill/>
-        </p:spPr>
-        <p:txBody>
-          <a:bodyPr wrap="square" rtlCol="0">
+          <a:ln>
+            <a:noFill/>
+          </a:ln>
+        </p:spPr>
+        <p:txBody>
+          <a:bodyPr wrap="square">
             <a:spAutoFit/>
           </a:bodyPr>
-          <a:p>
-            <a:r>
-              <a:rPr lang="en-US" altLang="zh-CN"/>
-              <a:t>F</a:t>
-            </a:r>
-            <a:r>
-              <a:rPr lang="zh-CN" altLang="en-US"/>
-              <a:t>eeding a bsx4xHxW input to the 2D-CNN produce worse result than the one-image method. I start to think why?</a:t>
-            </a:r>
-            <a:endParaRPr lang="zh-CN" altLang="en-US"/>
+          <a:lstStyle>
+            <a:lvl1pPr eaLnBrk="0" hangingPunct="0">
+              <a:defRPr>
+                <a:solidFill>
+                  <a:schemeClr val="tx1"/>
+                </a:solidFill>
+                <a:latin typeface="Arial" panose="020B0604020202090204" pitchFamily="34" charset="0"/>
+                <a:ea typeface="ヒラギノ角ゴ Pro W3" panose="020B0300000000000000" charset="-128"/>
+              </a:defRPr>
+            </a:lvl1pPr>
+            <a:lvl2pPr marL="742950" indent="-285750" eaLnBrk="0" hangingPunct="0">
+              <a:defRPr>
+                <a:solidFill>
+                  <a:schemeClr val="tx1"/>
+                </a:solidFill>
+                <a:latin typeface="Arial" panose="020B0604020202090204" pitchFamily="34" charset="0"/>
+                <a:ea typeface="ヒラギノ角ゴ Pro W3" panose="020B0300000000000000" charset="-128"/>
+              </a:defRPr>
+            </a:lvl2pPr>
+            <a:lvl3pPr marL="1143000" indent="-228600" eaLnBrk="0" hangingPunct="0">
+              <a:defRPr>
+                <a:solidFill>
+                  <a:schemeClr val="tx1"/>
+                </a:solidFill>
+                <a:latin typeface="Arial" panose="020B0604020202090204" pitchFamily="34" charset="0"/>
+                <a:ea typeface="ヒラギノ角ゴ Pro W3" panose="020B0300000000000000" charset="-128"/>
+              </a:defRPr>
+            </a:lvl3pPr>
+            <a:lvl4pPr marL="1600200" indent="-228600" eaLnBrk="0" hangingPunct="0">
+              <a:defRPr>
+                <a:solidFill>
+                  <a:schemeClr val="tx1"/>
+                </a:solidFill>
+                <a:latin typeface="Arial" panose="020B0604020202090204" pitchFamily="34" charset="0"/>
+                <a:ea typeface="ヒラギノ角ゴ Pro W3" panose="020B0300000000000000" charset="-128"/>
+              </a:defRPr>
+            </a:lvl4pPr>
+            <a:lvl5pPr marL="2057400" indent="-228600" eaLnBrk="0" hangingPunct="0">
+              <a:defRPr>
+                <a:solidFill>
+                  <a:schemeClr val="tx1"/>
+                </a:solidFill>
+                <a:latin typeface="Arial" panose="020B0604020202090204" pitchFamily="34" charset="0"/>
+                <a:ea typeface="ヒラギノ角ゴ Pro W3" panose="020B0300000000000000" charset="-128"/>
+              </a:defRPr>
+            </a:lvl5pPr>
+            <a:lvl6pPr marL="2514600" indent="-228600" eaLnBrk="0" fontAlgn="base" hangingPunct="0">
+              <a:spcBef>
+                <a:spcPct val="0"/>
+              </a:spcBef>
+              <a:spcAft>
+                <a:spcPct val="0"/>
+              </a:spcAft>
+              <a:defRPr>
+                <a:solidFill>
+                  <a:schemeClr val="tx1"/>
+                </a:solidFill>
+                <a:latin typeface="Arial" panose="020B0604020202090204" pitchFamily="34" charset="0"/>
+                <a:ea typeface="ヒラギノ角ゴ Pro W3" panose="020B0300000000000000" charset="-128"/>
+              </a:defRPr>
+            </a:lvl6pPr>
+            <a:lvl7pPr marL="2971800" indent="-228600" eaLnBrk="0" fontAlgn="base" hangingPunct="0">
+              <a:spcBef>
+                <a:spcPct val="0"/>
+              </a:spcBef>
+              <a:spcAft>
+                <a:spcPct val="0"/>
+              </a:spcAft>
+              <a:defRPr>
+                <a:solidFill>
+                  <a:schemeClr val="tx1"/>
+                </a:solidFill>
+                <a:latin typeface="Arial" panose="020B0604020202090204" pitchFamily="34" charset="0"/>
+                <a:ea typeface="ヒラギノ角ゴ Pro W3" panose="020B0300000000000000" charset="-128"/>
+              </a:defRPr>
+            </a:lvl7pPr>
+            <a:lvl8pPr marL="3429000" indent="-228600" eaLnBrk="0" fontAlgn="base" hangingPunct="0">
+              <a:spcBef>
+                <a:spcPct val="0"/>
+              </a:spcBef>
+              <a:spcAft>
+                <a:spcPct val="0"/>
+              </a:spcAft>
+              <a:defRPr>
+                <a:solidFill>
+                  <a:schemeClr val="tx1"/>
+                </a:solidFill>
+                <a:latin typeface="Arial" panose="020B0604020202090204" pitchFamily="34" charset="0"/>
+                <a:ea typeface="ヒラギノ角ゴ Pro W3" panose="020B0300000000000000" charset="-128"/>
+              </a:defRPr>
+            </a:lvl8pPr>
+            <a:lvl9pPr marL="3886200" indent="-228600" eaLnBrk="0" fontAlgn="base" hangingPunct="0">
+              <a:spcBef>
+                <a:spcPct val="0"/>
+              </a:spcBef>
+              <a:spcAft>
+                <a:spcPct val="0"/>
+              </a:spcAft>
+              <a:defRPr>
+                <a:solidFill>
+                  <a:schemeClr val="tx1"/>
+                </a:solidFill>
+                <a:latin typeface="Arial" panose="020B0604020202090204" pitchFamily="34" charset="0"/>
+                <a:ea typeface="ヒラギノ角ゴ Pro W3" panose="020B0300000000000000" charset="-128"/>
+              </a:defRPr>
+            </a:lvl9pPr>
+          </a:lstStyle>
+          <a:p>
+            <a:pPr algn="ctr" eaLnBrk="1" hangingPunct="1"/>
+            <a:r>
+              <a:rPr lang="en-US" sz="5000" b="1" dirty="0">
+                <a:latin typeface="Inter Semi" panose="020B0502030000000004" pitchFamily="34" charset="0"/>
+                <a:ea typeface="Inter Semi" panose="020B0502030000000004" pitchFamily="34" charset="0"/>
+                <a:cs typeface="Inter Semi" panose="020B0502030000000004" pitchFamily="34" charset="0"/>
+              </a:rPr>
+              <a:t>Insight</a:t>
+            </a:r>
+            <a:endParaRPr lang="en-US" sz="5000" b="1" dirty="0">
+              <a:latin typeface="Inter Semi" panose="020B0502030000000004" pitchFamily="34" charset="0"/>
+              <a:ea typeface="Inter Semi" panose="020B0502030000000004" pitchFamily="34" charset="0"/>
+              <a:cs typeface="Inter Semi" panose="020B0502030000000004" pitchFamily="34" charset="0"/>
+            </a:endParaRPr>
           </a:p>
         </p:txBody>
       </p:sp>
@@ -14174,7 +16856,7 @@
         <p:spPr bwMode="auto">
           <a:xfrm>
             <a:off x="1219200" y="997227"/>
-            <a:ext cx="6019800" cy="1198880"/>
+            <a:ext cx="6019800" cy="460375"/>
           </a:xfrm>
           <a:prstGeom prst="rect">
             <a:avLst/>
@@ -14296,79 +16978,19 @@
             </a:lvl9pPr>
           </a:lstStyle>
           <a:p>
-            <a:pPr marL="342900" indent="-342900" eaLnBrk="1" hangingPunct="1">
+            <a:pPr indent="0" eaLnBrk="1" hangingPunct="1">
               <a:lnSpc>
                 <a:spcPct val="120000"/>
               </a:lnSpc>
               <a:buFont typeface="Arial" panose="020B0604020202090204" pitchFamily="34" charset="0"/>
-              <a:buChar char="•"/>
+              <a:buNone/>
             </a:pPr>
-            <a:r>
-              <a:rPr lang="en-US" sz="2000" dirty="0">
-                <a:latin typeface="Inter" panose="020B0502030000000004" pitchFamily="34" charset="0"/>
-                <a:ea typeface="Inter" panose="020B0502030000000004" pitchFamily="34" charset="0"/>
-                <a:cs typeface="Inter" panose="020B0502030000000004" pitchFamily="34" charset="0"/>
-              </a:rPr>
-              <a:t>Raw signal model</a:t>
-            </a:r>
             <a:endParaRPr lang="en-US" sz="2000" dirty="0">
               <a:latin typeface="Inter" panose="020B0502030000000004" pitchFamily="34" charset="0"/>
               <a:ea typeface="Inter" panose="020B0502030000000004" pitchFamily="34" charset="0"/>
               <a:cs typeface="Inter" panose="020B0502030000000004" pitchFamily="34" charset="0"/>
             </a:endParaRPr>
           </a:p>
-          <a:p>
-            <a:pPr marL="285750" indent="-285750" eaLnBrk="1" hangingPunct="1">
-              <a:lnSpc>
-                <a:spcPct val="120000"/>
-              </a:lnSpc>
-              <a:buFont typeface="Arial" panose="020B0604020202090204" pitchFamily="34" charset="0"/>
-              <a:buChar char="•"/>
-            </a:pPr>
-            <a:r>
-              <a:rPr lang="en-US" sz="2000" dirty="0">
-                <a:latin typeface="Inter" panose="020B0502030000000004" pitchFamily="34" charset="0"/>
-                <a:ea typeface="Inter" panose="020B0502030000000004" pitchFamily="34" charset="0"/>
-                <a:cs typeface="Inter" panose="020B0502030000000004" pitchFamily="34" charset="0"/>
-              </a:rPr>
-              <a:t> Spectrum based model</a:t>
-            </a:r>
-            <a:endParaRPr lang="en-US" sz="2000" dirty="0">
-              <a:latin typeface="Inter" panose="020B0502030000000004" pitchFamily="34" charset="0"/>
-              <a:ea typeface="Inter" panose="020B0502030000000004" pitchFamily="34" charset="0"/>
-              <a:cs typeface="Inter" panose="020B0502030000000004" pitchFamily="34" charset="0"/>
-            </a:endParaRPr>
-          </a:p>
-          <a:p>
-            <a:pPr marL="285750" indent="-285750" eaLnBrk="1" hangingPunct="1">
-              <a:lnSpc>
-                <a:spcPct val="120000"/>
-              </a:lnSpc>
-              <a:buFont typeface="Arial" panose="020B0604020202090204" pitchFamily="34" charset="0"/>
-              <a:buChar char="•"/>
-            </a:pPr>
-            <a:r>
-              <a:rPr lang="en-US" sz="2000" dirty="0">
-                <a:latin typeface="Inter" panose="020B0502030000000004" pitchFamily="34" charset="0"/>
-                <a:ea typeface="Inter" panose="020B0502030000000004" pitchFamily="34" charset="0"/>
-                <a:cs typeface="Inter" panose="020B0502030000000004" pitchFamily="34" charset="0"/>
-              </a:rPr>
-              <a:t> </a:t>
-            </a:r>
-            <a:r>
-              <a:rPr lang="en-US" sz="2000" dirty="0">
-                <a:latin typeface="Inter" panose="020B0502030000000004" pitchFamily="34" charset="0"/>
-                <a:ea typeface="Inter" panose="020B0502030000000004" pitchFamily="34" charset="0"/>
-                <a:cs typeface="Inter" panose="020B0502030000000004" pitchFamily="34" charset="0"/>
-              </a:rPr>
-              <a:t>Hybrid</a:t>
-            </a:r>
-            <a:endParaRPr lang="en-US" sz="2000" dirty="0">
-              <a:latin typeface="Inter" panose="020B0502030000000004" pitchFamily="34" charset="0"/>
-              <a:ea typeface="Inter" panose="020B0502030000000004" pitchFamily="34" charset="0"/>
-              <a:cs typeface="Inter" panose="020B0502030000000004" pitchFamily="34" charset="0"/>
-            </a:endParaRPr>
-          </a:p>
         </p:txBody>
       </p:sp>
       <p:sp>
@@ -14402,7 +17024,7 @@
         <p:spPr>
           <a:xfrm>
             <a:off x="274983" y="183874"/>
-            <a:ext cx="5135217" cy="523220"/>
+            <a:ext cx="5135217" cy="521970"/>
           </a:xfrm>
           <a:prstGeom prst="rect">
             <a:avLst/>
@@ -14420,7 +17042,7 @@
                 <a:ea typeface="Inter Semi" panose="020B0502030000000004" pitchFamily="34" charset="0"/>
                 <a:cs typeface="Inter Semi" panose="020B0502030000000004" pitchFamily="34" charset="0"/>
               </a:rPr>
-              <a:t>Summary</a:t>
+              <a:t>Insight</a:t>
             </a:r>
             <a:endParaRPr lang="en-US" sz="1200" b="1" dirty="0">
               <a:latin typeface="Inter Semi" panose="020B0502030000000004" pitchFamily="34" charset="0"/>
@@ -14473,6 +17095,85 @@
           </a:fontRef>
         </p:style>
       </p:cxnSp>
+      <p:sp>
+        <p:nvSpPr>
+          <p:cNvPr id="3" name="文本框 2"/>
+          <p:cNvSpPr txBox="1"/>
+          <p:nvPr/>
+        </p:nvSpPr>
+        <p:spPr>
+          <a:xfrm>
+            <a:off x="600075" y="1002030"/>
+            <a:ext cx="5572125" cy="922020"/>
+          </a:xfrm>
+          <a:prstGeom prst="rect">
+            <a:avLst/>
+          </a:prstGeom>
+          <a:noFill/>
+        </p:spPr>
+        <p:txBody>
+          <a:bodyPr wrap="square" rtlCol="0">
+            <a:spAutoFit/>
+          </a:bodyPr>
+          <a:p>
+            <a:r>
+              <a:rPr lang="en-US" altLang="zh-CN"/>
+              <a:t>F</a:t>
+            </a:r>
+            <a:r>
+              <a:rPr lang="zh-CN" altLang="en-US"/>
+              <a:t>eeding a bsx4xHxW input to the 2D-CNN produce worse result than the one-image method. I start to think why?</a:t>
+            </a:r>
+            <a:endParaRPr lang="zh-CN" altLang="en-US"/>
+          </a:p>
+        </p:txBody>
+      </p:sp>
+      <p:sp>
+        <p:nvSpPr>
+          <p:cNvPr id="4" name="文本框 3"/>
+          <p:cNvSpPr txBox="1"/>
+          <p:nvPr>
+            <p:custDataLst>
+              <p:tags r:id="rId1"/>
+            </p:custDataLst>
+          </p:nvPr>
+        </p:nvSpPr>
+        <p:spPr>
+          <a:xfrm>
+            <a:off x="685800" y="2800350"/>
+            <a:ext cx="8016875" cy="1076325"/>
+          </a:xfrm>
+          <a:prstGeom prst="rect">
+            <a:avLst/>
+          </a:prstGeom>
+          <a:noFill/>
+        </p:spPr>
+        <p:txBody>
+          <a:bodyPr wrap="square" rtlCol="0">
+            <a:spAutoFit/>
+          </a:bodyPr>
+          <a:p>
+            <a:r>
+              <a:rPr lang="zh-CN" altLang="en-US" sz="1600"/>
+              <a:t>《Position, Padding and Predictions: A Deeper Look at Position Information in CNNs》</a:t>
+            </a:r>
+            <a:endParaRPr lang="zh-CN" altLang="en-US" sz="1600"/>
+          </a:p>
+          <a:p>
+            <a:r>
+              <a:rPr lang="zh-CN" altLang="en-US" sz="1600"/>
+              <a:t>https://arxiv.org/pdf/2101.12322.pdf</a:t>
+            </a:r>
+            <a:endParaRPr lang="zh-CN" altLang="en-US" sz="1600"/>
+          </a:p>
+          <a:p>
+            <a:endParaRPr lang="zh-CN" altLang="en-US" sz="1600"/>
+          </a:p>
+          <a:p>
+            <a:endParaRPr lang="zh-CN" altLang="en-US" sz="1600"/>
+          </a:p>
+        </p:txBody>
+      </p:sp>
     </p:spTree>
   </p:cSld>
   <p:clrMapOvr>
@@ -14506,189 +17207,9 @@
           <a:chExt cx="0" cy="0"/>
         </a:xfrm>
       </p:grpSpPr>
-      <p:pic>
-        <p:nvPicPr>
-          <p:cNvPr id="2" name="图片 -2147482605"/>
-          <p:cNvPicPr>
-            <a:picLocks noChangeAspect="1"/>
-          </p:cNvPicPr>
-          <p:nvPr>
-            <p:custDataLst>
-              <p:tags r:id="rId1"/>
-            </p:custDataLst>
-          </p:nvPr>
-        </p:nvPicPr>
-        <p:blipFill>
-          <a:blip r:embed="rId2"/>
-          <a:stretch>
-            <a:fillRect/>
-          </a:stretch>
-        </p:blipFill>
-        <p:spPr>
-          <a:xfrm>
-            <a:off x="228600" y="819150"/>
-            <a:ext cx="4802505" cy="3926205"/>
-          </a:xfrm>
-          <a:prstGeom prst="rect">
-            <a:avLst/>
-          </a:prstGeom>
-          <a:noFill/>
-          <a:ln w="9525">
-            <a:noFill/>
-          </a:ln>
-        </p:spPr>
-      </p:pic>
-      <p:sp>
-        <p:nvSpPr>
-          <p:cNvPr id="5" name="TextBox 3"/>
-          <p:cNvSpPr txBox="1">
-            <a:spLocks noChangeArrowheads="1"/>
-          </p:cNvSpPr>
-          <p:nvPr/>
-        </p:nvSpPr>
-        <p:spPr bwMode="auto">
-          <a:xfrm>
-            <a:off x="1219200" y="997227"/>
-            <a:ext cx="6019800" cy="460375"/>
-          </a:xfrm>
-          <a:prstGeom prst="rect">
-            <a:avLst/>
-          </a:prstGeom>
-          <a:noFill/>
-          <a:ln>
-            <a:noFill/>
-          </a:ln>
-        </p:spPr>
-        <p:txBody>
-          <a:bodyPr wrap="square">
-            <a:spAutoFit/>
-          </a:bodyPr>
-          <a:lstStyle>
-            <a:lvl1pPr eaLnBrk="0" hangingPunct="0">
-              <a:defRPr>
-                <a:solidFill>
-                  <a:schemeClr val="tx1"/>
-                </a:solidFill>
-                <a:latin typeface="Arial" panose="020B0604020202090204" pitchFamily="34" charset="0"/>
-                <a:ea typeface="ヒラギノ角ゴ Pro W3" panose="020B0300000000000000" charset="-128"/>
-              </a:defRPr>
-            </a:lvl1pPr>
-            <a:lvl2pPr marL="742950" indent="-285750" eaLnBrk="0" hangingPunct="0">
-              <a:defRPr>
-                <a:solidFill>
-                  <a:schemeClr val="tx1"/>
-                </a:solidFill>
-                <a:latin typeface="Arial" panose="020B0604020202090204" pitchFamily="34" charset="0"/>
-                <a:ea typeface="ヒラギノ角ゴ Pro W3" panose="020B0300000000000000" charset="-128"/>
-              </a:defRPr>
-            </a:lvl2pPr>
-            <a:lvl3pPr marL="1143000" indent="-228600" eaLnBrk="0" hangingPunct="0">
-              <a:defRPr>
-                <a:solidFill>
-                  <a:schemeClr val="tx1"/>
-                </a:solidFill>
-                <a:latin typeface="Arial" panose="020B0604020202090204" pitchFamily="34" charset="0"/>
-                <a:ea typeface="ヒラギノ角ゴ Pro W3" panose="020B0300000000000000" charset="-128"/>
-              </a:defRPr>
-            </a:lvl3pPr>
-            <a:lvl4pPr marL="1600200" indent="-228600" eaLnBrk="0" hangingPunct="0">
-              <a:defRPr>
-                <a:solidFill>
-                  <a:schemeClr val="tx1"/>
-                </a:solidFill>
-                <a:latin typeface="Arial" panose="020B0604020202090204" pitchFamily="34" charset="0"/>
-                <a:ea typeface="ヒラギノ角ゴ Pro W3" panose="020B0300000000000000" charset="-128"/>
-              </a:defRPr>
-            </a:lvl4pPr>
-            <a:lvl5pPr marL="2057400" indent="-228600" eaLnBrk="0" hangingPunct="0">
-              <a:defRPr>
-                <a:solidFill>
-                  <a:schemeClr val="tx1"/>
-                </a:solidFill>
-                <a:latin typeface="Arial" panose="020B0604020202090204" pitchFamily="34" charset="0"/>
-                <a:ea typeface="ヒラギノ角ゴ Pro W3" panose="020B0300000000000000" charset="-128"/>
-              </a:defRPr>
-            </a:lvl5pPr>
-            <a:lvl6pPr marL="2514600" indent="-228600" eaLnBrk="0" fontAlgn="base" hangingPunct="0">
-              <a:spcBef>
-                <a:spcPct val="0"/>
-              </a:spcBef>
-              <a:spcAft>
-                <a:spcPct val="0"/>
-              </a:spcAft>
-              <a:defRPr>
-                <a:solidFill>
-                  <a:schemeClr val="tx1"/>
-                </a:solidFill>
-                <a:latin typeface="Arial" panose="020B0604020202090204" pitchFamily="34" charset="0"/>
-                <a:ea typeface="ヒラギノ角ゴ Pro W3" panose="020B0300000000000000" charset="-128"/>
-              </a:defRPr>
-            </a:lvl6pPr>
-            <a:lvl7pPr marL="2971800" indent="-228600" eaLnBrk="0" fontAlgn="base" hangingPunct="0">
-              <a:spcBef>
-                <a:spcPct val="0"/>
-              </a:spcBef>
-              <a:spcAft>
-                <a:spcPct val="0"/>
-              </a:spcAft>
-              <a:defRPr>
-                <a:solidFill>
-                  <a:schemeClr val="tx1"/>
-                </a:solidFill>
-                <a:latin typeface="Arial" panose="020B0604020202090204" pitchFamily="34" charset="0"/>
-                <a:ea typeface="ヒラギノ角ゴ Pro W3" panose="020B0300000000000000" charset="-128"/>
-              </a:defRPr>
-            </a:lvl7pPr>
-            <a:lvl8pPr marL="3429000" indent="-228600" eaLnBrk="0" fontAlgn="base" hangingPunct="0">
-              <a:spcBef>
-                <a:spcPct val="0"/>
-              </a:spcBef>
-              <a:spcAft>
-                <a:spcPct val="0"/>
-              </a:spcAft>
-              <a:defRPr>
-                <a:solidFill>
-                  <a:schemeClr val="tx1"/>
-                </a:solidFill>
-                <a:latin typeface="Arial" panose="020B0604020202090204" pitchFamily="34" charset="0"/>
-                <a:ea typeface="ヒラギノ角ゴ Pro W3" panose="020B0300000000000000" charset="-128"/>
-              </a:defRPr>
-            </a:lvl8pPr>
-            <a:lvl9pPr marL="3886200" indent="-228600" eaLnBrk="0" fontAlgn="base" hangingPunct="0">
-              <a:spcBef>
-                <a:spcPct val="0"/>
-              </a:spcBef>
-              <a:spcAft>
-                <a:spcPct val="0"/>
-              </a:spcAft>
-              <a:defRPr>
-                <a:solidFill>
-                  <a:schemeClr val="tx1"/>
-                </a:solidFill>
-                <a:latin typeface="Arial" panose="020B0604020202090204" pitchFamily="34" charset="0"/>
-                <a:ea typeface="ヒラギノ角ゴ Pro W3" panose="020B0300000000000000" charset="-128"/>
-              </a:defRPr>
-            </a:lvl9pPr>
-          </a:lstStyle>
-          <a:p>
-            <a:pPr indent="0" eaLnBrk="1" hangingPunct="1">
-              <a:lnSpc>
-                <a:spcPct val="120000"/>
-              </a:lnSpc>
-              <a:buFont typeface="Arial" panose="020B0604020202090204" pitchFamily="34" charset="0"/>
-              <a:buNone/>
-            </a:pPr>
-            <a:endParaRPr lang="en-US" sz="2000" dirty="0">
-              <a:latin typeface="Inter" panose="020B0502030000000004" pitchFamily="34" charset="0"/>
-              <a:ea typeface="Inter" panose="020B0502030000000004" pitchFamily="34" charset="0"/>
-              <a:cs typeface="Inter" panose="020B0502030000000004" pitchFamily="34" charset="0"/>
-            </a:endParaRPr>
-          </a:p>
-        </p:txBody>
-      </p:sp>
-      <p:sp>
-        <p:nvSpPr>
-          <p:cNvPr id="3" name="Slide Number Placeholder 1"/>
+      <p:sp>
+        <p:nvSpPr>
+          <p:cNvPr id="2" name="Slide Number Placeholder 1"/>
           <p:cNvSpPr>
             <a:spLocks noGrp="1"/>
           </p:cNvSpPr>
@@ -14710,66 +17231,25 @@
       </p:sp>
       <p:sp>
         <p:nvSpPr>
-          <p:cNvPr id="17" name="Rectangle 16"/>
+          <p:cNvPr id="10" name="Rectangle 9"/>
           <p:cNvSpPr/>
           <p:nvPr/>
         </p:nvSpPr>
         <p:spPr>
-          <a:xfrm>
-            <a:off x="274983" y="183874"/>
-            <a:ext cx="5135217" cy="523220"/>
+          <a:xfrm rot="5400000" flipH="1">
+            <a:off x="2173747" y="-2493504"/>
+            <a:ext cx="4657358" cy="9587949"/>
           </a:xfrm>
           <a:prstGeom prst="rect">
             <a:avLst/>
           </a:prstGeom>
-        </p:spPr>
-        <p:txBody>
-          <a:bodyPr wrap="square">
-            <a:spAutoFit/>
-          </a:bodyPr>
-          <a:lstStyle/>
-          <a:p>
-            <a:r>
-              <a:rPr lang="en-US" sz="1200" b="1" dirty="0">
-                <a:latin typeface="Inter Semi" panose="020B0502030000000004" pitchFamily="34" charset="0"/>
-                <a:ea typeface="Inter Semi" panose="020B0502030000000004" pitchFamily="34" charset="0"/>
-                <a:cs typeface="Inter Semi" panose="020B0502030000000004" pitchFamily="34" charset="0"/>
-              </a:rPr>
-              <a:t>Summary</a:t>
-            </a:r>
-            <a:endParaRPr lang="en-US" sz="1200" b="1" dirty="0">
-              <a:latin typeface="Inter Semi" panose="020B0502030000000004" pitchFamily="34" charset="0"/>
-              <a:ea typeface="Inter Semi" panose="020B0502030000000004" pitchFamily="34" charset="0"/>
-              <a:cs typeface="Inter Semi" panose="020B0502030000000004" pitchFamily="34" charset="0"/>
-            </a:endParaRPr>
-          </a:p>
-          <a:p>
-            <a:endParaRPr lang="en-US" sz="1600" b="1" dirty="0">
-              <a:latin typeface="Inter" panose="020B0502030000000004" pitchFamily="34" charset="0"/>
-              <a:ea typeface="Inter" panose="020B0502030000000004" pitchFamily="34" charset="0"/>
-              <a:cs typeface="Inter" panose="020B0502030000000004" pitchFamily="34" charset="0"/>
-            </a:endParaRPr>
-          </a:p>
-        </p:txBody>
-      </p:sp>
-      <p:cxnSp>
-        <p:nvCxnSpPr>
-          <p:cNvPr id="18" name="Straight Connector 17"/>
-          <p:cNvCxnSpPr/>
-          <p:nvPr/>
-        </p:nvCxnSpPr>
-        <p:spPr>
-          <a:xfrm>
-            <a:off x="304800" y="590550"/>
-            <a:ext cx="8597015" cy="0"/>
-          </a:xfrm>
-          <a:prstGeom prst="line">
-            <a:avLst/>
-          </a:prstGeom>
-          <a:ln>
-            <a:solidFill>
-              <a:srgbClr val="FAE041"/>
-            </a:solidFill>
+          <a:solidFill>
+            <a:srgbClr val="3CBEEC">
+              <a:alpha val="7843"/>
+            </a:srgbClr>
+          </a:solidFill>
+          <a:ln w="12700" cmpd="sng">
+            <a:noFill/>
           </a:ln>
           <a:effectLst/>
         </p:spPr>
@@ -14787,75 +17267,167 @@
             <a:schemeClr val="tx1"/>
           </a:fontRef>
         </p:style>
-      </p:cxnSp>
-      <p:pic>
-        <p:nvPicPr>
-          <p:cNvPr id="4" name="图片 -2147482610"/>
-          <p:cNvPicPr>
-            <a:picLocks noChangeAspect="1"/>
-          </p:cNvPicPr>
-          <p:nvPr>
-            <p:custDataLst>
-              <p:tags r:id="rId3"/>
-            </p:custDataLst>
-          </p:nvPr>
-        </p:nvPicPr>
-        <p:blipFill>
-          <a:blip r:embed="rId4"/>
-          <a:stretch>
-            <a:fillRect/>
-          </a:stretch>
-        </p:blipFill>
-        <p:spPr>
+        <p:txBody>
+          <a:bodyPr rtlCol="0" anchor="ctr"/>
+          <a:lstStyle/>
+          <a:p>
+            <a:pPr algn="ctr"/>
+            <a:endParaRPr lang="en-US" dirty="0">
+              <a:solidFill>
+                <a:srgbClr val="FAE041"/>
+              </a:solidFill>
+              <a:latin typeface="Open Sans"/>
+              <a:cs typeface="Open Sans"/>
+            </a:endParaRPr>
+          </a:p>
+        </p:txBody>
+      </p:sp>
+      <p:sp>
+        <p:nvSpPr>
+          <p:cNvPr id="12" name="TextBox 3"/>
+          <p:cNvSpPr txBox="1">
+            <a:spLocks noChangeArrowheads="1"/>
+          </p:cNvSpPr>
+          <p:nvPr/>
+        </p:nvSpPr>
+        <p:spPr bwMode="auto">
           <a:xfrm>
-            <a:off x="5031105" y="1967230"/>
-            <a:ext cx="3966845" cy="2827655"/>
+            <a:off x="2541799" y="1869583"/>
+            <a:ext cx="3921254" cy="860425"/>
           </a:xfrm>
           <a:prstGeom prst="rect">
             <a:avLst/>
           </a:prstGeom>
           <a:noFill/>
-          <a:ln w="9525">
+          <a:ln>
             <a:noFill/>
           </a:ln>
-        </p:spPr>
-      </p:pic>
-      <p:sp>
-        <p:nvSpPr>
-          <p:cNvPr id="6" name="Rectangle 16"/>
-          <p:cNvSpPr/>
-          <p:nvPr>
-            <p:custDataLst>
-              <p:tags r:id="rId5"/>
-            </p:custDataLst>
-          </p:nvPr>
-        </p:nvSpPr>
-        <p:spPr>
-          <a:xfrm>
-            <a:off x="274983" y="707114"/>
-            <a:ext cx="5135217" cy="337185"/>
-          </a:xfrm>
-          <a:prstGeom prst="rect">
-            <a:avLst/>
-          </a:prstGeom>
         </p:spPr>
         <p:txBody>
           <a:bodyPr wrap="square">
             <a:spAutoFit/>
           </a:bodyPr>
-          <a:p>
-            <a:r>
-              <a:rPr lang="en-US" sz="1600" b="1" dirty="0">
-                <a:latin typeface="Inter" panose="020B0502030000000004" pitchFamily="34" charset="0"/>
-                <a:ea typeface="Inter" panose="020B0502030000000004" pitchFamily="34" charset="0"/>
-                <a:cs typeface="Inter" panose="020B0502030000000004" pitchFamily="34" charset="0"/>
+          <a:lstStyle>
+            <a:lvl1pPr eaLnBrk="0" hangingPunct="0">
+              <a:defRPr>
+                <a:solidFill>
+                  <a:schemeClr val="tx1"/>
+                </a:solidFill>
+                <a:latin typeface="Arial" panose="020B0604020202090204" pitchFamily="34" charset="0"/>
+                <a:ea typeface="ヒラギノ角ゴ Pro W3" panose="020B0300000000000000" charset="-128"/>
+              </a:defRPr>
+            </a:lvl1pPr>
+            <a:lvl2pPr marL="742950" indent="-285750" eaLnBrk="0" hangingPunct="0">
+              <a:defRPr>
+                <a:solidFill>
+                  <a:schemeClr val="tx1"/>
+                </a:solidFill>
+                <a:latin typeface="Arial" panose="020B0604020202090204" pitchFamily="34" charset="0"/>
+                <a:ea typeface="ヒラギノ角ゴ Pro W3" panose="020B0300000000000000" charset="-128"/>
+              </a:defRPr>
+            </a:lvl2pPr>
+            <a:lvl3pPr marL="1143000" indent="-228600" eaLnBrk="0" hangingPunct="0">
+              <a:defRPr>
+                <a:solidFill>
+                  <a:schemeClr val="tx1"/>
+                </a:solidFill>
+                <a:latin typeface="Arial" panose="020B0604020202090204" pitchFamily="34" charset="0"/>
+                <a:ea typeface="ヒラギノ角ゴ Pro W3" panose="020B0300000000000000" charset="-128"/>
+              </a:defRPr>
+            </a:lvl3pPr>
+            <a:lvl4pPr marL="1600200" indent="-228600" eaLnBrk="0" hangingPunct="0">
+              <a:defRPr>
+                <a:solidFill>
+                  <a:schemeClr val="tx1"/>
+                </a:solidFill>
+                <a:latin typeface="Arial" panose="020B0604020202090204" pitchFamily="34" charset="0"/>
+                <a:ea typeface="ヒラギノ角ゴ Pro W3" panose="020B0300000000000000" charset="-128"/>
+              </a:defRPr>
+            </a:lvl4pPr>
+            <a:lvl5pPr marL="2057400" indent="-228600" eaLnBrk="0" hangingPunct="0">
+              <a:defRPr>
+                <a:solidFill>
+                  <a:schemeClr val="tx1"/>
+                </a:solidFill>
+                <a:latin typeface="Arial" panose="020B0604020202090204" pitchFamily="34" charset="0"/>
+                <a:ea typeface="ヒラギノ角ゴ Pro W3" panose="020B0300000000000000" charset="-128"/>
+              </a:defRPr>
+            </a:lvl5pPr>
+            <a:lvl6pPr marL="2514600" indent="-228600" eaLnBrk="0" fontAlgn="base" hangingPunct="0">
+              <a:spcBef>
+                <a:spcPct val="0"/>
+              </a:spcBef>
+              <a:spcAft>
+                <a:spcPct val="0"/>
+              </a:spcAft>
+              <a:defRPr>
+                <a:solidFill>
+                  <a:schemeClr val="tx1"/>
+                </a:solidFill>
+                <a:latin typeface="Arial" panose="020B0604020202090204" pitchFamily="34" charset="0"/>
+                <a:ea typeface="ヒラギノ角ゴ Pro W3" panose="020B0300000000000000" charset="-128"/>
+              </a:defRPr>
+            </a:lvl6pPr>
+            <a:lvl7pPr marL="2971800" indent="-228600" eaLnBrk="0" fontAlgn="base" hangingPunct="0">
+              <a:spcBef>
+                <a:spcPct val="0"/>
+              </a:spcBef>
+              <a:spcAft>
+                <a:spcPct val="0"/>
+              </a:spcAft>
+              <a:defRPr>
+                <a:solidFill>
+                  <a:schemeClr val="tx1"/>
+                </a:solidFill>
+                <a:latin typeface="Arial" panose="020B0604020202090204" pitchFamily="34" charset="0"/>
+                <a:ea typeface="ヒラギノ角ゴ Pro W3" panose="020B0300000000000000" charset="-128"/>
+              </a:defRPr>
+            </a:lvl7pPr>
+            <a:lvl8pPr marL="3429000" indent="-228600" eaLnBrk="0" fontAlgn="base" hangingPunct="0">
+              <a:spcBef>
+                <a:spcPct val="0"/>
+              </a:spcBef>
+              <a:spcAft>
+                <a:spcPct val="0"/>
+              </a:spcAft>
+              <a:defRPr>
+                <a:solidFill>
+                  <a:schemeClr val="tx1"/>
+                </a:solidFill>
+                <a:latin typeface="Arial" panose="020B0604020202090204" pitchFamily="34" charset="0"/>
+                <a:ea typeface="ヒラギノ角ゴ Pro W3" panose="020B0300000000000000" charset="-128"/>
+              </a:defRPr>
+            </a:lvl8pPr>
+            <a:lvl9pPr marL="3886200" indent="-228600" eaLnBrk="0" fontAlgn="base" hangingPunct="0">
+              <a:spcBef>
+                <a:spcPct val="0"/>
+              </a:spcBef>
+              <a:spcAft>
+                <a:spcPct val="0"/>
+              </a:spcAft>
+              <a:defRPr>
+                <a:solidFill>
+                  <a:schemeClr val="tx1"/>
+                </a:solidFill>
+                <a:latin typeface="Arial" panose="020B0604020202090204" pitchFamily="34" charset="0"/>
+                <a:ea typeface="ヒラギノ角ゴ Pro W3" panose="020B0300000000000000" charset="-128"/>
+              </a:defRPr>
+            </a:lvl9pPr>
+          </a:lstStyle>
+          <a:p>
+            <a:pPr algn="ctr" eaLnBrk="1" hangingPunct="1"/>
+            <a:r>
+              <a:rPr lang="en-US" sz="5000" b="1" dirty="0">
+                <a:latin typeface="Inter Semi" panose="020B0502030000000004" pitchFamily="34" charset="0"/>
+                <a:ea typeface="Inter Semi" panose="020B0502030000000004" pitchFamily="34" charset="0"/>
+                <a:cs typeface="Inter Semi" panose="020B0502030000000004" pitchFamily="34" charset="0"/>
               </a:rPr>
-              <a:t>RAW eeg model</a:t>
-            </a:r>
-            <a:endParaRPr lang="en-US" sz="1600" b="1" dirty="0">
-              <a:latin typeface="Inter" panose="020B0502030000000004" pitchFamily="34" charset="0"/>
-              <a:ea typeface="Inter" panose="020B0502030000000004" pitchFamily="34" charset="0"/>
-              <a:cs typeface="Inter" panose="020B0502030000000004" pitchFamily="34" charset="0"/>
+              <a:t>Model</a:t>
+            </a:r>
+            <a:endParaRPr lang="en-US" sz="5000" b="1" dirty="0">
+              <a:latin typeface="Inter Semi" panose="020B0502030000000004" pitchFamily="34" charset="0"/>
+              <a:ea typeface="Inter Semi" panose="020B0502030000000004" pitchFamily="34" charset="0"/>
+              <a:cs typeface="Inter Semi" panose="020B0502030000000004" pitchFamily="34" charset="0"/>
             </a:endParaRPr>
           </a:p>
         </p:txBody>
@@ -14904,7 +17476,7 @@
         <p:spPr bwMode="auto">
           <a:xfrm>
             <a:off x="1219200" y="997227"/>
-            <a:ext cx="6019800" cy="460375"/>
+            <a:ext cx="6019800" cy="1198880"/>
           </a:xfrm>
           <a:prstGeom prst="rect">
             <a:avLst/>
@@ -15026,24 +17598,84 @@
             </a:lvl9pPr>
           </a:lstStyle>
           <a:p>
-            <a:pPr indent="0" eaLnBrk="1" hangingPunct="1">
+            <a:pPr marL="342900" indent="-342900" eaLnBrk="1" hangingPunct="1">
               <a:lnSpc>
                 <a:spcPct val="120000"/>
               </a:lnSpc>
               <a:buFont typeface="Arial" panose="020B0604020202090204" pitchFamily="34" charset="0"/>
-              <a:buNone/>
+              <a:buChar char="•"/>
             </a:pPr>
+            <a:r>
+              <a:rPr lang="en-US" sz="2000" dirty="0">
+                <a:latin typeface="Inter" panose="020B0502030000000004" pitchFamily="34" charset="0"/>
+                <a:ea typeface="Inter" panose="020B0502030000000004" pitchFamily="34" charset="0"/>
+                <a:cs typeface="Inter" panose="020B0502030000000004" pitchFamily="34" charset="0"/>
+              </a:rPr>
+              <a:t>Raw signal model, 2d</a:t>
+            </a:r>
             <a:endParaRPr lang="en-US" sz="2000" dirty="0">
               <a:latin typeface="Inter" panose="020B0502030000000004" pitchFamily="34" charset="0"/>
               <a:ea typeface="Inter" panose="020B0502030000000004" pitchFamily="34" charset="0"/>
               <a:cs typeface="Inter" panose="020B0502030000000004" pitchFamily="34" charset="0"/>
             </a:endParaRPr>
           </a:p>
-        </p:txBody>
-      </p:sp>
-      <p:sp>
-        <p:nvSpPr>
-          <p:cNvPr id="3" name="Slide Number Placeholder 1"/>
+          <a:p>
+            <a:pPr marL="285750" indent="-285750" eaLnBrk="1" hangingPunct="1">
+              <a:lnSpc>
+                <a:spcPct val="120000"/>
+              </a:lnSpc>
+              <a:buFont typeface="Arial" panose="020B0604020202090204" pitchFamily="34" charset="0"/>
+              <a:buChar char="•"/>
+            </a:pPr>
+            <a:r>
+              <a:rPr lang="en-US" sz="2000" dirty="0">
+                <a:latin typeface="Inter" panose="020B0502030000000004" pitchFamily="34" charset="0"/>
+                <a:ea typeface="Inter" panose="020B0502030000000004" pitchFamily="34" charset="0"/>
+                <a:cs typeface="Inter" panose="020B0502030000000004" pitchFamily="34" charset="0"/>
+              </a:rPr>
+              <a:t> Spectrum based model, 3d and one-image</a:t>
+            </a:r>
+            <a:endParaRPr lang="en-US" sz="2000" dirty="0">
+              <a:latin typeface="Inter" panose="020B0502030000000004" pitchFamily="34" charset="0"/>
+              <a:ea typeface="Inter" panose="020B0502030000000004" pitchFamily="34" charset="0"/>
+              <a:cs typeface="Inter" panose="020B0502030000000004" pitchFamily="34" charset="0"/>
+            </a:endParaRPr>
+          </a:p>
+          <a:p>
+            <a:pPr marL="285750" indent="-285750" eaLnBrk="1" hangingPunct="1">
+              <a:lnSpc>
+                <a:spcPct val="120000"/>
+              </a:lnSpc>
+              <a:buFont typeface="Arial" panose="020B0604020202090204" pitchFamily="34" charset="0"/>
+              <a:buChar char="•"/>
+            </a:pPr>
+            <a:r>
+              <a:rPr lang="en-US" sz="2000" dirty="0">
+                <a:latin typeface="Inter" panose="020B0502030000000004" pitchFamily="34" charset="0"/>
+                <a:ea typeface="Inter" panose="020B0502030000000004" pitchFamily="34" charset="0"/>
+                <a:cs typeface="Inter" panose="020B0502030000000004" pitchFamily="34" charset="0"/>
+              </a:rPr>
+              <a:t> </a:t>
+            </a:r>
+            <a:r>
+              <a:rPr lang="en-US" sz="2000" dirty="0">
+                <a:latin typeface="Inter" panose="020B0502030000000004" pitchFamily="34" charset="0"/>
+                <a:ea typeface="Inter" panose="020B0502030000000004" pitchFamily="34" charset="0"/>
+                <a:cs typeface="Inter" panose="020B0502030000000004" pitchFamily="34" charset="0"/>
+              </a:rPr>
+              <a:t>Hybrid</a:t>
+            </a:r>
+            <a:endParaRPr lang="en-US" sz="2000" dirty="0">
+              <a:latin typeface="Inter" panose="020B0502030000000004" pitchFamily="34" charset="0"/>
+              <a:ea typeface="Inter" panose="020B0502030000000004" pitchFamily="34" charset="0"/>
+              <a:cs typeface="Inter" panose="020B0502030000000004" pitchFamily="34" charset="0"/>
+            </a:endParaRPr>
+          </a:p>
+        </p:txBody>
+      </p:sp>
+      <p:sp>
+        <p:nvSpPr>
+          <p:cNvPr id="2" name="Slide Number Placeholder 1"/>
           <p:cNvSpPr>
             <a:spLocks noGrp="1"/>
           </p:cNvSpPr>
@@ -15072,7 +17704,7 @@
         <p:spPr>
           <a:xfrm>
             <a:off x="274983" y="183874"/>
-            <a:ext cx="5135217" cy="523220"/>
+            <a:ext cx="5135217" cy="521970"/>
           </a:xfrm>
           <a:prstGeom prst="rect">
             <a:avLst/>
@@ -15090,7 +17722,7 @@
                 <a:ea typeface="Inter Semi" panose="020B0502030000000004" pitchFamily="34" charset="0"/>
                 <a:cs typeface="Inter Semi" panose="020B0502030000000004" pitchFamily="34" charset="0"/>
               </a:rPr>
-              <a:t>Summary</a:t>
+              <a:t>Model</a:t>
             </a:r>
             <a:endParaRPr lang="en-US" sz="1200" b="1" dirty="0">
               <a:latin typeface="Inter Semi" panose="020B0502030000000004" pitchFamily="34" charset="0"/>
@@ -15143,97 +17775,6 @@
           </a:fontRef>
         </p:style>
       </p:cxnSp>
-      <p:sp>
-        <p:nvSpPr>
-          <p:cNvPr id="6" name="Rectangle 16"/>
-          <p:cNvSpPr/>
-          <p:nvPr>
-            <p:custDataLst>
-              <p:tags r:id="rId1"/>
-            </p:custDataLst>
-          </p:nvPr>
-        </p:nvSpPr>
-        <p:spPr>
-          <a:xfrm>
-            <a:off x="274983" y="707114"/>
-            <a:ext cx="5135217" cy="337185"/>
-          </a:xfrm>
-          <a:prstGeom prst="rect">
-            <a:avLst/>
-          </a:prstGeom>
-        </p:spPr>
-        <p:txBody>
-          <a:bodyPr wrap="square">
-            <a:spAutoFit/>
-          </a:bodyPr>
-          <a:p>
-            <a:r>
-              <a:rPr lang="en-US" sz="1600" b="1" dirty="0">
-                <a:latin typeface="Inter" panose="020B0502030000000004" pitchFamily="34" charset="0"/>
-                <a:ea typeface="Inter" panose="020B0502030000000004" pitchFamily="34" charset="0"/>
-                <a:cs typeface="Inter" panose="020B0502030000000004" pitchFamily="34" charset="0"/>
-              </a:rPr>
-              <a:t>RAW eeg model</a:t>
-            </a:r>
-            <a:endParaRPr lang="en-US" sz="1600" b="1" dirty="0">
-              <a:latin typeface="Inter" panose="020B0502030000000004" pitchFamily="34" charset="0"/>
-              <a:ea typeface="Inter" panose="020B0502030000000004" pitchFamily="34" charset="0"/>
-              <a:cs typeface="Inter" panose="020B0502030000000004" pitchFamily="34" charset="0"/>
-            </a:endParaRPr>
-          </a:p>
-        </p:txBody>
-      </p:sp>
-      <p:sp>
-        <p:nvSpPr>
-          <p:cNvPr id="7" name="文本框 6"/>
-          <p:cNvSpPr txBox="1"/>
-          <p:nvPr/>
-        </p:nvSpPr>
-        <p:spPr>
-          <a:xfrm>
-            <a:off x="274955" y="3714750"/>
-            <a:ext cx="4572000" cy="922020"/>
-          </a:xfrm>
-          <a:prstGeom prst="rect">
-            <a:avLst/>
-          </a:prstGeom>
-          <a:noFill/>
-        </p:spPr>
-        <p:txBody>
-          <a:bodyPr wrap="square" rtlCol="0" anchor="t">
-            <a:spAutoFit/>
-          </a:bodyPr>
-          <a:p>
-            <a:r>
-              <a:rPr lang="zh-CN" altLang="en-US"/>
-              <a:t>With efficinetnetb5, </a:t>
-            </a:r>
-            <a:endParaRPr lang="zh-CN" altLang="en-US"/>
-          </a:p>
-          <a:p>
-            <a:r>
-              <a:rPr lang="zh-CN" altLang="en-US"/>
-              <a:t>public </a:t>
-            </a:r>
-            <a:r>
-              <a:rPr lang="en-US" altLang="zh-CN"/>
-              <a:t> </a:t>
-            </a:r>
-            <a:r>
-              <a:rPr lang="zh-CN" altLang="en-US"/>
-              <a:t>lb 0.230</a:t>
-            </a:r>
-            <a:endParaRPr lang="zh-CN" altLang="en-US"/>
-          </a:p>
-          <a:p>
-            <a:r>
-              <a:rPr lang="zh-CN" altLang="en-US"/>
-              <a:t>private lb 0.282</a:t>
-            </a:r>
-            <a:endParaRPr lang="zh-CN" altLang="en-US"/>
-          </a:p>
-        </p:txBody>
-      </p:sp>
     </p:spTree>
   </p:cSld>
   <p:clrMapOvr>
@@ -15286,7 +17827,74 @@
 </p:tagLst>
 </file>
 
+<file path=ppt/tags/tag15.xml><?xml version="1.0" encoding="utf-8"?>
+<p:tagLst xmlns:p="http://schemas.openxmlformats.org/presentationml/2006/main">
+  <p:tag name="KSO_WM_BEAUTIFY_FLAG" val=""/>
+</p:tagLst>
+</file>
+
+<file path=ppt/tags/tag16.xml><?xml version="1.0" encoding="utf-8"?>
+<p:tagLst xmlns:p="http://schemas.openxmlformats.org/presentationml/2006/main">
+  <p:tag name="KSO_WM_BEAUTIFY_FLAG" val=""/>
+</p:tagLst>
+</file>
+
+<file path=ppt/tags/tag17.xml><?xml version="1.0" encoding="utf-8"?>
+<p:tagLst xmlns:p="http://schemas.openxmlformats.org/presentationml/2006/main">
+  <p:tag name="KSO_WM_BEAUTIFY_FLAG" val=""/>
+</p:tagLst>
+</file>
+
+<file path=ppt/tags/tag18.xml><?xml version="1.0" encoding="utf-8"?>
+<p:tagLst xmlns:p="http://schemas.openxmlformats.org/presentationml/2006/main">
+  <p:tag name="KSO_WM_BEAUTIFY_FLAG" val=""/>
+</p:tagLst>
+</file>
+
+<file path=ppt/tags/tag19.xml><?xml version="1.0" encoding="utf-8"?>
+<p:tagLst xmlns:p="http://schemas.openxmlformats.org/presentationml/2006/main">
+  <p:tag name="KSO_WM_BEAUTIFY_FLAG" val=""/>
+</p:tagLst>
+</file>
+
 <file path=ppt/tags/tag2.xml><?xml version="1.0" encoding="utf-8"?>
+<p:tagLst xmlns:p="http://schemas.openxmlformats.org/presentationml/2006/main">
+  <p:tag name="KSO_WM_BEAUTIFY_FLAG" val=""/>
+</p:tagLst>
+</file>
+
+<file path=ppt/tags/tag20.xml><?xml version="1.0" encoding="utf-8"?>
+<p:tagLst xmlns:p="http://schemas.openxmlformats.org/presentationml/2006/main">
+  <p:tag name="KSO_WM_BEAUTIFY_FLAG" val=""/>
+</p:tagLst>
+</file>
+
+<file path=ppt/tags/tag21.xml><?xml version="1.0" encoding="utf-8"?>
+<p:tagLst xmlns:p="http://schemas.openxmlformats.org/presentationml/2006/main">
+  <p:tag name="TABLE_ENDDRAG_ORIGIN_RECT" val="684*80"/>
+  <p:tag name="TABLE_ENDDRAG_RECT" val="36*166*684*80"/>
+</p:tagLst>
+</file>
+
+<file path=ppt/tags/tag22.xml><?xml version="1.0" encoding="utf-8"?>
+<p:tagLst xmlns:p="http://schemas.openxmlformats.org/presentationml/2006/main">
+  <p:tag name="KSO_WM_BEAUTIFY_FLAG" val=""/>
+</p:tagLst>
+</file>
+
+<file path=ppt/tags/tag23.xml><?xml version="1.0" encoding="utf-8"?>
+<p:tagLst xmlns:p="http://schemas.openxmlformats.org/presentationml/2006/main">
+  <p:tag name="KSO_WM_BEAUTIFY_FLAG" val=""/>
+</p:tagLst>
+</file>
+
+<file path=ppt/tags/tag24.xml><?xml version="1.0" encoding="utf-8"?>
+<p:tagLst xmlns:p="http://schemas.openxmlformats.org/presentationml/2006/main">
+  <p:tag name="KSO_WM_BEAUTIFY_FLAG" val=""/>
+</p:tagLst>
+</file>
+
+<file path=ppt/tags/tag25.xml><?xml version="1.0" encoding="utf-8"?>
 <p:tagLst xmlns:p="http://schemas.openxmlformats.org/presentationml/2006/main">
   <p:tag name="KSO_WM_BEAUTIFY_FLAG" val=""/>
 </p:tagLst>
